--- a/[文献调研] Sarcasm as Contrast between a Positive Sentiment and Negative Situation.pptx
+++ b/[文献调研] Sarcasm as Contrast between a Positive Sentiment and Negative Situation.pptx
@@ -4,20 +4,35 @@
   <p:sldMasterIdLst>
     <p:sldMasterId id="2147483660" r:id="rId1"/>
   </p:sldMasterIdLst>
+  <p:notesMasterIdLst>
+    <p:notesMasterId r:id="rId27"/>
+  </p:notesMasterIdLst>
   <p:sldIdLst>
     <p:sldId id="256" r:id="rId2"/>
     <p:sldId id="257" r:id="rId3"/>
     <p:sldId id="258" r:id="rId4"/>
     <p:sldId id="259" r:id="rId5"/>
-    <p:sldId id="260" r:id="rId6"/>
-    <p:sldId id="261" r:id="rId7"/>
-    <p:sldId id="262" r:id="rId8"/>
-    <p:sldId id="264" r:id="rId9"/>
-    <p:sldId id="265" r:id="rId10"/>
-    <p:sldId id="268" r:id="rId11"/>
-    <p:sldId id="266" r:id="rId12"/>
-    <p:sldId id="267" r:id="rId13"/>
-    <p:sldId id="263" r:id="rId14"/>
+    <p:sldId id="261" r:id="rId6"/>
+    <p:sldId id="262" r:id="rId7"/>
+    <p:sldId id="268" r:id="rId8"/>
+    <p:sldId id="266" r:id="rId9"/>
+    <p:sldId id="267" r:id="rId10"/>
+    <p:sldId id="269" r:id="rId11"/>
+    <p:sldId id="270" r:id="rId12"/>
+    <p:sldId id="271" r:id="rId13"/>
+    <p:sldId id="272" r:id="rId14"/>
+    <p:sldId id="274" r:id="rId15"/>
+    <p:sldId id="273" r:id="rId16"/>
+    <p:sldId id="276" r:id="rId17"/>
+    <p:sldId id="275" r:id="rId18"/>
+    <p:sldId id="278" r:id="rId19"/>
+    <p:sldId id="281" r:id="rId20"/>
+    <p:sldId id="279" r:id="rId21"/>
+    <p:sldId id="280" r:id="rId22"/>
+    <p:sldId id="282" r:id="rId23"/>
+    <p:sldId id="283" r:id="rId24"/>
+    <p:sldId id="284" r:id="rId25"/>
+    <p:sldId id="285" r:id="rId26"/>
   </p:sldIdLst>
   <p:sldSz cx="12192000" cy="6858000"/>
   <p:notesSz cx="6858000" cy="9144000"/>
@@ -124,6 +139,524 @@
 </p:presentation>
 </file>
 
+<file path=ppt/notesMasters/notesMaster1.xml><?xml version="1.0" encoding="utf-8"?>
+<p:notesMaster xmlns:a="http://schemas.openxmlformats.org/drawingml/2006/main" xmlns:r="http://schemas.openxmlformats.org/officeDocument/2006/relationships" xmlns:p="http://schemas.openxmlformats.org/presentationml/2006/main">
+  <p:cSld>
+    <p:bg>
+      <p:bgRef idx="1001">
+        <a:schemeClr val="bg1"/>
+      </p:bgRef>
+    </p:bg>
+    <p:spTree>
+      <p:nvGrpSpPr>
+        <p:cNvPr id="1" name=""/>
+        <p:cNvGrpSpPr/>
+        <p:nvPr/>
+      </p:nvGrpSpPr>
+      <p:grpSpPr>
+        <a:xfrm>
+          <a:off x="0" y="0"/>
+          <a:ext cx="0" cy="0"/>
+          <a:chOff x="0" y="0"/>
+          <a:chExt cx="0" cy="0"/>
+        </a:xfrm>
+      </p:grpSpPr>
+      <p:sp>
+        <p:nvSpPr>
+          <p:cNvPr id="2" name="页眉占位符 1"/>
+          <p:cNvSpPr>
+            <a:spLocks noGrp="1"/>
+          </p:cNvSpPr>
+          <p:nvPr>
+            <p:ph type="hdr" sz="quarter"/>
+          </p:nvPr>
+        </p:nvSpPr>
+        <p:spPr>
+          <a:xfrm>
+            <a:off x="0" y="0"/>
+            <a:ext cx="2971800" cy="458788"/>
+          </a:xfrm>
+          <a:prstGeom prst="rect">
+            <a:avLst/>
+          </a:prstGeom>
+        </p:spPr>
+        <p:txBody>
+          <a:bodyPr vert="horz" lIns="91440" tIns="45720" rIns="91440" bIns="45720" rtlCol="0"/>
+          <a:lstStyle>
+            <a:lvl1pPr algn="l">
+              <a:defRPr sz="1200"/>
+            </a:lvl1pPr>
+          </a:lstStyle>
+          <a:p>
+            <a:endParaRPr kumimoji="1" lang="zh-CN" altLang="en-US"/>
+          </a:p>
+        </p:txBody>
+      </p:sp>
+      <p:sp>
+        <p:nvSpPr>
+          <p:cNvPr id="3" name="日期占位符 2"/>
+          <p:cNvSpPr>
+            <a:spLocks noGrp="1"/>
+          </p:cNvSpPr>
+          <p:nvPr>
+            <p:ph type="dt" idx="1"/>
+          </p:nvPr>
+        </p:nvSpPr>
+        <p:spPr>
+          <a:xfrm>
+            <a:off x="3884613" y="0"/>
+            <a:ext cx="2971800" cy="458788"/>
+          </a:xfrm>
+          <a:prstGeom prst="rect">
+            <a:avLst/>
+          </a:prstGeom>
+        </p:spPr>
+        <p:txBody>
+          <a:bodyPr vert="horz" lIns="91440" tIns="45720" rIns="91440" bIns="45720" rtlCol="0"/>
+          <a:lstStyle>
+            <a:lvl1pPr algn="r">
+              <a:defRPr sz="1200"/>
+            </a:lvl1pPr>
+          </a:lstStyle>
+          <a:p>
+            <a:fld id="{8C2059D1-DBB2-CE41-A6F1-011FEAF02FDA}" type="datetimeFigureOut">
+              <a:rPr kumimoji="1" lang="zh-CN" altLang="en-US" smtClean="0"/>
+              <a:t>2018/11/3</a:t>
+            </a:fld>
+            <a:endParaRPr kumimoji="1" lang="zh-CN" altLang="en-US"/>
+          </a:p>
+        </p:txBody>
+      </p:sp>
+      <p:sp>
+        <p:nvSpPr>
+          <p:cNvPr id="4" name="幻灯片图像占位符 3"/>
+          <p:cNvSpPr>
+            <a:spLocks noGrp="1" noRot="1" noChangeAspect="1"/>
+          </p:cNvSpPr>
+          <p:nvPr>
+            <p:ph type="sldImg" idx="2"/>
+          </p:nvPr>
+        </p:nvSpPr>
+        <p:spPr>
+          <a:xfrm>
+            <a:off x="685800" y="1143000"/>
+            <a:ext cx="5486400" cy="3086100"/>
+          </a:xfrm>
+          <a:prstGeom prst="rect">
+            <a:avLst/>
+          </a:prstGeom>
+          <a:noFill/>
+          <a:ln w="12700">
+            <a:solidFill>
+              <a:prstClr val="black"/>
+            </a:solidFill>
+          </a:ln>
+        </p:spPr>
+        <p:txBody>
+          <a:bodyPr vert="horz" lIns="91440" tIns="45720" rIns="91440" bIns="45720" rtlCol="0" anchor="ctr"/>
+          <a:lstStyle/>
+          <a:p>
+            <a:endParaRPr lang="zh-CN" altLang="en-US"/>
+          </a:p>
+        </p:txBody>
+      </p:sp>
+      <p:sp>
+        <p:nvSpPr>
+          <p:cNvPr id="5" name="备注占位符 4"/>
+          <p:cNvSpPr>
+            <a:spLocks noGrp="1"/>
+          </p:cNvSpPr>
+          <p:nvPr>
+            <p:ph type="body" sz="quarter" idx="3"/>
+          </p:nvPr>
+        </p:nvSpPr>
+        <p:spPr>
+          <a:xfrm>
+            <a:off x="685800" y="4400550"/>
+            <a:ext cx="5486400" cy="3600450"/>
+          </a:xfrm>
+          <a:prstGeom prst="rect">
+            <a:avLst/>
+          </a:prstGeom>
+        </p:spPr>
+        <p:txBody>
+          <a:bodyPr vert="horz" lIns="91440" tIns="45720" rIns="91440" bIns="45720" rtlCol="0"/>
+          <a:lstStyle/>
+          <a:p>
+            <a:pPr lvl="0"/>
+            <a:r>
+              <a:rPr kumimoji="1" lang="zh-CN" altLang="en-US" smtClean="0"/>
+              <a:t>单击此处编辑母版文本样式</a:t>
+            </a:r>
+          </a:p>
+          <a:p>
+            <a:pPr lvl="1"/>
+            <a:r>
+              <a:rPr kumimoji="1" lang="zh-CN" altLang="en-US" smtClean="0"/>
+              <a:t>二级</a:t>
+            </a:r>
+          </a:p>
+          <a:p>
+            <a:pPr lvl="2"/>
+            <a:r>
+              <a:rPr kumimoji="1" lang="zh-CN" altLang="en-US" smtClean="0"/>
+              <a:t>三级</a:t>
+            </a:r>
+          </a:p>
+          <a:p>
+            <a:pPr lvl="3"/>
+            <a:r>
+              <a:rPr kumimoji="1" lang="zh-CN" altLang="en-US" smtClean="0"/>
+              <a:t>四级</a:t>
+            </a:r>
+          </a:p>
+          <a:p>
+            <a:pPr lvl="4"/>
+            <a:r>
+              <a:rPr kumimoji="1" lang="zh-CN" altLang="en-US" smtClean="0"/>
+              <a:t>五级</a:t>
+            </a:r>
+            <a:endParaRPr kumimoji="1" lang="zh-CN" altLang="en-US"/>
+          </a:p>
+        </p:txBody>
+      </p:sp>
+      <p:sp>
+        <p:nvSpPr>
+          <p:cNvPr id="6" name="页脚占位符 5"/>
+          <p:cNvSpPr>
+            <a:spLocks noGrp="1"/>
+          </p:cNvSpPr>
+          <p:nvPr>
+            <p:ph type="ftr" sz="quarter" idx="4"/>
+          </p:nvPr>
+        </p:nvSpPr>
+        <p:spPr>
+          <a:xfrm>
+            <a:off x="0" y="8685213"/>
+            <a:ext cx="2971800" cy="458787"/>
+          </a:xfrm>
+          <a:prstGeom prst="rect">
+            <a:avLst/>
+          </a:prstGeom>
+        </p:spPr>
+        <p:txBody>
+          <a:bodyPr vert="horz" lIns="91440" tIns="45720" rIns="91440" bIns="45720" rtlCol="0" anchor="b"/>
+          <a:lstStyle>
+            <a:lvl1pPr algn="l">
+              <a:defRPr sz="1200"/>
+            </a:lvl1pPr>
+          </a:lstStyle>
+          <a:p>
+            <a:endParaRPr kumimoji="1" lang="zh-CN" altLang="en-US"/>
+          </a:p>
+        </p:txBody>
+      </p:sp>
+      <p:sp>
+        <p:nvSpPr>
+          <p:cNvPr id="7" name="幻灯片编号占位符 6"/>
+          <p:cNvSpPr>
+            <a:spLocks noGrp="1"/>
+          </p:cNvSpPr>
+          <p:nvPr>
+            <p:ph type="sldNum" sz="quarter" idx="5"/>
+          </p:nvPr>
+        </p:nvSpPr>
+        <p:spPr>
+          <a:xfrm>
+            <a:off x="3884613" y="8685213"/>
+            <a:ext cx="2971800" cy="458787"/>
+          </a:xfrm>
+          <a:prstGeom prst="rect">
+            <a:avLst/>
+          </a:prstGeom>
+        </p:spPr>
+        <p:txBody>
+          <a:bodyPr vert="horz" lIns="91440" tIns="45720" rIns="91440" bIns="45720" rtlCol="0" anchor="b"/>
+          <a:lstStyle>
+            <a:lvl1pPr algn="r">
+              <a:defRPr sz="1200"/>
+            </a:lvl1pPr>
+          </a:lstStyle>
+          <a:p>
+            <a:fld id="{7F69C582-21A6-2449-8577-7DB80D496DC5}" type="slidenum">
+              <a:rPr kumimoji="1" lang="zh-CN" altLang="en-US" smtClean="0"/>
+              <a:t>‹#›</a:t>
+            </a:fld>
+            <a:endParaRPr kumimoji="1" lang="zh-CN" altLang="en-US"/>
+          </a:p>
+        </p:txBody>
+      </p:sp>
+    </p:spTree>
+    <p:extLst>
+      <p:ext uri="{BB962C8B-B14F-4D97-AF65-F5344CB8AC3E}">
+        <p14:creationId xmlns:p14="http://schemas.microsoft.com/office/powerpoint/2010/main" val="98326482"/>
+      </p:ext>
+    </p:extLst>
+  </p:cSld>
+  <p:clrMap bg1="lt1" tx1="dk1" bg2="lt2" tx2="dk2" accent1="accent1" accent2="accent2" accent3="accent3" accent4="accent4" accent5="accent5" accent6="accent6" hlink="hlink" folHlink="folHlink"/>
+  <p:notesStyle>
+    <a:lvl1pPr marL="0" algn="l" defTabSz="914400" rtl="0" eaLnBrk="1" latinLnBrk="0" hangingPunct="1">
+      <a:defRPr sz="1200" kern="1200">
+        <a:solidFill>
+          <a:schemeClr val="tx1"/>
+        </a:solidFill>
+        <a:latin typeface="+mn-lt"/>
+        <a:ea typeface="+mn-ea"/>
+        <a:cs typeface="+mn-cs"/>
+      </a:defRPr>
+    </a:lvl1pPr>
+    <a:lvl2pPr marL="457200" algn="l" defTabSz="914400" rtl="0" eaLnBrk="1" latinLnBrk="0" hangingPunct="1">
+      <a:defRPr sz="1200" kern="1200">
+        <a:solidFill>
+          <a:schemeClr val="tx1"/>
+        </a:solidFill>
+        <a:latin typeface="+mn-lt"/>
+        <a:ea typeface="+mn-ea"/>
+        <a:cs typeface="+mn-cs"/>
+      </a:defRPr>
+    </a:lvl2pPr>
+    <a:lvl3pPr marL="914400" algn="l" defTabSz="914400" rtl="0" eaLnBrk="1" latinLnBrk="0" hangingPunct="1">
+      <a:defRPr sz="1200" kern="1200">
+        <a:solidFill>
+          <a:schemeClr val="tx1"/>
+        </a:solidFill>
+        <a:latin typeface="+mn-lt"/>
+        <a:ea typeface="+mn-ea"/>
+        <a:cs typeface="+mn-cs"/>
+      </a:defRPr>
+    </a:lvl3pPr>
+    <a:lvl4pPr marL="1371600" algn="l" defTabSz="914400" rtl="0" eaLnBrk="1" latinLnBrk="0" hangingPunct="1">
+      <a:defRPr sz="1200" kern="1200">
+        <a:solidFill>
+          <a:schemeClr val="tx1"/>
+        </a:solidFill>
+        <a:latin typeface="+mn-lt"/>
+        <a:ea typeface="+mn-ea"/>
+        <a:cs typeface="+mn-cs"/>
+      </a:defRPr>
+    </a:lvl4pPr>
+    <a:lvl5pPr marL="1828800" algn="l" defTabSz="914400" rtl="0" eaLnBrk="1" latinLnBrk="0" hangingPunct="1">
+      <a:defRPr sz="1200" kern="1200">
+        <a:solidFill>
+          <a:schemeClr val="tx1"/>
+        </a:solidFill>
+        <a:latin typeface="+mn-lt"/>
+        <a:ea typeface="+mn-ea"/>
+        <a:cs typeface="+mn-cs"/>
+      </a:defRPr>
+    </a:lvl5pPr>
+    <a:lvl6pPr marL="2286000" algn="l" defTabSz="914400" rtl="0" eaLnBrk="1" latinLnBrk="0" hangingPunct="1">
+      <a:defRPr sz="1200" kern="1200">
+        <a:solidFill>
+          <a:schemeClr val="tx1"/>
+        </a:solidFill>
+        <a:latin typeface="+mn-lt"/>
+        <a:ea typeface="+mn-ea"/>
+        <a:cs typeface="+mn-cs"/>
+      </a:defRPr>
+    </a:lvl6pPr>
+    <a:lvl7pPr marL="2743200" algn="l" defTabSz="914400" rtl="0" eaLnBrk="1" latinLnBrk="0" hangingPunct="1">
+      <a:defRPr sz="1200" kern="1200">
+        <a:solidFill>
+          <a:schemeClr val="tx1"/>
+        </a:solidFill>
+        <a:latin typeface="+mn-lt"/>
+        <a:ea typeface="+mn-ea"/>
+        <a:cs typeface="+mn-cs"/>
+      </a:defRPr>
+    </a:lvl7pPr>
+    <a:lvl8pPr marL="3200400" algn="l" defTabSz="914400" rtl="0" eaLnBrk="1" latinLnBrk="0" hangingPunct="1">
+      <a:defRPr sz="1200" kern="1200">
+        <a:solidFill>
+          <a:schemeClr val="tx1"/>
+        </a:solidFill>
+        <a:latin typeface="+mn-lt"/>
+        <a:ea typeface="+mn-ea"/>
+        <a:cs typeface="+mn-cs"/>
+      </a:defRPr>
+    </a:lvl8pPr>
+    <a:lvl9pPr marL="3657600" algn="l" defTabSz="914400" rtl="0" eaLnBrk="1" latinLnBrk="0" hangingPunct="1">
+      <a:defRPr sz="1200" kern="1200">
+        <a:solidFill>
+          <a:schemeClr val="tx1"/>
+        </a:solidFill>
+        <a:latin typeface="+mn-lt"/>
+        <a:ea typeface="+mn-ea"/>
+        <a:cs typeface="+mn-cs"/>
+      </a:defRPr>
+    </a:lvl9pPr>
+  </p:notesStyle>
+</p:notesMaster>
+</file>
+
+<file path=ppt/notesSlides/notesSlide1.xml><?xml version="1.0" encoding="utf-8"?>
+<p:notes xmlns:a="http://schemas.openxmlformats.org/drawingml/2006/main" xmlns:r="http://schemas.openxmlformats.org/officeDocument/2006/relationships" xmlns:p="http://schemas.openxmlformats.org/presentationml/2006/main">
+  <p:cSld>
+    <p:spTree>
+      <p:nvGrpSpPr>
+        <p:cNvPr id="1" name=""/>
+        <p:cNvGrpSpPr/>
+        <p:nvPr/>
+      </p:nvGrpSpPr>
+      <p:grpSpPr>
+        <a:xfrm>
+          <a:off x="0" y="0"/>
+          <a:ext cx="0" cy="0"/>
+          <a:chOff x="0" y="0"/>
+          <a:chExt cx="0" cy="0"/>
+        </a:xfrm>
+      </p:grpSpPr>
+      <p:sp>
+        <p:nvSpPr>
+          <p:cNvPr id="2" name="幻灯片图像占位符 1"/>
+          <p:cNvSpPr>
+            <a:spLocks noGrp="1" noRot="1" noChangeAspect="1"/>
+          </p:cNvSpPr>
+          <p:nvPr>
+            <p:ph type="sldImg"/>
+          </p:nvPr>
+        </p:nvSpPr>
+        <p:spPr/>
+      </p:sp>
+      <p:sp>
+        <p:nvSpPr>
+          <p:cNvPr id="3" name="备注占位符 2"/>
+          <p:cNvSpPr>
+            <a:spLocks noGrp="1"/>
+          </p:cNvSpPr>
+          <p:nvPr>
+            <p:ph type="body" idx="1"/>
+          </p:nvPr>
+        </p:nvSpPr>
+        <p:spPr/>
+        <p:txBody>
+          <a:bodyPr/>
+          <a:lstStyle/>
+          <a:p>
+            <a:endParaRPr kumimoji="1" lang="zh-CN" altLang="en-US" dirty="0"/>
+          </a:p>
+        </p:txBody>
+      </p:sp>
+      <p:sp>
+        <p:nvSpPr>
+          <p:cNvPr id="4" name="幻灯片编号占位符 3"/>
+          <p:cNvSpPr>
+            <a:spLocks noGrp="1"/>
+          </p:cNvSpPr>
+          <p:nvPr>
+            <p:ph type="sldNum" sz="quarter" idx="10"/>
+          </p:nvPr>
+        </p:nvSpPr>
+        <p:spPr/>
+        <p:txBody>
+          <a:bodyPr/>
+          <a:lstStyle/>
+          <a:p>
+            <a:fld id="{7F69C582-21A6-2449-8577-7DB80D496DC5}" type="slidenum">
+              <a:rPr kumimoji="1" lang="zh-CN" altLang="en-US" smtClean="0"/>
+              <a:t>3</a:t>
+            </a:fld>
+            <a:endParaRPr kumimoji="1" lang="zh-CN" altLang="en-US"/>
+          </a:p>
+        </p:txBody>
+      </p:sp>
+    </p:spTree>
+    <p:extLst>
+      <p:ext uri="{BB962C8B-B14F-4D97-AF65-F5344CB8AC3E}">
+        <p14:creationId xmlns:p14="http://schemas.microsoft.com/office/powerpoint/2010/main" val="1158258431"/>
+      </p:ext>
+    </p:extLst>
+  </p:cSld>
+  <p:clrMapOvr>
+    <a:masterClrMapping/>
+  </p:clrMapOvr>
+</p:notes>
+</file>
+
+<file path=ppt/notesSlides/notesSlide2.xml><?xml version="1.0" encoding="utf-8"?>
+<p:notes xmlns:a="http://schemas.openxmlformats.org/drawingml/2006/main" xmlns:r="http://schemas.openxmlformats.org/officeDocument/2006/relationships" xmlns:p="http://schemas.openxmlformats.org/presentationml/2006/main">
+  <p:cSld>
+    <p:spTree>
+      <p:nvGrpSpPr>
+        <p:cNvPr id="1" name=""/>
+        <p:cNvGrpSpPr/>
+        <p:nvPr/>
+      </p:nvGrpSpPr>
+      <p:grpSpPr>
+        <a:xfrm>
+          <a:off x="0" y="0"/>
+          <a:ext cx="0" cy="0"/>
+          <a:chOff x="0" y="0"/>
+          <a:chExt cx="0" cy="0"/>
+        </a:xfrm>
+      </p:grpSpPr>
+      <p:sp>
+        <p:nvSpPr>
+          <p:cNvPr id="2" name="幻灯片图像占位符 1"/>
+          <p:cNvSpPr>
+            <a:spLocks noGrp="1" noRot="1" noChangeAspect="1"/>
+          </p:cNvSpPr>
+          <p:nvPr>
+            <p:ph type="sldImg"/>
+          </p:nvPr>
+        </p:nvSpPr>
+        <p:spPr/>
+      </p:sp>
+      <p:sp>
+        <p:nvSpPr>
+          <p:cNvPr id="3" name="备注占位符 2"/>
+          <p:cNvSpPr>
+            <a:spLocks noGrp="1"/>
+          </p:cNvSpPr>
+          <p:nvPr>
+            <p:ph type="body" idx="1"/>
+          </p:nvPr>
+        </p:nvSpPr>
+        <p:spPr/>
+        <p:txBody>
+          <a:bodyPr/>
+          <a:lstStyle/>
+          <a:p>
+            <a:endParaRPr kumimoji="1" lang="zh-CN" altLang="en-US" dirty="0"/>
+          </a:p>
+        </p:txBody>
+      </p:sp>
+      <p:sp>
+        <p:nvSpPr>
+          <p:cNvPr id="4" name="幻灯片编号占位符 3"/>
+          <p:cNvSpPr>
+            <a:spLocks noGrp="1"/>
+          </p:cNvSpPr>
+          <p:nvPr>
+            <p:ph type="sldNum" sz="quarter" idx="10"/>
+          </p:nvPr>
+        </p:nvSpPr>
+        <p:spPr/>
+        <p:txBody>
+          <a:bodyPr/>
+          <a:lstStyle/>
+          <a:p>
+            <a:fld id="{7F69C582-21A6-2449-8577-7DB80D496DC5}" type="slidenum">
+              <a:rPr kumimoji="1" lang="zh-CN" altLang="en-US" smtClean="0"/>
+              <a:t>5</a:t>
+            </a:fld>
+            <a:endParaRPr kumimoji="1" lang="zh-CN" altLang="en-US"/>
+          </a:p>
+        </p:txBody>
+      </p:sp>
+    </p:spTree>
+    <p:extLst>
+      <p:ext uri="{BB962C8B-B14F-4D97-AF65-F5344CB8AC3E}">
+        <p14:creationId xmlns:p14="http://schemas.microsoft.com/office/powerpoint/2010/main" val="1869292341"/>
+      </p:ext>
+    </p:extLst>
+  </p:cSld>
+  <p:clrMapOvr>
+    <a:masterClrMapping/>
+  </p:clrMapOvr>
+</p:notes>
+</file>
+
 <file path=ppt/slideLayouts/slideLayout1.xml><?xml version="1.0" encoding="utf-8"?>
 <p:sldLayout xmlns:a="http://schemas.openxmlformats.org/drawingml/2006/main" xmlns:r="http://schemas.openxmlformats.org/officeDocument/2006/relationships" xmlns:p="http://schemas.openxmlformats.org/presentationml/2006/main" showMasterSp="0" type="title" preserve="1">
   <p:cSld name="标题幻灯片">
@@ -350,7 +883,7 @@
           <a:p>
             <a:fld id="{6F0E1F6F-89FF-9D4B-A279-FC7E2A3F4822}" type="datetimeFigureOut">
               <a:rPr kumimoji="1" lang="zh-CN" altLang="en-US" smtClean="0"/>
-              <a:t>2018/9/26</a:t>
+              <a:t>2018/11/3</a:t>
             </a:fld>
             <a:endParaRPr kumimoji="1" lang="zh-CN" altLang="en-US"/>
           </a:p>
@@ -558,7 +1091,7 @@
           <a:p>
             <a:fld id="{6F0E1F6F-89FF-9D4B-A279-FC7E2A3F4822}" type="datetimeFigureOut">
               <a:rPr kumimoji="1" lang="zh-CN" altLang="en-US" smtClean="0"/>
-              <a:t>2018/9/26</a:t>
+              <a:t>2018/11/3</a:t>
             </a:fld>
             <a:endParaRPr kumimoji="1" lang="zh-CN" altLang="en-US"/>
           </a:p>
@@ -814,7 +1347,7 @@
           <a:p>
             <a:fld id="{6F0E1F6F-89FF-9D4B-A279-FC7E2A3F4822}" type="datetimeFigureOut">
               <a:rPr kumimoji="1" lang="zh-CN" altLang="en-US" smtClean="0"/>
-              <a:t>2018/9/26</a:t>
+              <a:t>2018/11/3</a:t>
             </a:fld>
             <a:endParaRPr kumimoji="1" lang="zh-CN" altLang="en-US"/>
           </a:p>
@@ -988,7 +1521,7 @@
           <a:p>
             <a:fld id="{6F0E1F6F-89FF-9D4B-A279-FC7E2A3F4822}" type="datetimeFigureOut">
               <a:rPr kumimoji="1" lang="zh-CN" altLang="en-US" smtClean="0"/>
-              <a:t>2018/9/26</a:t>
+              <a:t>2018/11/3</a:t>
             </a:fld>
             <a:endParaRPr kumimoji="1" lang="zh-CN" altLang="en-US"/>
           </a:p>
@@ -1331,7 +1864,7 @@
           <a:p>
             <a:fld id="{6F0E1F6F-89FF-9D4B-A279-FC7E2A3F4822}" type="datetimeFigureOut">
               <a:rPr kumimoji="1" lang="zh-CN" altLang="en-US" smtClean="0"/>
-              <a:t>2018/9/26</a:t>
+              <a:t>2018/11/3</a:t>
             </a:fld>
             <a:endParaRPr kumimoji="1" lang="zh-CN" altLang="en-US"/>
           </a:p>
@@ -1606,7 +2139,7 @@
           <a:p>
             <a:fld id="{6F0E1F6F-89FF-9D4B-A279-FC7E2A3F4822}" type="datetimeFigureOut">
               <a:rPr kumimoji="1" lang="zh-CN" altLang="en-US" smtClean="0"/>
-              <a:t>2018/9/26</a:t>
+              <a:t>2018/11/3</a:t>
             </a:fld>
             <a:endParaRPr kumimoji="1" lang="zh-CN" altLang="en-US"/>
           </a:p>
@@ -1985,7 +2518,7 @@
           <a:p>
             <a:fld id="{6F0E1F6F-89FF-9D4B-A279-FC7E2A3F4822}" type="datetimeFigureOut">
               <a:rPr kumimoji="1" lang="zh-CN" altLang="en-US" smtClean="0"/>
-              <a:t>2018/9/26</a:t>
+              <a:t>2018/11/3</a:t>
             </a:fld>
             <a:endParaRPr kumimoji="1" lang="zh-CN" altLang="en-US"/>
           </a:p>
@@ -2103,7 +2636,7 @@
           <a:p>
             <a:fld id="{6F0E1F6F-89FF-9D4B-A279-FC7E2A3F4822}" type="datetimeFigureOut">
               <a:rPr kumimoji="1" lang="zh-CN" altLang="en-US" smtClean="0"/>
-              <a:t>2018/9/26</a:t>
+              <a:t>2018/11/3</a:t>
             </a:fld>
             <a:endParaRPr kumimoji="1" lang="zh-CN" altLang="en-US"/>
           </a:p>
@@ -2274,7 +2807,7 @@
           <a:p>
             <a:fld id="{6F0E1F6F-89FF-9D4B-A279-FC7E2A3F4822}" type="datetimeFigureOut">
               <a:rPr kumimoji="1" lang="zh-CN" altLang="en-US" smtClean="0"/>
-              <a:t>2018/9/26</a:t>
+              <a:t>2018/11/3</a:t>
             </a:fld>
             <a:endParaRPr kumimoji="1" lang="zh-CN" altLang="en-US"/>
           </a:p>
@@ -2628,7 +3161,7 @@
           <a:p>
             <a:fld id="{6F0E1F6F-89FF-9D4B-A279-FC7E2A3F4822}" type="datetimeFigureOut">
               <a:rPr kumimoji="1" lang="zh-CN" altLang="en-US" smtClean="0"/>
-              <a:t>2018/9/26</a:t>
+              <a:t>2018/11/3</a:t>
             </a:fld>
             <a:endParaRPr kumimoji="1" lang="zh-CN" altLang="en-US"/>
           </a:p>
@@ -3010,7 +3543,7 @@
           <a:p>
             <a:fld id="{6F0E1F6F-89FF-9D4B-A279-FC7E2A3F4822}" type="datetimeFigureOut">
               <a:rPr kumimoji="1" lang="zh-CN" altLang="en-US" smtClean="0"/>
-              <a:t>2018/9/26</a:t>
+              <a:t>2018/11/3</a:t>
             </a:fld>
             <a:endParaRPr kumimoji="1" lang="zh-CN" altLang="en-US"/>
           </a:p>
@@ -3297,7 +3830,7 @@
           <a:p>
             <a:fld id="{6F0E1F6F-89FF-9D4B-A279-FC7E2A3F4822}" type="datetimeFigureOut">
               <a:rPr kumimoji="1" lang="zh-CN" altLang="en-US" smtClean="0"/>
-              <a:t>2018/9/26</a:t>
+              <a:t>2018/11/3</a:t>
             </a:fld>
             <a:endParaRPr kumimoji="1" lang="zh-CN" altLang="en-US"/>
           </a:p>
@@ -3983,7 +4516,7 @@
       </p:grpSpPr>
       <p:sp>
         <p:nvSpPr>
-          <p:cNvPr id="4" name="标题 3"/>
+          <p:cNvPr id="2" name="标题 1"/>
           <p:cNvSpPr>
             <a:spLocks noGrp="1"/>
           </p:cNvSpPr>
@@ -3998,11 +4531,7 @@
           <a:p>
             <a:r>
               <a:rPr kumimoji="1" lang="en-US" altLang="zh-CN" dirty="0"/>
-              <a:t>Harvesting C</a:t>
-            </a:r>
-            <a:r>
-              <a:rPr kumimoji="1" lang="en-US" altLang="zh-CN" dirty="0" smtClean="0"/>
-              <a:t>andidate Phrases</a:t>
+              <a:t>Learning Positive Predicative Phrases</a:t>
             </a:r>
             <a:endParaRPr kumimoji="1" lang="zh-CN" altLang="en-US" dirty="0"/>
           </a:p>
@@ -4018,173 +4547,196 @@
             <p:ph idx="1"/>
           </p:nvPr>
         </p:nvSpPr>
-        <p:spPr>
-          <a:xfrm>
-            <a:off x="1097280" y="1845733"/>
-            <a:ext cx="10058400" cy="4412191"/>
-          </a:xfrm>
-        </p:spPr>
+        <p:spPr/>
         <p:txBody>
           <a:bodyPr>
-            <a:normAutofit lnSpcReduction="10000"/>
+            <a:normAutofit/>
           </a:bodyPr>
           <a:lstStyle/>
           <a:p>
             <a:r>
               <a:rPr kumimoji="1" lang="en-US" altLang="zh-CN" dirty="0" smtClean="0"/>
+              <a:t>Use </a:t>
+            </a:r>
+            <a:r>
+              <a:rPr kumimoji="1" lang="en-US" altLang="zh-CN" dirty="0"/>
+              <a:t>24 copular </a:t>
+            </a:r>
+            <a:r>
+              <a:rPr kumimoji="1" lang="en-US" altLang="zh-CN" dirty="0" smtClean="0"/>
+              <a:t>verbs(</a:t>
+            </a:r>
+            <a:r>
+              <a:rPr kumimoji="1" lang="zh-CN" altLang="en-US" dirty="0"/>
+              <a:t>连缀动词</a:t>
+            </a:r>
+            <a:r>
+              <a:rPr kumimoji="1" lang="en-US" altLang="zh-CN" dirty="0" smtClean="0"/>
+              <a:t>) </a:t>
+            </a:r>
+            <a:r>
+              <a:rPr kumimoji="1" lang="en-US" altLang="zh-CN" dirty="0"/>
+              <a:t>from </a:t>
+            </a:r>
+            <a:r>
+              <a:rPr kumimoji="1" lang="en-US" altLang="zh-CN" dirty="0" smtClean="0"/>
+              <a:t>Wikipedia </a:t>
+            </a:r>
+            <a:r>
+              <a:rPr kumimoji="1" lang="en-US" altLang="zh-CN" dirty="0"/>
+              <a:t>and their inflections</a:t>
+            </a:r>
+            <a:r>
+              <a:rPr kumimoji="1" lang="en-US" altLang="zh-CN" dirty="0" smtClean="0"/>
+              <a:t>.</a:t>
+            </a:r>
+          </a:p>
+          <a:p>
+            <a:pPr lvl="1"/>
+            <a:r>
+              <a:rPr kumimoji="1" lang="en-US" altLang="zh-CN" dirty="0" err="1" smtClean="0"/>
+              <a:t>Copulae</a:t>
+            </a:r>
+            <a:r>
+              <a:rPr kumimoji="1" lang="en-US" altLang="zh-CN" dirty="0" smtClean="0"/>
+              <a:t>: </a:t>
+            </a:r>
+            <a:r>
+              <a:rPr kumimoji="1" lang="en-US" altLang="zh-CN" dirty="0"/>
+              <a:t>words used to link the subject of a sentence with a predicate</a:t>
+            </a:r>
+            <a:endParaRPr kumimoji="1" lang="en-US" altLang="zh-CN" dirty="0" smtClean="0"/>
+          </a:p>
+          <a:p>
+            <a:pPr lvl="1"/>
+            <a:r>
+              <a:rPr kumimoji="1" lang="en-US" altLang="zh-CN" dirty="0">
+                <a:hlinkClick r:id="rId2"/>
+              </a:rPr>
+              <a:t>https://</a:t>
+            </a:r>
+            <a:r>
+              <a:rPr kumimoji="1" lang="en-US" altLang="zh-CN" dirty="0" smtClean="0">
+                <a:hlinkClick r:id="rId2"/>
+              </a:rPr>
+              <a:t>en.wikipedia.org/wiki/List_of_English_copulae</a:t>
+            </a:r>
+            <a:endParaRPr kumimoji="1" lang="en-US" altLang="zh-CN" dirty="0"/>
+          </a:p>
+          <a:p>
+            <a:endParaRPr kumimoji="1" lang="en-US" altLang="zh-CN" dirty="0" smtClean="0"/>
+          </a:p>
+          <a:p>
+            <a:r>
+              <a:rPr kumimoji="1" lang="en-US" altLang="zh-CN" dirty="0" smtClean="0"/>
               <a:t>Extract </a:t>
             </a:r>
             <a:r>
               <a:rPr kumimoji="1" lang="en-US" altLang="zh-CN" dirty="0"/>
-              <a:t>every 1-gram, 2-gram, and 3-gram that occurs immediately after (on the right-hand side) of a positive sentiment phrase</a:t>
+              <a:t>positive sentiment candidates by extracting 1-grams, 2-grams, and 3-grams </a:t>
+            </a:r>
+            <a:r>
+              <a:rPr kumimoji="1" lang="en-US" altLang="zh-CN" dirty="0" smtClean="0"/>
+              <a:t>that</a:t>
             </a:r>
           </a:p>
           <a:p>
             <a:pPr lvl="1"/>
             <a:r>
-              <a:rPr kumimoji="1" lang="en-US" altLang="zh-CN" dirty="0"/>
-              <a:t>For example</a:t>
-            </a:r>
+              <a:rPr kumimoji="1" lang="en-US" altLang="zh-CN" dirty="0" smtClean="0"/>
+              <a:t>Appear </a:t>
+            </a:r>
+            <a:r>
+              <a:rPr kumimoji="1" lang="en-US" altLang="zh-CN" dirty="0"/>
+              <a:t>immediately </a:t>
+            </a:r>
+            <a:r>
+              <a:rPr kumimoji="1" lang="en-US" altLang="zh-CN" b="1" dirty="0">
+                <a:solidFill>
+                  <a:srgbClr val="FF0000"/>
+                </a:solidFill>
+              </a:rPr>
+              <a:t>after a copular </a:t>
+            </a:r>
+            <a:r>
+              <a:rPr kumimoji="1" lang="en-US" altLang="zh-CN" b="1" dirty="0" smtClean="0">
+                <a:solidFill>
+                  <a:srgbClr val="FF0000"/>
+                </a:solidFill>
+              </a:rPr>
+              <a:t>verb</a:t>
+            </a:r>
+          </a:p>
+          <a:p>
+            <a:pPr lvl="1"/>
+            <a:r>
+              <a:rPr kumimoji="1" lang="en-US" altLang="zh-CN" dirty="0" smtClean="0">
+                <a:solidFill>
+                  <a:srgbClr val="404040"/>
+                </a:solidFill>
+              </a:rPr>
+              <a:t>And occur </a:t>
+            </a:r>
+            <a:r>
+              <a:rPr kumimoji="1" lang="en-US" altLang="zh-CN" b="1" dirty="0">
+                <a:solidFill>
+                  <a:srgbClr val="FF0000"/>
+                </a:solidFill>
+              </a:rPr>
+              <a:t>within 5 words of the negative situation </a:t>
+            </a:r>
+            <a:r>
+              <a:rPr kumimoji="1" lang="en-US" altLang="zh-CN" dirty="0"/>
+              <a:t>phrase, on either </a:t>
+            </a:r>
+            <a:r>
+              <a:rPr kumimoji="1" lang="en-US" altLang="zh-CN" dirty="0" smtClean="0"/>
+              <a:t>side.</a:t>
+            </a:r>
+            <a:endParaRPr kumimoji="1" lang="en-US" altLang="zh-CN" dirty="0"/>
           </a:p>
           <a:p>
             <a:pPr lvl="2"/>
             <a:r>
-              <a:rPr kumimoji="1" lang="en-US" altLang="zh-CN" dirty="0"/>
-              <a:t>Tweet: I </a:t>
-            </a:r>
-            <a:r>
-              <a:rPr kumimoji="1" lang="en-US" altLang="zh-CN" b="1" dirty="0">
-                <a:solidFill>
-                  <a:srgbClr val="00B0F0"/>
-                </a:solidFill>
-              </a:rPr>
-              <a:t>love</a:t>
-            </a:r>
-            <a:r>
-              <a:rPr kumimoji="1" lang="en-US" altLang="zh-CN" dirty="0"/>
-              <a:t> waiting forever for the doctor #sarcasm</a:t>
-            </a:r>
-          </a:p>
-          <a:p>
-            <a:pPr lvl="2"/>
-            <a:r>
-              <a:rPr kumimoji="1" lang="en-US" altLang="zh-CN" dirty="0"/>
-              <a:t>Candidates: waiting, waiting forever, waiting forever for</a:t>
-            </a:r>
-          </a:p>
-          <a:p>
-            <a:r>
-              <a:rPr kumimoji="1" lang="en-US" altLang="zh-CN" dirty="0" smtClean="0"/>
-              <a:t>Apply </a:t>
-            </a:r>
-            <a:r>
-              <a:rPr kumimoji="1" lang="en-US" altLang="zh-CN" dirty="0"/>
-              <a:t>the part-of-speech (POS) tagger, filter the candidate list based on POS patterns</a:t>
-            </a:r>
-          </a:p>
-          <a:p>
-            <a:r>
-              <a:rPr kumimoji="1" lang="en-US" altLang="zh-CN" dirty="0" smtClean="0"/>
-              <a:t>For </a:t>
-            </a:r>
-            <a:r>
-              <a:rPr kumimoji="1" lang="en-US" altLang="zh-CN" dirty="0"/>
-              <a:t>negative situation phrases, our goal is to learn </a:t>
-            </a:r>
-            <a:r>
-              <a:rPr kumimoji="1" lang="en-US" altLang="zh-CN" b="1" dirty="0">
-                <a:solidFill>
-                  <a:srgbClr val="00B0F0"/>
-                </a:solidFill>
-              </a:rPr>
-              <a:t>possible verb phrase (VP)</a:t>
-            </a:r>
-            <a:r>
-              <a:rPr kumimoji="1" lang="en-US" altLang="zh-CN" dirty="0">
-                <a:solidFill>
-                  <a:srgbClr val="00B0F0"/>
-                </a:solidFill>
-              </a:rPr>
-              <a:t> </a:t>
-            </a:r>
-            <a:endParaRPr kumimoji="1" lang="en-US" altLang="zh-CN" dirty="0"/>
-          </a:p>
-          <a:p>
-            <a:pPr lvl="1"/>
-            <a:r>
-              <a:rPr kumimoji="1" lang="en-US" altLang="zh-CN" dirty="0"/>
-              <a:t>a unigram tagged as a verb (V)</a:t>
-            </a:r>
-          </a:p>
-          <a:p>
-            <a:pPr lvl="1"/>
-            <a:r>
-              <a:rPr kumimoji="1" lang="en-US" altLang="zh-CN" dirty="0" smtClean="0"/>
-              <a:t>7 </a:t>
-            </a:r>
-            <a:r>
-              <a:rPr kumimoji="1" lang="en-US" altLang="zh-CN" dirty="0"/>
-              <a:t>POS-based bigram </a:t>
-            </a:r>
-            <a:r>
-              <a:rPr kumimoji="1" lang="en-US" altLang="zh-CN" dirty="0" smtClean="0"/>
-              <a:t>patterns</a:t>
-            </a:r>
-          </a:p>
-          <a:p>
-            <a:pPr lvl="2"/>
-            <a:r>
-              <a:rPr kumimoji="1" lang="en-US" altLang="zh-CN" dirty="0" smtClean="0"/>
-              <a:t>V+V</a:t>
-            </a:r>
-            <a:r>
-              <a:rPr kumimoji="1" lang="en-US" altLang="zh-CN" dirty="0"/>
-              <a:t>, V+ADV, ADV+V, “</a:t>
+              <a:rPr kumimoji="1" lang="en-US" altLang="zh-CN" dirty="0" smtClean="0"/>
+              <a:t>e.g</a:t>
+            </a:r>
+            <a:r>
+              <a:rPr kumimoji="1" lang="en-US" altLang="zh-CN" dirty="0"/>
+              <a:t>., “</a:t>
+            </a:r>
+            <a:r>
+              <a:rPr kumimoji="1" lang="en-US" altLang="zh-CN" i="1" u="sng" dirty="0"/>
+              <a:t>It is just great</a:t>
+            </a:r>
+            <a:r>
+              <a:rPr kumimoji="1" lang="en-US" altLang="zh-CN" dirty="0"/>
+              <a:t> that my </a:t>
             </a:r>
             <a:r>
               <a:rPr kumimoji="1" lang="en-US" altLang="zh-CN" dirty="0" err="1"/>
-              <a:t>to”+V</a:t>
-            </a:r>
-            <a:r>
-              <a:rPr kumimoji="1" lang="en-US" altLang="zh-CN" dirty="0"/>
-              <a:t>, V+NOUN, V+PRO, V+ADJ</a:t>
-            </a:r>
-          </a:p>
-          <a:p>
-            <a:pPr lvl="1"/>
-            <a:r>
-              <a:rPr kumimoji="1" lang="en-US" altLang="zh-CN" dirty="0"/>
-              <a:t>20 POS-based trigram </a:t>
-            </a:r>
-            <a:r>
-              <a:rPr kumimoji="1" lang="en-US" altLang="zh-CN" dirty="0" smtClean="0"/>
-              <a:t>patterns</a:t>
-            </a:r>
-          </a:p>
-          <a:p>
-            <a:pPr lvl="2"/>
-            <a:r>
-              <a:rPr lang="en-US" altLang="zh-CN" dirty="0"/>
-              <a:t>designed to capture seven general types </a:t>
-            </a:r>
-            <a:r>
-              <a:rPr lang="en-US" altLang="zh-CN" dirty="0" smtClean="0"/>
-              <a:t>of verb </a:t>
-            </a:r>
-            <a:r>
-              <a:rPr lang="en-US" altLang="zh-CN" dirty="0"/>
-              <a:t>phrases</a:t>
-            </a:r>
-            <a:endParaRPr kumimoji="1" lang="en-US" altLang="zh-CN" dirty="0" smtClean="0"/>
-          </a:p>
-          <a:p>
-            <a:pPr lvl="2"/>
-            <a:r>
-              <a:rPr kumimoji="1" lang="en-US" altLang="zh-CN" dirty="0"/>
-              <a:t>verb and adverb mixtures, an infinitive VP that includes an adverb, a verb phrase followed by a noun phrase, a verb phrase followed by a prepositional phrase, a verb followed by an adjective phrase, or an infinitive VP followed by an adjective, noun, or pronoun.</a:t>
-            </a:r>
-          </a:p>
-          <a:p>
+              <a:t>iphone</a:t>
+            </a:r>
+            <a:r>
+              <a:rPr kumimoji="1" lang="en-US" altLang="zh-CN" dirty="0"/>
+              <a:t> was stolen” or “My </a:t>
+            </a:r>
+            <a:r>
+              <a:rPr kumimoji="1" lang="en-US" altLang="zh-CN" dirty="0" err="1"/>
+              <a:t>iphone</a:t>
+            </a:r>
+            <a:r>
+              <a:rPr kumimoji="1" lang="en-US" altLang="zh-CN" dirty="0"/>
+              <a:t> was stolen. </a:t>
+            </a:r>
+            <a:r>
+              <a:rPr kumimoji="1" lang="en-US" altLang="zh-CN" i="1" u="sng" dirty="0"/>
+              <a:t>This is great</a:t>
+            </a:r>
+            <a:r>
+              <a:rPr kumimoji="1" lang="en-US" altLang="zh-CN" dirty="0" smtClean="0"/>
+              <a:t>.”</a:t>
+            </a:r>
             <a:endParaRPr kumimoji="1" lang="zh-CN" altLang="en-US" dirty="0"/>
           </a:p>
         </p:txBody>
@@ -4192,13 +4744,20 @@
     </p:spTree>
     <p:extLst>
       <p:ext uri="{BB962C8B-B14F-4D97-AF65-F5344CB8AC3E}">
-        <p14:creationId xmlns:p14="http://schemas.microsoft.com/office/powerpoint/2010/main" val="7895146"/>
+        <p14:creationId xmlns:p14="http://schemas.microsoft.com/office/powerpoint/2010/main" val="2001039787"/>
       </p:ext>
     </p:extLst>
   </p:cSld>
   <p:clrMapOvr>
     <a:masterClrMapping/>
   </p:clrMapOvr>
+  <p:timing>
+    <p:tnLst>
+      <p:par>
+        <p:cTn id="1" dur="indefinite" restart="never" nodeType="tmRoot"/>
+      </p:par>
+    </p:tnLst>
+  </p:timing>
 </p:sld>
 </file>
 
@@ -4236,11 +4795,7 @@
           <a:p>
             <a:r>
               <a:rPr kumimoji="1" lang="en-US" altLang="zh-CN" dirty="0"/>
-              <a:t>Scoring and </a:t>
-            </a:r>
-            <a:r>
-              <a:rPr kumimoji="1" lang="en-US" altLang="zh-CN" dirty="0" smtClean="0"/>
-              <a:t>Selecting Candidates</a:t>
+              <a:t>Learning Positive Predicative Phrases</a:t>
             </a:r>
             <a:endParaRPr kumimoji="1" lang="zh-CN" altLang="en-US" dirty="0"/>
           </a:p>
@@ -4263,14 +4818,208 @@
           </a:bodyPr>
           <a:lstStyle/>
           <a:p>
+            <a:r>
+              <a:rPr kumimoji="1" lang="en-US" altLang="zh-CN" dirty="0"/>
+              <a:t>Filter the n-grams using POS tag </a:t>
+            </a:r>
+            <a:r>
+              <a:rPr kumimoji="1" lang="en-US" altLang="zh-CN" dirty="0" smtClean="0"/>
+              <a:t>patterns</a:t>
+            </a:r>
+          </a:p>
+          <a:p>
+            <a:pPr lvl="1"/>
+            <a:r>
+              <a:rPr kumimoji="1" lang="en-US" altLang="zh-CN" dirty="0" smtClean="0"/>
+              <a:t>For </a:t>
+            </a:r>
+            <a:r>
+              <a:rPr kumimoji="1" lang="en-US" altLang="zh-CN" dirty="0"/>
+              <a:t>predicate adjectives, </a:t>
+            </a:r>
+            <a:endParaRPr kumimoji="1" lang="en-US" altLang="zh-CN" dirty="0" smtClean="0"/>
+          </a:p>
+          <a:p>
+            <a:pPr lvl="2"/>
+            <a:r>
+              <a:rPr kumimoji="1" lang="en-US" altLang="zh-CN" dirty="0"/>
+              <a:t>R</a:t>
+            </a:r>
+            <a:r>
+              <a:rPr kumimoji="1" lang="en-US" altLang="zh-CN" dirty="0" smtClean="0"/>
+              <a:t>etain ADJ </a:t>
+            </a:r>
+            <a:r>
+              <a:rPr kumimoji="1" lang="en-US" altLang="zh-CN" dirty="0"/>
+              <a:t>and ADV+ADJ </a:t>
+            </a:r>
+            <a:r>
+              <a:rPr kumimoji="1" lang="en-US" altLang="zh-CN" dirty="0" smtClean="0"/>
+              <a:t>n-grams</a:t>
+            </a:r>
+          </a:p>
+          <a:p>
+            <a:pPr lvl="2"/>
+            <a:r>
+              <a:rPr kumimoji="1" lang="en-US" altLang="zh-CN" dirty="0" smtClean="0"/>
+              <a:t>Use </a:t>
+            </a:r>
+            <a:r>
+              <a:rPr kumimoji="1" lang="en-US" altLang="zh-CN" dirty="0"/>
+              <a:t>a </a:t>
+            </a:r>
+            <a:r>
+              <a:rPr kumimoji="1" lang="en-US" altLang="zh-CN" dirty="0" smtClean="0"/>
+              <a:t>few heuristics </a:t>
+            </a:r>
+            <a:r>
+              <a:rPr kumimoji="1" lang="en-US" altLang="zh-CN" dirty="0"/>
+              <a:t>to check that the adjective is not part of </a:t>
+            </a:r>
+            <a:r>
+              <a:rPr kumimoji="1" lang="en-US" altLang="zh-CN" dirty="0" smtClean="0"/>
+              <a:t>a noun phrase</a:t>
+            </a:r>
+          </a:p>
+          <a:p>
+            <a:pPr lvl="3"/>
+            <a:r>
+              <a:rPr kumimoji="1" lang="en-US" altLang="zh-CN" dirty="0" smtClean="0"/>
+              <a:t>e.g</a:t>
+            </a:r>
+            <a:r>
+              <a:rPr kumimoji="1" lang="en-US" altLang="zh-CN" dirty="0"/>
+              <a:t>., </a:t>
+            </a:r>
+            <a:r>
+              <a:rPr kumimoji="1" lang="en-US" altLang="zh-CN" dirty="0" smtClean="0"/>
+              <a:t>Check </a:t>
+            </a:r>
+            <a:r>
+              <a:rPr kumimoji="1" lang="en-US" altLang="zh-CN" dirty="0"/>
+              <a:t>that the following </a:t>
+            </a:r>
+            <a:r>
+              <a:rPr kumimoji="1" lang="en-US" altLang="zh-CN" dirty="0" smtClean="0"/>
+              <a:t>word is </a:t>
+            </a:r>
+            <a:r>
+              <a:rPr kumimoji="1" lang="en-US" altLang="zh-CN" dirty="0"/>
+              <a:t>not a </a:t>
+            </a:r>
+            <a:r>
+              <a:rPr kumimoji="1" lang="en-US" altLang="zh-CN" dirty="0" smtClean="0"/>
+              <a:t>noun</a:t>
+            </a:r>
+          </a:p>
+          <a:p>
+            <a:pPr lvl="1"/>
+            <a:r>
+              <a:rPr kumimoji="1" lang="en-US" altLang="zh-CN" dirty="0" smtClean="0"/>
+              <a:t>For </a:t>
+            </a:r>
+            <a:r>
+              <a:rPr kumimoji="1" lang="en-US" altLang="zh-CN" dirty="0"/>
+              <a:t>predicate </a:t>
+            </a:r>
+            <a:r>
+              <a:rPr kumimoji="1" lang="en-US" altLang="zh-CN" dirty="0" smtClean="0"/>
+              <a:t>nominals</a:t>
+            </a:r>
+          </a:p>
+          <a:p>
+            <a:pPr lvl="2"/>
+            <a:r>
+              <a:rPr kumimoji="1" lang="en-US" altLang="zh-CN" dirty="0"/>
+              <a:t>R</a:t>
+            </a:r>
+            <a:r>
+              <a:rPr kumimoji="1" lang="en-US" altLang="zh-CN" dirty="0" smtClean="0"/>
+              <a:t>etain ADV+ADJ+N</a:t>
+            </a:r>
+            <a:r>
+              <a:rPr kumimoji="1" lang="en-US" altLang="zh-CN" dirty="0"/>
+              <a:t>, </a:t>
+            </a:r>
+            <a:r>
+              <a:rPr kumimoji="1" lang="en-US" altLang="zh-CN" dirty="0" smtClean="0"/>
+              <a:t>DET+ADJ+N </a:t>
+            </a:r>
+            <a:r>
+              <a:rPr kumimoji="1" lang="en-US" altLang="zh-CN" dirty="0"/>
+              <a:t>and ADJ+N </a:t>
+            </a:r>
+            <a:r>
+              <a:rPr kumimoji="1" lang="en-US" altLang="zh-CN" dirty="0" smtClean="0"/>
+              <a:t>n-grams</a:t>
+            </a:r>
+            <a:endParaRPr kumimoji="1" lang="en-US" altLang="zh-CN" dirty="0"/>
+          </a:p>
+          <a:p>
+            <a:r>
+              <a:rPr kumimoji="1" lang="en-US" altLang="zh-CN" dirty="0" smtClean="0"/>
+              <a:t>Discard </a:t>
+            </a:r>
+            <a:r>
+              <a:rPr kumimoji="1" lang="en-US" altLang="zh-CN" dirty="0"/>
+              <a:t>all </a:t>
+            </a:r>
+            <a:r>
+              <a:rPr kumimoji="1" lang="en-US" altLang="zh-CN" dirty="0" smtClean="0"/>
+              <a:t>candidates with </a:t>
+            </a:r>
+            <a:r>
+              <a:rPr kumimoji="1" lang="en-US" altLang="zh-CN" dirty="0"/>
+              <a:t>frequency &lt; 3 as being too </a:t>
+            </a:r>
+            <a:r>
+              <a:rPr kumimoji="1" lang="en-US" altLang="zh-CN" dirty="0" smtClean="0"/>
+              <a:t>sparse</a:t>
+            </a:r>
+          </a:p>
+          <a:p>
+            <a:r>
+              <a:rPr kumimoji="1" lang="en-US" altLang="zh-CN" dirty="0" smtClean="0"/>
+              <a:t>Score each remaining candidate by estimating the probability that a tweet is sarcastic given that it contains the predicative expression within 5 words of a negative situation phrase:</a:t>
+            </a:r>
             <a:endParaRPr kumimoji="1" lang="zh-CN" altLang="en-US" dirty="0"/>
           </a:p>
         </p:txBody>
       </p:sp>
+      <p:pic>
+        <p:nvPicPr>
+          <p:cNvPr id="4" name="图片 3"/>
+          <p:cNvPicPr>
+            <a:picLocks noChangeAspect="1"/>
+          </p:cNvPicPr>
+          <p:nvPr/>
+        </p:nvPicPr>
+        <p:blipFill>
+          <a:blip r:embed="rId2">
+            <a:extLst>
+              <a:ext uri="{28A0092B-C50C-407E-A947-70E740481C1C}">
+                <a14:useLocalDpi xmlns:a14="http://schemas.microsoft.com/office/drawing/2010/main" val="0"/>
+              </a:ext>
+            </a:extLst>
+          </a:blip>
+          <a:stretch>
+            <a:fillRect/>
+          </a:stretch>
+        </p:blipFill>
+        <p:spPr>
+          <a:xfrm>
+            <a:off x="3961130" y="5272194"/>
+            <a:ext cx="4330700" cy="596900"/>
+          </a:xfrm>
+          <a:prstGeom prst="rect">
+            <a:avLst/>
+          </a:prstGeom>
+        </p:spPr>
+      </p:pic>
     </p:spTree>
     <p:extLst>
       <p:ext uri="{BB962C8B-B14F-4D97-AF65-F5344CB8AC3E}">
-        <p14:creationId xmlns:p14="http://schemas.microsoft.com/office/powerpoint/2010/main" val="226277964"/>
+        <p14:creationId xmlns:p14="http://schemas.microsoft.com/office/powerpoint/2010/main" val="639959043"/>
       </p:ext>
     </p:extLst>
   </p:cSld>
@@ -4312,33 +5061,170 @@
           <a:bodyPr/>
           <a:lstStyle/>
           <a:p>
-            <a:endParaRPr kumimoji="1" lang="zh-CN" altLang="en-US"/>
-          </a:p>
-        </p:txBody>
-      </p:sp>
-      <p:sp>
-        <p:nvSpPr>
-          <p:cNvPr id="3" name="内容占位符 2"/>
-          <p:cNvSpPr>
-            <a:spLocks noGrp="1"/>
-          </p:cNvSpPr>
-          <p:nvPr>
-            <p:ph idx="1"/>
-          </p:nvPr>
-        </p:nvSpPr>
-        <p:spPr/>
-        <p:txBody>
-          <a:bodyPr/>
-          <a:lstStyle/>
-          <a:p>
-            <a:endParaRPr kumimoji="1" lang="zh-CN" altLang="en-US"/>
-          </a:p>
-        </p:txBody>
-      </p:sp>
+            <a:r>
+              <a:rPr kumimoji="1" lang="en-US" altLang="zh-CN" dirty="0"/>
+              <a:t>Learning Positive </a:t>
+            </a:r>
+            <a:r>
+              <a:rPr kumimoji="1" lang="en-US" altLang="zh-CN" dirty="0" smtClean="0"/>
+              <a:t>Phrases</a:t>
+            </a:r>
+            <a:endParaRPr kumimoji="1" lang="zh-CN" altLang="en-US" dirty="0"/>
+          </a:p>
+        </p:txBody>
+      </p:sp>
+      <mc:AlternateContent xmlns:mc="http://schemas.openxmlformats.org/markup-compatibility/2006">
+        <mc:Choice xmlns:a14="http://schemas.microsoft.com/office/drawing/2010/main" Requires="a14">
+          <p:sp>
+            <p:nvSpPr>
+              <p:cNvPr id="3" name="内容占位符 2"/>
+              <p:cNvSpPr>
+                <a:spLocks noGrp="1"/>
+              </p:cNvSpPr>
+              <p:nvPr>
+                <p:ph idx="1"/>
+              </p:nvPr>
+            </p:nvSpPr>
+            <p:spPr/>
+            <p:txBody>
+              <a:bodyPr>
+                <a:normAutofit/>
+              </a:bodyPr>
+              <a:lstStyle/>
+              <a:p>
+                <a:endParaRPr kumimoji="1" lang="en-US" altLang="zh-CN" dirty="0" smtClean="0"/>
+              </a:p>
+              <a:p>
+                <a:r>
+                  <a:rPr kumimoji="1" lang="en-US" altLang="zh-CN" dirty="0" smtClean="0"/>
+                  <a:t>In </a:t>
+                </a:r>
+                <a:r>
+                  <a:rPr kumimoji="1" lang="en-US" altLang="zh-CN" dirty="0"/>
+                  <a:t>each bootstrapping </a:t>
+                </a:r>
+                <a:r>
+                  <a:rPr kumimoji="1" lang="en-US" altLang="zh-CN" dirty="0" smtClean="0"/>
+                  <a:t>iteration, add only</a:t>
+                </a:r>
+              </a:p>
+              <a:p>
+                <a:pPr lvl="1"/>
+                <a:r>
+                  <a:rPr kumimoji="1" lang="en-US" altLang="zh-CN" dirty="0" smtClean="0"/>
+                  <a:t>Top 5 positive </a:t>
+                </a:r>
+                <a:r>
+                  <a:rPr kumimoji="1" lang="en-US" altLang="zh-CN" dirty="0"/>
+                  <a:t>verb </a:t>
+                </a:r>
+                <a:r>
+                  <a:rPr kumimoji="1" lang="en-US" altLang="zh-CN" dirty="0" smtClean="0"/>
+                  <a:t>phrases</a:t>
+                </a:r>
+              </a:p>
+              <a:p>
+                <a:pPr lvl="1"/>
+                <a:r>
+                  <a:rPr kumimoji="1" lang="en-US" altLang="zh-CN" dirty="0"/>
+                  <a:t>T</a:t>
+                </a:r>
+                <a:r>
+                  <a:rPr kumimoji="1" lang="en-US" altLang="zh-CN" dirty="0" smtClean="0"/>
+                  <a:t>op </a:t>
+                </a:r>
+                <a:r>
+                  <a:rPr kumimoji="1" lang="en-US" altLang="zh-CN" dirty="0"/>
+                  <a:t>5 positive </a:t>
+                </a:r>
+                <a:r>
+                  <a:rPr kumimoji="1" lang="en-US" altLang="zh-CN" dirty="0" smtClean="0"/>
+                  <a:t>predicative expressions</a:t>
+                </a:r>
+              </a:p>
+              <a:p>
+                <a:endParaRPr kumimoji="1" lang="en-US" altLang="zh-CN" dirty="0"/>
+              </a:p>
+              <a:p>
+                <a:r>
+                  <a:rPr kumimoji="1" lang="en-US" altLang="zh-CN" dirty="0" smtClean="0"/>
+                  <a:t>Both types </a:t>
+                </a:r>
+                <a:r>
+                  <a:rPr kumimoji="1" lang="en-US" altLang="zh-CN" dirty="0"/>
+                  <a:t>of sentiment phrases must pass a </a:t>
+                </a:r>
+                <a:r>
+                  <a:rPr kumimoji="1" lang="en-US" altLang="zh-CN" dirty="0" smtClean="0"/>
+                  <a:t>probability threshold </a:t>
+                </a:r>
+                <a:r>
+                  <a:rPr kumimoji="1" lang="en-US" altLang="zh-CN" dirty="0"/>
+                  <a:t>of </a:t>
+                </a:r>
+                <a14:m>
+                  <m:oMath xmlns:m="http://schemas.openxmlformats.org/officeDocument/2006/math">
+                    <m:r>
+                      <a:rPr kumimoji="1" lang="en-US" altLang="zh-CN" i="1" dirty="0" smtClean="0">
+                        <a:latin typeface="Cambria Math" charset="0"/>
+                        <a:ea typeface="Cambria Math" charset="0"/>
+                        <a:cs typeface="Cambria Math" charset="0"/>
+                      </a:rPr>
+                      <m:t>≥</m:t>
+                    </m:r>
+                  </m:oMath>
+                </a14:m>
+                <a:r>
+                  <a:rPr kumimoji="1" lang="en-US" altLang="zh-CN" dirty="0"/>
+                  <a:t> </a:t>
+                </a:r>
+                <a:r>
+                  <a:rPr kumimoji="1" lang="en-US" altLang="zh-CN" dirty="0" smtClean="0"/>
+                  <a:t>0.70</a:t>
+                </a:r>
+                <a:endParaRPr kumimoji="1" lang="zh-CN" altLang="en-US" dirty="0"/>
+              </a:p>
+            </p:txBody>
+          </p:sp>
+        </mc:Choice>
+        <mc:Fallback>
+          <p:sp>
+            <p:nvSpPr>
+              <p:cNvPr id="3" name="内容占位符 2"/>
+              <p:cNvSpPr>
+                <a:spLocks noGrp="1" noRot="1" noChangeAspect="1" noMove="1" noResize="1" noEditPoints="1" noAdjustHandles="1" noChangeArrowheads="1" noChangeShapeType="1" noTextEdit="1"/>
+              </p:cNvSpPr>
+              <p:nvPr>
+                <p:ph idx="1"/>
+              </p:nvPr>
+            </p:nvSpPr>
+            <p:spPr>
+              <a:blipFill rotWithShape="0">
+                <a:blip r:embed="rId2"/>
+                <a:stretch>
+                  <a:fillRect l="-606"/>
+                </a:stretch>
+              </a:blipFill>
+            </p:spPr>
+            <p:txBody>
+              <a:bodyPr/>
+              <a:lstStyle/>
+              <a:p>
+                <a:r>
+                  <a:rPr lang="zh-CN" altLang="en-US">
+                    <a:noFill/>
+                  </a:rPr>
+                  <a:t> </a:t>
+                </a:r>
+              </a:p>
+            </p:txBody>
+          </p:sp>
+        </mc:Fallback>
+      </mc:AlternateContent>
     </p:spTree>
     <p:extLst>
       <p:ext uri="{BB962C8B-B14F-4D97-AF65-F5344CB8AC3E}">
-        <p14:creationId xmlns:p14="http://schemas.microsoft.com/office/powerpoint/2010/main" val="85833866"/>
+        <p14:creationId xmlns:p14="http://schemas.microsoft.com/office/powerpoint/2010/main" val="1262210415"/>
       </p:ext>
     </p:extLst>
   </p:cSld>
@@ -4381,8 +5267,8 @@
           <a:lstStyle/>
           <a:p>
             <a:r>
-              <a:rPr lang="en-US" altLang="zh-CN" dirty="0"/>
-              <a:t>Bootstrapping Data</a:t>
+              <a:rPr kumimoji="1" lang="en-US" altLang="zh-CN" dirty="0" smtClean="0"/>
+              <a:t>Learned Phrase Lists</a:t>
             </a:r>
             <a:endParaRPr kumimoji="1" lang="zh-CN" altLang="en-US" dirty="0"/>
           </a:p>
@@ -4403,75 +5289,1371 @@
           <a:bodyPr/>
           <a:lstStyle/>
           <a:p>
+            <a:endParaRPr lang="en-US" altLang="zh-CN" dirty="0" smtClean="0"/>
+          </a:p>
+          <a:p>
+            <a:endParaRPr lang="en-US" altLang="zh-CN" dirty="0"/>
+          </a:p>
+          <a:p>
+            <a:r>
+              <a:rPr lang="en-US" altLang="zh-CN" dirty="0" smtClean="0"/>
+              <a:t>In </a:t>
+            </a:r>
             <a:r>
               <a:rPr lang="en-US" altLang="zh-CN" dirty="0"/>
-              <a:t>We also observed that </a:t>
-            </a:r>
-            <a:r>
-              <a:rPr lang="en-US" altLang="zh-CN" b="1" dirty="0">
-                <a:solidFill>
-                  <a:srgbClr val="00B0F0"/>
-                </a:solidFill>
-              </a:rPr>
-              <a:t>positive sentiments </a:t>
+              <a:t>our </a:t>
+            </a:r>
+            <a:r>
+              <a:rPr lang="en-US" altLang="zh-CN" dirty="0" smtClean="0"/>
+              <a:t>experiments, we learned</a:t>
+            </a:r>
+          </a:p>
+          <a:p>
+            <a:pPr lvl="1"/>
+            <a:r>
+              <a:rPr lang="en-US" altLang="zh-CN" dirty="0" smtClean="0"/>
+              <a:t>26 </a:t>
             </a:r>
             <a:r>
               <a:rPr lang="en-US" altLang="zh-CN" dirty="0"/>
-              <a:t>are frequently expressed </a:t>
-            </a:r>
-            <a:r>
-              <a:rPr lang="en-US" altLang="zh-CN" b="1" dirty="0">
-                <a:solidFill>
-                  <a:srgbClr val="00B0F0"/>
-                </a:solidFill>
-              </a:rPr>
-              <a:t>as predicative phrases (</a:t>
-            </a:r>
-            <a:r>
-              <a:rPr lang="zh-CN" altLang="en-US" b="1" dirty="0">
-                <a:solidFill>
-                  <a:srgbClr val="00B0F0"/>
-                </a:solidFill>
-              </a:rPr>
-              <a:t>谓词短语</a:t>
-            </a:r>
-            <a:r>
-              <a:rPr lang="en-US" altLang="zh-CN" b="1" dirty="0">
-                <a:solidFill>
-                  <a:srgbClr val="00B0F0"/>
-                </a:solidFill>
-              </a:rPr>
-              <a:t>)</a:t>
+              <a:t>positive sentiment verb </a:t>
+            </a:r>
+            <a:r>
+              <a:rPr lang="en-US" altLang="zh-CN" dirty="0" smtClean="0"/>
+              <a:t>phrases</a:t>
+            </a:r>
+          </a:p>
+          <a:p>
+            <a:pPr lvl="1"/>
+            <a:r>
+              <a:rPr lang="en-US" altLang="zh-CN" dirty="0" smtClean="0"/>
+              <a:t>20 predicative expressions</a:t>
+            </a:r>
+          </a:p>
+          <a:p>
+            <a:pPr lvl="1"/>
+            <a:r>
+              <a:rPr lang="en-US" altLang="zh-CN" dirty="0" smtClean="0"/>
+              <a:t>239 </a:t>
             </a:r>
             <a:r>
               <a:rPr lang="en-US" altLang="zh-CN" dirty="0"/>
-              <a:t> (i.e., predicate adjectives and predicate nominals).</a:t>
-            </a:r>
-          </a:p>
-          <a:p>
-            <a:pPr lvl="1"/>
+              <a:t>negative </a:t>
+            </a:r>
+            <a:r>
+              <a:rPr lang="en-US" altLang="zh-CN" dirty="0" smtClean="0"/>
+              <a:t>situation phrases</a:t>
+            </a:r>
             <a:r>
               <a:rPr lang="en-US" altLang="zh-CN" dirty="0"/>
-              <a:t>For example: “I’m taking calculus. It is awesome. #sarcasm”.</a:t>
-            </a:r>
-          </a:p>
-          <a:p>
-            <a:pPr lvl="1"/>
-            <a:r>
-              <a:rPr lang="en-US" altLang="zh-CN" dirty="0"/>
-              <a:t>Therefore we also include a step in the learning process to harvest predicative phrases that occur in close proximity to a negative situation phrase</a:t>
-            </a:r>
-            <a:endParaRPr kumimoji="1" lang="zh-CN" altLang="en-US"/>
-          </a:p>
-          <a:p>
-            <a:endParaRPr kumimoji="1" lang="zh-CN" altLang="en-US"/>
-          </a:p>
-        </p:txBody>
-      </p:sp>
+              <a:t>.</a:t>
+            </a:r>
+            <a:endParaRPr kumimoji="1" lang="zh-CN" altLang="en-US" dirty="0"/>
+          </a:p>
+        </p:txBody>
+      </p:sp>
+      <p:pic>
+        <p:nvPicPr>
+          <p:cNvPr id="4" name="图片 3"/>
+          <p:cNvPicPr>
+            <a:picLocks noChangeAspect="1"/>
+          </p:cNvPicPr>
+          <p:nvPr/>
+        </p:nvPicPr>
+        <p:blipFill>
+          <a:blip r:embed="rId2">
+            <a:extLst>
+              <a:ext uri="{28A0092B-C50C-407E-A947-70E740481C1C}">
+                <a14:useLocalDpi xmlns:a14="http://schemas.microsoft.com/office/drawing/2010/main" val="0"/>
+              </a:ext>
+            </a:extLst>
+          </a:blip>
+          <a:stretch>
+            <a:fillRect/>
+          </a:stretch>
+        </p:blipFill>
+        <p:spPr>
+          <a:xfrm>
+            <a:off x="6299200" y="1766148"/>
+            <a:ext cx="2901938" cy="4513163"/>
+          </a:xfrm>
+          <a:prstGeom prst="rect">
+            <a:avLst/>
+          </a:prstGeom>
+        </p:spPr>
+      </p:pic>
     </p:spTree>
     <p:extLst>
       <p:ext uri="{BB962C8B-B14F-4D97-AF65-F5344CB8AC3E}">
-        <p14:creationId xmlns:p14="http://schemas.microsoft.com/office/powerpoint/2010/main" val="1149524806"/>
+        <p14:creationId xmlns:p14="http://schemas.microsoft.com/office/powerpoint/2010/main" val="1889389391"/>
+      </p:ext>
+    </p:extLst>
+  </p:cSld>
+  <p:clrMapOvr>
+    <a:masterClrMapping/>
+  </p:clrMapOvr>
+</p:sld>
+</file>
+
+<file path=ppt/slides/slide14.xml><?xml version="1.0" encoding="utf-8"?>
+<p:sld xmlns:a="http://schemas.openxmlformats.org/drawingml/2006/main" xmlns:r="http://schemas.openxmlformats.org/officeDocument/2006/relationships" xmlns:p="http://schemas.openxmlformats.org/presentationml/2006/main">
+  <p:cSld>
+    <p:spTree>
+      <p:nvGrpSpPr>
+        <p:cNvPr id="1" name=""/>
+        <p:cNvGrpSpPr/>
+        <p:nvPr/>
+      </p:nvGrpSpPr>
+      <p:grpSpPr>
+        <a:xfrm>
+          <a:off x="0" y="0"/>
+          <a:ext cx="0" cy="0"/>
+          <a:chOff x="0" y="0"/>
+          <a:chExt cx="0" cy="0"/>
+        </a:xfrm>
+      </p:grpSpPr>
+      <p:sp>
+        <p:nvSpPr>
+          <p:cNvPr id="2" name="标题 1"/>
+          <p:cNvSpPr>
+            <a:spLocks noGrp="1"/>
+          </p:cNvSpPr>
+          <p:nvPr>
+            <p:ph type="title"/>
+          </p:nvPr>
+        </p:nvSpPr>
+        <p:spPr/>
+        <p:txBody>
+          <a:bodyPr/>
+          <a:lstStyle/>
+          <a:p>
+            <a:r>
+              <a:rPr kumimoji="1" lang="en-US" altLang="zh-CN" dirty="0" smtClean="0"/>
+              <a:t>Bootstrapping Data</a:t>
+            </a:r>
+            <a:endParaRPr kumimoji="1" lang="zh-CN" altLang="en-US" dirty="0"/>
+          </a:p>
+        </p:txBody>
+      </p:sp>
+      <p:sp>
+        <p:nvSpPr>
+          <p:cNvPr id="3" name="内容占位符 2"/>
+          <p:cNvSpPr>
+            <a:spLocks noGrp="1"/>
+          </p:cNvSpPr>
+          <p:nvPr>
+            <p:ph idx="1"/>
+          </p:nvPr>
+        </p:nvSpPr>
+        <p:spPr/>
+        <p:txBody>
+          <a:bodyPr>
+            <a:normAutofit/>
+          </a:bodyPr>
+          <a:lstStyle/>
+          <a:p>
+            <a:endParaRPr lang="en-US" altLang="zh-CN" dirty="0"/>
+          </a:p>
+          <a:p>
+            <a:r>
+              <a:rPr lang="en-US" altLang="zh-CN" dirty="0" smtClean="0"/>
+              <a:t>Twitter</a:t>
+            </a:r>
+            <a:endParaRPr lang="en-US" altLang="zh-CN" dirty="0" smtClean="0"/>
+          </a:p>
+          <a:p>
+            <a:pPr lvl="1"/>
+            <a:r>
+              <a:rPr lang="en-US" altLang="zh-CN" dirty="0" smtClean="0"/>
+              <a:t>35,000 </a:t>
+            </a:r>
+            <a:r>
+              <a:rPr lang="en-US" altLang="zh-CN" dirty="0"/>
+              <a:t>tweets that contain the hashtag </a:t>
+            </a:r>
+            <a:r>
+              <a:rPr lang="en-US" altLang="zh-CN" b="1" dirty="0">
+                <a:solidFill>
+                  <a:srgbClr val="00B0F0"/>
+                </a:solidFill>
+              </a:rPr>
+              <a:t>#</a:t>
+            </a:r>
+            <a:r>
+              <a:rPr lang="en-US" altLang="zh-CN" b="1" dirty="0" smtClean="0">
+                <a:solidFill>
+                  <a:srgbClr val="00B0F0"/>
+                </a:solidFill>
+              </a:rPr>
+              <a:t>sarcasm or </a:t>
+            </a:r>
+            <a:r>
+              <a:rPr lang="en-US" altLang="zh-CN" b="1" dirty="0">
+                <a:solidFill>
+                  <a:srgbClr val="00B0F0"/>
+                </a:solidFill>
+              </a:rPr>
+              <a:t>#</a:t>
+            </a:r>
+            <a:r>
+              <a:rPr lang="en-US" altLang="zh-CN" b="1" dirty="0" smtClean="0">
+                <a:solidFill>
+                  <a:srgbClr val="00B0F0"/>
+                </a:solidFill>
+              </a:rPr>
+              <a:t>sarcastic</a:t>
+            </a:r>
+            <a:r>
+              <a:rPr lang="en-US" altLang="zh-CN" dirty="0" smtClean="0">
+                <a:solidFill>
+                  <a:schemeClr val="tx1"/>
+                </a:solidFill>
+              </a:rPr>
+              <a:t> (20%)</a:t>
+            </a:r>
+          </a:p>
+          <a:p>
+            <a:pPr lvl="1"/>
+            <a:r>
+              <a:rPr lang="en-US" altLang="zh-CN" dirty="0" smtClean="0"/>
+              <a:t>140,000 additional tweets from Twitter’s </a:t>
+            </a:r>
+            <a:r>
+              <a:rPr lang="en-US" altLang="zh-CN" b="1" dirty="0" smtClean="0">
+                <a:solidFill>
+                  <a:srgbClr val="00B0F0"/>
+                </a:solidFill>
+              </a:rPr>
+              <a:t>random daily stream</a:t>
+            </a:r>
+            <a:r>
+              <a:rPr lang="en-US" altLang="zh-CN" dirty="0" smtClean="0">
+                <a:solidFill>
+                  <a:schemeClr val="tx1"/>
+                </a:solidFill>
+              </a:rPr>
+              <a:t> (80%)</a:t>
+            </a:r>
+          </a:p>
+          <a:p>
+            <a:pPr lvl="2"/>
+            <a:r>
+              <a:rPr lang="en-US" altLang="zh-CN" dirty="0" smtClean="0"/>
+              <a:t>Removed the tweets that contain a sarcasm hashtag, and considered the rest to be negative instances of sarcasm.</a:t>
+            </a:r>
+          </a:p>
+          <a:p>
+            <a:endParaRPr lang="en-US" altLang="zh-CN" dirty="0" smtClean="0"/>
+          </a:p>
+          <a:p>
+            <a:r>
+              <a:rPr lang="en-US" altLang="zh-CN" dirty="0" smtClean="0"/>
+              <a:t>Applied CMU’s part-of-speech tagger designed for tweets (</a:t>
+            </a:r>
+            <a:r>
+              <a:rPr lang="en-US" altLang="zh-CN" dirty="0" err="1" smtClean="0"/>
+              <a:t>Owoputiet</a:t>
+            </a:r>
+            <a:r>
+              <a:rPr lang="en-US" altLang="zh-CN" dirty="0" smtClean="0"/>
+              <a:t> al., 2013) to this data set.</a:t>
+            </a:r>
+            <a:endParaRPr kumimoji="1" lang="zh-CN" altLang="en-US" dirty="0"/>
+          </a:p>
+        </p:txBody>
+      </p:sp>
+    </p:spTree>
+    <p:extLst>
+      <p:ext uri="{BB962C8B-B14F-4D97-AF65-F5344CB8AC3E}">
+        <p14:creationId xmlns:p14="http://schemas.microsoft.com/office/powerpoint/2010/main" val="1772578598"/>
+      </p:ext>
+    </p:extLst>
+  </p:cSld>
+  <p:clrMapOvr>
+    <a:masterClrMapping/>
+  </p:clrMapOvr>
+</p:sld>
+</file>
+
+<file path=ppt/slides/slide15.xml><?xml version="1.0" encoding="utf-8"?>
+<p:sld xmlns:a="http://schemas.openxmlformats.org/drawingml/2006/main" xmlns:r="http://schemas.openxmlformats.org/officeDocument/2006/relationships" xmlns:p="http://schemas.openxmlformats.org/presentationml/2006/main">
+  <p:cSld>
+    <p:spTree>
+      <p:nvGrpSpPr>
+        <p:cNvPr id="1" name=""/>
+        <p:cNvGrpSpPr/>
+        <p:nvPr/>
+      </p:nvGrpSpPr>
+      <p:grpSpPr>
+        <a:xfrm>
+          <a:off x="0" y="0"/>
+          <a:ext cx="0" cy="0"/>
+          <a:chOff x="0" y="0"/>
+          <a:chExt cx="0" cy="0"/>
+        </a:xfrm>
+      </p:grpSpPr>
+      <p:sp>
+        <p:nvSpPr>
+          <p:cNvPr id="2" name="标题 1"/>
+          <p:cNvSpPr>
+            <a:spLocks noGrp="1"/>
+          </p:cNvSpPr>
+          <p:nvPr>
+            <p:ph type="title"/>
+          </p:nvPr>
+        </p:nvSpPr>
+        <p:spPr/>
+        <p:txBody>
+          <a:bodyPr/>
+          <a:lstStyle/>
+          <a:p>
+            <a:r>
+              <a:rPr kumimoji="1" lang="en-US" altLang="zh-CN" dirty="0" smtClean="0"/>
+              <a:t>Evaluation - Data</a:t>
+            </a:r>
+            <a:endParaRPr kumimoji="1" lang="zh-CN" altLang="en-US" dirty="0"/>
+          </a:p>
+        </p:txBody>
+      </p:sp>
+      <p:sp>
+        <p:nvSpPr>
+          <p:cNvPr id="3" name="内容占位符 2"/>
+          <p:cNvSpPr>
+            <a:spLocks noGrp="1"/>
+          </p:cNvSpPr>
+          <p:nvPr>
+            <p:ph idx="1"/>
+          </p:nvPr>
+        </p:nvSpPr>
+        <p:spPr/>
+        <p:txBody>
+          <a:bodyPr>
+            <a:normAutofit fontScale="85000" lnSpcReduction="20000"/>
+          </a:bodyPr>
+          <a:lstStyle/>
+          <a:p>
+            <a:r>
+              <a:rPr kumimoji="1" lang="en-US" altLang="zh-CN" dirty="0" smtClean="0"/>
+              <a:t>Focus </a:t>
+            </a:r>
+            <a:r>
+              <a:rPr kumimoji="1" lang="en-US" altLang="zh-CN" dirty="0"/>
+              <a:t>on identifying sarcasm that is </a:t>
+            </a:r>
+            <a:r>
+              <a:rPr kumimoji="1" lang="en-US" altLang="zh-CN" b="1" dirty="0">
+                <a:solidFill>
+                  <a:srgbClr val="FF0000"/>
+                </a:solidFill>
+              </a:rPr>
+              <a:t>self-contained in one tweet </a:t>
+            </a:r>
+            <a:r>
+              <a:rPr kumimoji="1" lang="en-US" altLang="zh-CN" dirty="0"/>
+              <a:t>and does not depend on prior conversational context</a:t>
+            </a:r>
+            <a:r>
+              <a:rPr kumimoji="1" lang="en-US" altLang="zh-CN" dirty="0" smtClean="0"/>
+              <a:t>.</a:t>
+            </a:r>
+          </a:p>
+          <a:p>
+            <a:pPr lvl="1"/>
+            <a:r>
+              <a:rPr kumimoji="1" lang="en-US" altLang="zh-CN" dirty="0"/>
+              <a:t>For example, a tweet such as “Yes, I meant that sarcastically.” should be labeled as not sarcastic because the sarcastic content was (</a:t>
+            </a:r>
+            <a:r>
+              <a:rPr kumimoji="1" lang="en-US" altLang="zh-CN" dirty="0" smtClean="0"/>
+              <a:t>presumably</a:t>
+            </a:r>
+            <a:r>
+              <a:rPr kumimoji="1" lang="en-US" altLang="zh-CN" dirty="0"/>
+              <a:t>) in a previous tweet</a:t>
+            </a:r>
+            <a:r>
+              <a:rPr kumimoji="1" lang="en-US" altLang="zh-CN" dirty="0" smtClean="0"/>
+              <a:t>.</a:t>
+            </a:r>
+          </a:p>
+          <a:p>
+            <a:endParaRPr kumimoji="1" lang="en-US" altLang="zh-CN" dirty="0" smtClean="0"/>
+          </a:p>
+          <a:p>
+            <a:r>
+              <a:rPr kumimoji="1" lang="en-US" altLang="zh-CN" dirty="0" smtClean="0"/>
+              <a:t>Collected </a:t>
+            </a:r>
+            <a:r>
+              <a:rPr kumimoji="1" lang="en-US" altLang="zh-CN" dirty="0"/>
+              <a:t>1,600 tweets with a sarcasm hashtag (#sarcasm or </a:t>
+            </a:r>
+            <a:r>
+              <a:rPr kumimoji="1" lang="en-US" altLang="zh-CN" dirty="0" smtClean="0"/>
+              <a:t>#</a:t>
+            </a:r>
+            <a:r>
+              <a:rPr kumimoji="1" lang="en-US" altLang="zh-CN" dirty="0" err="1" smtClean="0"/>
+              <a:t>vsarcastic</a:t>
+            </a:r>
+            <a:r>
+              <a:rPr kumimoji="1" lang="en-US" altLang="zh-CN" dirty="0"/>
+              <a:t>), and 1,600 tweets without these sarcasm hashtags from Twitter’s random streaming API</a:t>
+            </a:r>
+            <a:r>
+              <a:rPr kumimoji="1" lang="en-US" altLang="zh-CN" dirty="0" smtClean="0"/>
+              <a:t>.</a:t>
+            </a:r>
+            <a:endParaRPr kumimoji="1" lang="en-US" altLang="zh-CN" dirty="0"/>
+          </a:p>
+          <a:p>
+            <a:pPr lvl="1"/>
+            <a:r>
+              <a:rPr kumimoji="1" lang="en-US" altLang="zh-CN" dirty="0" smtClean="0"/>
+              <a:t>742 </a:t>
+            </a:r>
+            <a:r>
+              <a:rPr kumimoji="1" lang="en-US" altLang="zh-CN" dirty="0"/>
+              <a:t>of the 3,200 tweets(23%) judged </a:t>
+            </a:r>
+            <a:r>
+              <a:rPr kumimoji="1" lang="en-US" altLang="zh-CN" dirty="0" smtClean="0"/>
+              <a:t>to </a:t>
+            </a:r>
+            <a:r>
+              <a:rPr kumimoji="1" lang="en-US" altLang="zh-CN" dirty="0"/>
+              <a:t>be </a:t>
+            </a:r>
+            <a:r>
+              <a:rPr kumimoji="1" lang="en-US" altLang="zh-CN" dirty="0" smtClean="0"/>
+              <a:t>sarcastic</a:t>
+            </a:r>
+          </a:p>
+          <a:p>
+            <a:pPr lvl="2"/>
+            <a:r>
+              <a:rPr kumimoji="1" lang="en-US" altLang="zh-CN" dirty="0" smtClean="0"/>
+              <a:t>713 </a:t>
+            </a:r>
+            <a:r>
+              <a:rPr kumimoji="1" lang="en-US" altLang="zh-CN" dirty="0"/>
+              <a:t>of the 1,600 tweets with sarcasm hashtags (45%) were judged to be </a:t>
+            </a:r>
+            <a:r>
+              <a:rPr kumimoji="1" lang="en-US" altLang="zh-CN" dirty="0" smtClean="0"/>
+              <a:t>sarcastic</a:t>
+            </a:r>
+          </a:p>
+          <a:p>
+            <a:pPr lvl="2"/>
+            <a:r>
+              <a:rPr kumimoji="1" lang="en-US" altLang="zh-CN" dirty="0"/>
+              <a:t>29 </a:t>
+            </a:r>
+            <a:r>
+              <a:rPr kumimoji="1" lang="en-US" altLang="zh-CN" dirty="0" smtClean="0"/>
+              <a:t>of </a:t>
+            </a:r>
+            <a:r>
+              <a:rPr kumimoji="1" lang="en-US" altLang="zh-CN" dirty="0"/>
+              <a:t>the 1,600 tweets (1.8%) </a:t>
+            </a:r>
+            <a:r>
+              <a:rPr kumimoji="1" lang="en-US" altLang="zh-CN" dirty="0" smtClean="0"/>
+              <a:t>in </a:t>
+            </a:r>
+            <a:r>
+              <a:rPr kumimoji="1" lang="en-US" altLang="zh-CN" dirty="0"/>
+              <a:t>our data set that were </a:t>
+            </a:r>
+            <a:r>
+              <a:rPr kumimoji="1" lang="en-US" altLang="zh-CN" dirty="0" smtClean="0"/>
+              <a:t>obtained from </a:t>
+            </a:r>
+            <a:r>
+              <a:rPr kumimoji="1" lang="en-US" altLang="zh-CN" dirty="0"/>
+              <a:t>the random stream and did not have </a:t>
+            </a:r>
+            <a:r>
+              <a:rPr kumimoji="1" lang="en-US" altLang="zh-CN" dirty="0" smtClean="0"/>
+              <a:t>a sarcasm hashtag, were </a:t>
+            </a:r>
+            <a:r>
+              <a:rPr kumimoji="1" lang="en-US" altLang="zh-CN" dirty="0"/>
+              <a:t>judged to be </a:t>
+            </a:r>
+            <a:r>
+              <a:rPr kumimoji="1" lang="en-US" altLang="zh-CN" dirty="0" smtClean="0"/>
+              <a:t>sarcastic</a:t>
+            </a:r>
+          </a:p>
+          <a:p>
+            <a:pPr lvl="1"/>
+            <a:endParaRPr kumimoji="1" lang="en-US" altLang="zh-CN" dirty="0"/>
+          </a:p>
+          <a:p>
+            <a:r>
+              <a:rPr lang="en-US" altLang="zh-CN" dirty="0"/>
+              <a:t>We </a:t>
+            </a:r>
+            <a:r>
+              <a:rPr lang="en-US" altLang="zh-CN" dirty="0" smtClean="0"/>
+              <a:t>used</a:t>
+            </a:r>
+          </a:p>
+          <a:p>
+            <a:pPr lvl="1"/>
+            <a:r>
+              <a:rPr lang="en-US" altLang="zh-CN" dirty="0" smtClean="0"/>
+              <a:t>200 tweets as our </a:t>
+            </a:r>
+            <a:r>
+              <a:rPr lang="en-US" altLang="zh-CN" dirty="0"/>
+              <a:t>Tuning </a:t>
+            </a:r>
+            <a:r>
+              <a:rPr lang="en-US" altLang="zh-CN" dirty="0" smtClean="0"/>
+              <a:t>Set</a:t>
+            </a:r>
+          </a:p>
+          <a:p>
+            <a:pPr lvl="1"/>
+            <a:r>
+              <a:rPr lang="en-US" altLang="zh-CN" dirty="0" smtClean="0"/>
+              <a:t>3000 </a:t>
+            </a:r>
+            <a:r>
+              <a:rPr lang="en-US" altLang="zh-CN" dirty="0"/>
+              <a:t>tweets </a:t>
+            </a:r>
+            <a:r>
+              <a:rPr lang="en-US" altLang="zh-CN" dirty="0" smtClean="0"/>
+              <a:t>as our </a:t>
+            </a:r>
+            <a:r>
+              <a:rPr lang="en-US" altLang="zh-CN" dirty="0"/>
+              <a:t>Test Set</a:t>
+            </a:r>
+            <a:r>
+              <a:rPr lang="en-US" altLang="zh-CN" dirty="0" smtClean="0"/>
+              <a:t>.</a:t>
+            </a:r>
+          </a:p>
+          <a:p>
+            <a:pPr lvl="2"/>
+            <a:r>
+              <a:rPr lang="en-US" altLang="zh-CN" dirty="0"/>
+              <a:t>693 </a:t>
+            </a:r>
+            <a:r>
+              <a:rPr lang="en-US" altLang="zh-CN" dirty="0" smtClean="0"/>
+              <a:t>tweets were </a:t>
+            </a:r>
+            <a:r>
+              <a:rPr lang="en-US" altLang="zh-CN" dirty="0"/>
+              <a:t>annotated as sarcastic</a:t>
+            </a:r>
+            <a:endParaRPr kumimoji="1" lang="zh-CN" altLang="en-US" dirty="0"/>
+          </a:p>
+        </p:txBody>
+      </p:sp>
+    </p:spTree>
+    <p:extLst>
+      <p:ext uri="{BB962C8B-B14F-4D97-AF65-F5344CB8AC3E}">
+        <p14:creationId xmlns:p14="http://schemas.microsoft.com/office/powerpoint/2010/main" val="1956090059"/>
+      </p:ext>
+    </p:extLst>
+  </p:cSld>
+  <p:clrMapOvr>
+    <a:masterClrMapping/>
+  </p:clrMapOvr>
+</p:sld>
+</file>
+
+<file path=ppt/slides/slide16.xml><?xml version="1.0" encoding="utf-8"?>
+<p:sld xmlns:a="http://schemas.openxmlformats.org/drawingml/2006/main" xmlns:r="http://schemas.openxmlformats.org/officeDocument/2006/relationships" xmlns:p="http://schemas.openxmlformats.org/presentationml/2006/main">
+  <p:cSld>
+    <p:spTree>
+      <p:nvGrpSpPr>
+        <p:cNvPr id="1" name=""/>
+        <p:cNvGrpSpPr/>
+        <p:nvPr/>
+      </p:nvGrpSpPr>
+      <p:grpSpPr>
+        <a:xfrm>
+          <a:off x="0" y="0"/>
+          <a:ext cx="0" cy="0"/>
+          <a:chOff x="0" y="0"/>
+          <a:chExt cx="0" cy="0"/>
+        </a:xfrm>
+      </p:grpSpPr>
+      <p:sp>
+        <p:nvSpPr>
+          <p:cNvPr id="2" name="标题 1"/>
+          <p:cNvSpPr>
+            <a:spLocks noGrp="1"/>
+          </p:cNvSpPr>
+          <p:nvPr>
+            <p:ph type="title"/>
+          </p:nvPr>
+        </p:nvSpPr>
+        <p:spPr/>
+        <p:txBody>
+          <a:bodyPr/>
+          <a:lstStyle/>
+          <a:p>
+            <a:r>
+              <a:rPr kumimoji="1" lang="en-US" altLang="zh-CN" dirty="0" smtClean="0"/>
+              <a:t>Baselines</a:t>
+            </a:r>
+            <a:endParaRPr kumimoji="1" lang="zh-CN" altLang="en-US" dirty="0"/>
+          </a:p>
+        </p:txBody>
+      </p:sp>
+      <p:sp>
+        <p:nvSpPr>
+          <p:cNvPr id="3" name="内容占位符 2"/>
+          <p:cNvSpPr>
+            <a:spLocks noGrp="1"/>
+          </p:cNvSpPr>
+          <p:nvPr>
+            <p:ph idx="1"/>
+          </p:nvPr>
+        </p:nvSpPr>
+        <p:spPr/>
+        <p:txBody>
+          <a:bodyPr/>
+          <a:lstStyle/>
+          <a:p>
+            <a:endParaRPr kumimoji="1" lang="en-US" altLang="zh-CN" dirty="0" smtClean="0"/>
+          </a:p>
+          <a:p>
+            <a:r>
+              <a:rPr kumimoji="1" lang="en-US" altLang="zh-CN" dirty="0" smtClean="0"/>
+              <a:t>Two </a:t>
+            </a:r>
+            <a:r>
+              <a:rPr kumimoji="1" lang="en-US" altLang="zh-CN" dirty="0"/>
+              <a:t>baseline </a:t>
+            </a:r>
+            <a:r>
+              <a:rPr kumimoji="1" lang="en-US" altLang="zh-CN" dirty="0" smtClean="0"/>
+              <a:t>systems:</a:t>
+            </a:r>
+          </a:p>
+          <a:p>
+            <a:pPr lvl="1"/>
+            <a:r>
+              <a:rPr kumimoji="1" lang="en-US" altLang="zh-CN" dirty="0" smtClean="0"/>
+              <a:t>Support </a:t>
+            </a:r>
+            <a:r>
+              <a:rPr kumimoji="1" lang="en-US" altLang="zh-CN" dirty="0"/>
+              <a:t>vector machine (SVM) </a:t>
+            </a:r>
+            <a:r>
+              <a:rPr kumimoji="1" lang="en-US" altLang="zh-CN" dirty="0" smtClean="0"/>
+              <a:t>classifiers (the </a:t>
+            </a:r>
+            <a:r>
+              <a:rPr kumimoji="1" lang="en-US" altLang="zh-CN" dirty="0"/>
+              <a:t>RBF </a:t>
+            </a:r>
+            <a:r>
+              <a:rPr kumimoji="1" lang="en-US" altLang="zh-CN" dirty="0" smtClean="0"/>
+              <a:t>kernel)</a:t>
+            </a:r>
+          </a:p>
+          <a:p>
+            <a:pPr lvl="2"/>
+            <a:r>
+              <a:rPr kumimoji="1" lang="en-US" altLang="zh-CN" dirty="0" smtClean="0"/>
+              <a:t>One </a:t>
+            </a:r>
+            <a:r>
+              <a:rPr kumimoji="1" lang="en-US" altLang="zh-CN" dirty="0"/>
+              <a:t>with just </a:t>
+            </a:r>
+            <a:r>
+              <a:rPr kumimoji="1" lang="en-US" altLang="zh-CN" b="1" dirty="0">
+                <a:solidFill>
+                  <a:srgbClr val="FF0000"/>
+                </a:solidFill>
+              </a:rPr>
+              <a:t>unigram</a:t>
+            </a:r>
+            <a:r>
+              <a:rPr kumimoji="1" lang="en-US" altLang="zh-CN" dirty="0"/>
+              <a:t> </a:t>
+            </a:r>
+            <a:r>
+              <a:rPr kumimoji="1" lang="en-US" altLang="zh-CN" dirty="0" smtClean="0"/>
+              <a:t>features and one </a:t>
+            </a:r>
+            <a:r>
+              <a:rPr kumimoji="1" lang="en-US" altLang="zh-CN" dirty="0"/>
+              <a:t>with </a:t>
+            </a:r>
+            <a:r>
+              <a:rPr kumimoji="1" lang="en-US" altLang="zh-CN" b="1" dirty="0">
+                <a:solidFill>
+                  <a:srgbClr val="FF0000"/>
+                </a:solidFill>
+              </a:rPr>
+              <a:t>both unigrams and bigrams</a:t>
+            </a:r>
+            <a:r>
+              <a:rPr kumimoji="1" lang="en-US" altLang="zh-CN" dirty="0" smtClean="0"/>
+              <a:t>.</a:t>
+            </a:r>
+          </a:p>
+          <a:p>
+            <a:pPr lvl="3"/>
+            <a:r>
+              <a:rPr kumimoji="1" lang="en-US" altLang="zh-CN" dirty="0" smtClean="0"/>
+              <a:t>binary </a:t>
+            </a:r>
+            <a:r>
+              <a:rPr kumimoji="1" lang="en-US" altLang="zh-CN" dirty="0"/>
+              <a:t>values indicating the presence or absence of each n-gram in a </a:t>
+            </a:r>
+            <a:r>
+              <a:rPr kumimoji="1" lang="en-US" altLang="zh-CN" dirty="0" smtClean="0"/>
+              <a:t>tweet</a:t>
+            </a:r>
+          </a:p>
+          <a:p>
+            <a:r>
+              <a:rPr kumimoji="1" lang="en-US" altLang="zh-CN" dirty="0" smtClean="0"/>
+              <a:t>The </a:t>
+            </a:r>
+            <a:r>
+              <a:rPr kumimoji="1" lang="en-US" altLang="zh-CN" dirty="0"/>
+              <a:t>classifiers were evaluated using 10-fold </a:t>
+            </a:r>
+            <a:r>
+              <a:rPr kumimoji="1" lang="en-US" altLang="zh-CN" dirty="0" smtClean="0"/>
+              <a:t>cross-validation</a:t>
+            </a:r>
+            <a:endParaRPr kumimoji="1" lang="en-US" altLang="zh-CN" dirty="0"/>
+          </a:p>
+          <a:p>
+            <a:r>
+              <a:rPr kumimoji="1" lang="en-US" altLang="zh-CN" dirty="0" smtClean="0"/>
+              <a:t>The parameters </a:t>
+            </a:r>
+            <a:r>
+              <a:rPr kumimoji="1" lang="en-US" altLang="zh-CN" dirty="0"/>
+              <a:t>were optimized for accuracy using unigram features and 10-fold cross-validation on our Tuning </a:t>
+            </a:r>
+            <a:r>
+              <a:rPr kumimoji="1" lang="en-US" altLang="zh-CN" dirty="0" smtClean="0"/>
+              <a:t>Set.</a:t>
+            </a:r>
+            <a:endParaRPr kumimoji="1" lang="zh-CN" altLang="en-US" dirty="0"/>
+          </a:p>
+        </p:txBody>
+      </p:sp>
+    </p:spTree>
+    <p:extLst>
+      <p:ext uri="{BB962C8B-B14F-4D97-AF65-F5344CB8AC3E}">
+        <p14:creationId xmlns:p14="http://schemas.microsoft.com/office/powerpoint/2010/main" val="34751614"/>
+      </p:ext>
+    </p:extLst>
+  </p:cSld>
+  <p:clrMapOvr>
+    <a:masterClrMapping/>
+  </p:clrMapOvr>
+</p:sld>
+</file>
+
+<file path=ppt/slides/slide17.xml><?xml version="1.0" encoding="utf-8"?>
+<p:sld xmlns:a="http://schemas.openxmlformats.org/drawingml/2006/main" xmlns:r="http://schemas.openxmlformats.org/officeDocument/2006/relationships" xmlns:p="http://schemas.openxmlformats.org/presentationml/2006/main">
+  <p:cSld>
+    <p:spTree>
+      <p:nvGrpSpPr>
+        <p:cNvPr id="1" name=""/>
+        <p:cNvGrpSpPr/>
+        <p:nvPr/>
+      </p:nvGrpSpPr>
+      <p:grpSpPr>
+        <a:xfrm>
+          <a:off x="0" y="0"/>
+          <a:ext cx="0" cy="0"/>
+          <a:chOff x="0" y="0"/>
+          <a:chExt cx="0" cy="0"/>
+        </a:xfrm>
+      </p:grpSpPr>
+      <p:sp>
+        <p:nvSpPr>
+          <p:cNvPr id="2" name="标题 1"/>
+          <p:cNvSpPr>
+            <a:spLocks noGrp="1"/>
+          </p:cNvSpPr>
+          <p:nvPr>
+            <p:ph type="title"/>
+          </p:nvPr>
+        </p:nvSpPr>
+        <p:spPr/>
+        <p:txBody>
+          <a:bodyPr/>
+          <a:lstStyle/>
+          <a:p>
+            <a:r>
+              <a:rPr kumimoji="1" lang="en-US" altLang="zh-CN" dirty="0" smtClean="0"/>
+              <a:t>Baselines</a:t>
+            </a:r>
+            <a:endParaRPr kumimoji="1" lang="zh-CN" altLang="en-US" dirty="0"/>
+          </a:p>
+        </p:txBody>
+      </p:sp>
+      <p:sp>
+        <p:nvSpPr>
+          <p:cNvPr id="3" name="内容占位符 2"/>
+          <p:cNvSpPr>
+            <a:spLocks noGrp="1"/>
+          </p:cNvSpPr>
+          <p:nvPr>
+            <p:ph idx="1"/>
+          </p:nvPr>
+        </p:nvSpPr>
+        <p:spPr/>
+        <p:txBody>
+          <a:bodyPr>
+            <a:normAutofit/>
+          </a:bodyPr>
+          <a:lstStyle/>
+          <a:p>
+            <a:endParaRPr lang="en-US" altLang="zh-CN" dirty="0" smtClean="0"/>
+          </a:p>
+          <a:p>
+            <a:r>
+              <a:rPr lang="en-US" altLang="zh-CN" dirty="0" smtClean="0"/>
+              <a:t>Existing sentiment and </a:t>
+            </a:r>
+            <a:r>
+              <a:rPr lang="en-US" altLang="zh-CN" dirty="0"/>
+              <a:t>subjectivity lexicons</a:t>
+            </a:r>
+            <a:endParaRPr kumimoji="1" lang="en-US" altLang="zh-CN" dirty="0" smtClean="0"/>
+          </a:p>
+          <a:p>
+            <a:pPr lvl="1"/>
+            <a:r>
+              <a:rPr kumimoji="1" lang="en-US" altLang="zh-CN" dirty="0" smtClean="0"/>
+              <a:t>Liu05</a:t>
+            </a:r>
+          </a:p>
+          <a:p>
+            <a:pPr lvl="2"/>
+            <a:r>
+              <a:rPr kumimoji="1" lang="en-US" altLang="zh-CN" dirty="0" smtClean="0"/>
+              <a:t>A </a:t>
+            </a:r>
+            <a:r>
+              <a:rPr kumimoji="1" lang="en-US" altLang="zh-CN" dirty="0"/>
+              <a:t>positive and negative opinion lexicon from (Liu et al., 2005</a:t>
+            </a:r>
+            <a:r>
+              <a:rPr kumimoji="1" lang="en-US" altLang="zh-CN" dirty="0" smtClean="0"/>
+              <a:t>)</a:t>
+            </a:r>
+          </a:p>
+          <a:p>
+            <a:pPr lvl="2"/>
+            <a:r>
+              <a:rPr kumimoji="1" lang="en-US" altLang="zh-CN" dirty="0" smtClean="0"/>
+              <a:t>contains </a:t>
+            </a:r>
+            <a:r>
+              <a:rPr kumimoji="1" lang="en-US" altLang="zh-CN" dirty="0"/>
+              <a:t>2,007 positive sentiment words and 4,783 negative sentiment words</a:t>
+            </a:r>
+            <a:r>
+              <a:rPr kumimoji="1" lang="en-US" altLang="zh-CN" dirty="0" smtClean="0"/>
+              <a:t>.</a:t>
+            </a:r>
+          </a:p>
+          <a:p>
+            <a:pPr lvl="1"/>
+            <a:r>
+              <a:rPr kumimoji="1" lang="en-US" altLang="zh-CN" dirty="0" smtClean="0"/>
+              <a:t>MPQA05</a:t>
+            </a:r>
+          </a:p>
+          <a:p>
+            <a:pPr lvl="2"/>
+            <a:r>
+              <a:rPr kumimoji="1" lang="en-US" altLang="zh-CN" dirty="0" smtClean="0"/>
+              <a:t>part </a:t>
+            </a:r>
+            <a:r>
+              <a:rPr kumimoji="1" lang="en-US" altLang="zh-CN" dirty="0"/>
+              <a:t>of the </a:t>
+            </a:r>
+            <a:r>
+              <a:rPr kumimoji="1" lang="en-US" altLang="zh-CN" dirty="0" err="1"/>
+              <a:t>OpinionFinder</a:t>
+            </a:r>
+            <a:r>
+              <a:rPr kumimoji="1" lang="en-US" altLang="zh-CN" dirty="0"/>
+              <a:t> system (Wilson et al., 2005a; Wilson et al., 2005b</a:t>
+            </a:r>
+            <a:r>
+              <a:rPr kumimoji="1" lang="en-US" altLang="zh-CN" dirty="0" smtClean="0"/>
+              <a:t>)</a:t>
+            </a:r>
+          </a:p>
+          <a:p>
+            <a:pPr lvl="2"/>
+            <a:r>
+              <a:rPr kumimoji="1" lang="en-US" altLang="zh-CN" dirty="0" smtClean="0"/>
+              <a:t>contains </a:t>
+            </a:r>
+            <a:r>
+              <a:rPr kumimoji="1" lang="en-US" altLang="zh-CN" dirty="0"/>
+              <a:t>2,718 subjective words with positive polarity and 4,910 subjective words with </a:t>
+            </a:r>
+            <a:r>
+              <a:rPr kumimoji="1" lang="en-US" altLang="zh-CN" dirty="0" smtClean="0"/>
+              <a:t>negative polarity.</a:t>
+            </a:r>
+          </a:p>
+          <a:p>
+            <a:pPr lvl="1"/>
+            <a:r>
+              <a:rPr kumimoji="1" lang="en-US" altLang="zh-CN" dirty="0" smtClean="0"/>
+              <a:t>AFINN11</a:t>
+            </a:r>
+          </a:p>
+          <a:p>
+            <a:pPr lvl="2"/>
+            <a:r>
+              <a:rPr kumimoji="1" lang="en-US" altLang="zh-CN" dirty="0" smtClean="0"/>
+              <a:t>designed </a:t>
+            </a:r>
+            <a:r>
+              <a:rPr kumimoji="1" lang="en-US" altLang="zh-CN" dirty="0"/>
+              <a:t>for microblogs (Nielsen, 2011; Hansen et al., 2011</a:t>
+            </a:r>
+            <a:r>
+              <a:rPr kumimoji="1" lang="en-US" altLang="zh-CN" dirty="0" smtClean="0"/>
+              <a:t>)</a:t>
+            </a:r>
+          </a:p>
+          <a:p>
+            <a:pPr lvl="2"/>
+            <a:r>
+              <a:rPr kumimoji="1" lang="en-US" altLang="zh-CN" dirty="0" smtClean="0"/>
+              <a:t>contains </a:t>
+            </a:r>
+            <a:r>
+              <a:rPr kumimoji="1" lang="en-US" altLang="zh-CN" dirty="0"/>
+              <a:t>2,477 manually labeled words and phrases with integer values ranging from -5 (negativity) to 5 (positivity).</a:t>
+            </a:r>
+            <a:endParaRPr kumimoji="1" lang="zh-CN" altLang="en-US" dirty="0"/>
+          </a:p>
+        </p:txBody>
+      </p:sp>
+    </p:spTree>
+    <p:extLst>
+      <p:ext uri="{BB962C8B-B14F-4D97-AF65-F5344CB8AC3E}">
+        <p14:creationId xmlns:p14="http://schemas.microsoft.com/office/powerpoint/2010/main" val="832848191"/>
+      </p:ext>
+    </p:extLst>
+  </p:cSld>
+  <p:clrMapOvr>
+    <a:masterClrMapping/>
+  </p:clrMapOvr>
+</p:sld>
+</file>
+
+<file path=ppt/slides/slide18.xml><?xml version="1.0" encoding="utf-8"?>
+<p:sld xmlns:a="http://schemas.openxmlformats.org/drawingml/2006/main" xmlns:r="http://schemas.openxmlformats.org/officeDocument/2006/relationships" xmlns:p="http://schemas.openxmlformats.org/presentationml/2006/main">
+  <p:cSld>
+    <p:spTree>
+      <p:nvGrpSpPr>
+        <p:cNvPr id="1" name=""/>
+        <p:cNvGrpSpPr/>
+        <p:nvPr/>
+      </p:nvGrpSpPr>
+      <p:grpSpPr>
+        <a:xfrm>
+          <a:off x="0" y="0"/>
+          <a:ext cx="0" cy="0"/>
+          <a:chOff x="0" y="0"/>
+          <a:chExt cx="0" cy="0"/>
+        </a:xfrm>
+      </p:grpSpPr>
+      <p:sp>
+        <p:nvSpPr>
+          <p:cNvPr id="2" name="标题 1"/>
+          <p:cNvSpPr>
+            <a:spLocks noGrp="1"/>
+          </p:cNvSpPr>
+          <p:nvPr>
+            <p:ph type="title"/>
+          </p:nvPr>
+        </p:nvSpPr>
+        <p:spPr/>
+        <p:txBody>
+          <a:bodyPr/>
+          <a:lstStyle/>
+          <a:p>
+            <a:r>
+              <a:rPr kumimoji="1" lang="en-US" altLang="zh-CN" dirty="0" smtClean="0"/>
+              <a:t>Experiment</a:t>
+            </a:r>
+            <a:endParaRPr kumimoji="1" lang="zh-CN" altLang="en-US" dirty="0"/>
+          </a:p>
+        </p:txBody>
+      </p:sp>
+      <p:sp>
+        <p:nvSpPr>
+          <p:cNvPr id="3" name="内容占位符 2"/>
+          <p:cNvSpPr>
+            <a:spLocks noGrp="1"/>
+          </p:cNvSpPr>
+          <p:nvPr>
+            <p:ph idx="1"/>
+          </p:nvPr>
+        </p:nvSpPr>
+        <p:spPr>
+          <a:xfrm>
+            <a:off x="1097279" y="1845734"/>
+            <a:ext cx="5572471" cy="4023360"/>
+          </a:xfrm>
+        </p:spPr>
+        <p:txBody>
+          <a:bodyPr>
+            <a:normAutofit/>
+          </a:bodyPr>
+          <a:lstStyle/>
+          <a:p>
+            <a:endParaRPr kumimoji="1" lang="en-US" altLang="zh-CN" dirty="0" smtClean="0"/>
+          </a:p>
+          <a:p>
+            <a:r>
+              <a:rPr kumimoji="1" lang="en-US" altLang="zh-CN" dirty="0" smtClean="0"/>
+              <a:t>Label </a:t>
+            </a:r>
+            <a:r>
+              <a:rPr kumimoji="1" lang="en-US" altLang="zh-CN" dirty="0"/>
+              <a:t>a tweet as sarcastic if it contains any </a:t>
+            </a:r>
+            <a:r>
+              <a:rPr kumimoji="1" lang="en-US" altLang="zh-CN" b="1" dirty="0">
+                <a:solidFill>
+                  <a:srgbClr val="FF0000"/>
+                </a:solidFill>
+              </a:rPr>
+              <a:t>positive term</a:t>
+            </a:r>
+            <a:r>
+              <a:rPr kumimoji="1" lang="en-US" altLang="zh-CN" dirty="0"/>
+              <a:t> in each </a:t>
+            </a:r>
+            <a:r>
+              <a:rPr kumimoji="1" lang="en-US" altLang="zh-CN" dirty="0" smtClean="0"/>
+              <a:t>resource</a:t>
+            </a:r>
+          </a:p>
+          <a:p>
+            <a:pPr lvl="1"/>
+            <a:r>
+              <a:rPr kumimoji="1" lang="en-US" altLang="zh-CN" dirty="0"/>
+              <a:t>The </a:t>
+            </a:r>
+            <a:r>
+              <a:rPr kumimoji="1" lang="en-US" altLang="zh-CN" b="1" dirty="0">
+                <a:solidFill>
+                  <a:srgbClr val="00B0F0"/>
+                </a:solidFill>
+              </a:rPr>
+              <a:t>Positive Sentiment Only </a:t>
+            </a:r>
+            <a:r>
+              <a:rPr kumimoji="1" lang="en-US" altLang="zh-CN" dirty="0"/>
+              <a:t>section of Table 2 shows that all three sentiment lexicons achieved </a:t>
+            </a:r>
+            <a:r>
+              <a:rPr kumimoji="1" lang="en-US" altLang="zh-CN" b="1" dirty="0">
+                <a:solidFill>
+                  <a:srgbClr val="FF0000"/>
+                </a:solidFill>
+              </a:rPr>
+              <a:t>high recall </a:t>
+            </a:r>
+            <a:r>
+              <a:rPr kumimoji="1" lang="en-US" altLang="zh-CN" dirty="0"/>
+              <a:t>(75-78%) but low precision (30-34</a:t>
+            </a:r>
+            <a:r>
+              <a:rPr kumimoji="1" lang="en-US" altLang="zh-CN" dirty="0" smtClean="0"/>
+              <a:t>%).</a:t>
+            </a:r>
+          </a:p>
+        </p:txBody>
+      </p:sp>
+      <p:pic>
+        <p:nvPicPr>
+          <p:cNvPr id="4" name="图片 3"/>
+          <p:cNvPicPr>
+            <a:picLocks noChangeAspect="1"/>
+          </p:cNvPicPr>
+          <p:nvPr/>
+        </p:nvPicPr>
+        <p:blipFill>
+          <a:blip r:embed="rId2">
+            <a:extLst>
+              <a:ext uri="{28A0092B-C50C-407E-A947-70E740481C1C}">
+                <a14:useLocalDpi xmlns:a14="http://schemas.microsoft.com/office/drawing/2010/main" val="0"/>
+              </a:ext>
+            </a:extLst>
+          </a:blip>
+          <a:stretch>
+            <a:fillRect/>
+          </a:stretch>
+        </p:blipFill>
+        <p:spPr>
+          <a:xfrm>
+            <a:off x="6669751" y="757981"/>
+            <a:ext cx="4485929" cy="5257799"/>
+          </a:xfrm>
+          <a:prstGeom prst="rect">
+            <a:avLst/>
+          </a:prstGeom>
+        </p:spPr>
+      </p:pic>
+    </p:spTree>
+    <p:extLst>
+      <p:ext uri="{BB962C8B-B14F-4D97-AF65-F5344CB8AC3E}">
+        <p14:creationId xmlns:p14="http://schemas.microsoft.com/office/powerpoint/2010/main" val="1962426308"/>
+      </p:ext>
+    </p:extLst>
+  </p:cSld>
+  <p:clrMapOvr>
+    <a:masterClrMapping/>
+  </p:clrMapOvr>
+</p:sld>
+</file>
+
+<file path=ppt/slides/slide19.xml><?xml version="1.0" encoding="utf-8"?>
+<p:sld xmlns:a="http://schemas.openxmlformats.org/drawingml/2006/main" xmlns:r="http://schemas.openxmlformats.org/officeDocument/2006/relationships" xmlns:p="http://schemas.openxmlformats.org/presentationml/2006/main">
+  <p:cSld>
+    <p:spTree>
+      <p:nvGrpSpPr>
+        <p:cNvPr id="1" name=""/>
+        <p:cNvGrpSpPr/>
+        <p:nvPr/>
+      </p:nvGrpSpPr>
+      <p:grpSpPr>
+        <a:xfrm>
+          <a:off x="0" y="0"/>
+          <a:ext cx="0" cy="0"/>
+          <a:chOff x="0" y="0"/>
+          <a:chExt cx="0" cy="0"/>
+        </a:xfrm>
+      </p:grpSpPr>
+      <p:sp>
+        <p:nvSpPr>
+          <p:cNvPr id="2" name="标题 1"/>
+          <p:cNvSpPr>
+            <a:spLocks noGrp="1"/>
+          </p:cNvSpPr>
+          <p:nvPr>
+            <p:ph type="title"/>
+          </p:nvPr>
+        </p:nvSpPr>
+        <p:spPr/>
+        <p:txBody>
+          <a:bodyPr/>
+          <a:lstStyle/>
+          <a:p>
+            <a:r>
+              <a:rPr kumimoji="1" lang="en-US" altLang="zh-CN" dirty="0" smtClean="0"/>
+              <a:t>Experiment</a:t>
+            </a:r>
+            <a:endParaRPr kumimoji="1" lang="zh-CN" altLang="en-US" dirty="0"/>
+          </a:p>
+        </p:txBody>
+      </p:sp>
+      <p:sp>
+        <p:nvSpPr>
+          <p:cNvPr id="3" name="内容占位符 2"/>
+          <p:cNvSpPr>
+            <a:spLocks noGrp="1"/>
+          </p:cNvSpPr>
+          <p:nvPr>
+            <p:ph idx="1"/>
+          </p:nvPr>
+        </p:nvSpPr>
+        <p:spPr>
+          <a:xfrm>
+            <a:off x="1097280" y="1845734"/>
+            <a:ext cx="5572471" cy="4023360"/>
+          </a:xfrm>
+        </p:spPr>
+        <p:txBody>
+          <a:bodyPr>
+            <a:normAutofit/>
+          </a:bodyPr>
+          <a:lstStyle/>
+          <a:p>
+            <a:endParaRPr kumimoji="1" lang="en-US" altLang="zh-CN" dirty="0" smtClean="0"/>
+          </a:p>
+          <a:p>
+            <a:r>
+              <a:rPr kumimoji="1" lang="en-US" altLang="zh-CN" dirty="0" smtClean="0"/>
+              <a:t>Label </a:t>
+            </a:r>
+            <a:r>
+              <a:rPr kumimoji="1" lang="en-US" altLang="zh-CN" dirty="0"/>
+              <a:t>a tweet as sarcastic if it contains any </a:t>
+            </a:r>
+            <a:r>
+              <a:rPr kumimoji="1" lang="en-US" altLang="zh-CN" b="1" dirty="0">
+                <a:solidFill>
+                  <a:srgbClr val="FF0000"/>
+                </a:solidFill>
+              </a:rPr>
+              <a:t>negative term</a:t>
+            </a:r>
+            <a:r>
+              <a:rPr kumimoji="1" lang="en-US" altLang="zh-CN" dirty="0"/>
+              <a:t> from each </a:t>
+            </a:r>
+            <a:r>
+              <a:rPr kumimoji="1" lang="en-US" altLang="zh-CN" dirty="0" smtClean="0"/>
+              <a:t>resource</a:t>
+            </a:r>
+          </a:p>
+          <a:p>
+            <a:pPr lvl="1"/>
+            <a:r>
+              <a:rPr kumimoji="1" lang="en-US" altLang="zh-CN" dirty="0" smtClean="0"/>
+              <a:t>The </a:t>
+            </a:r>
+            <a:r>
+              <a:rPr kumimoji="1" lang="en-US" altLang="zh-CN" b="1" dirty="0">
+                <a:solidFill>
+                  <a:srgbClr val="00B0F0"/>
+                </a:solidFill>
+              </a:rPr>
+              <a:t>Negative Sentiment Only </a:t>
+            </a:r>
+            <a:r>
+              <a:rPr kumimoji="1" lang="en-US" altLang="zh-CN" dirty="0"/>
+              <a:t>section of Table 2 shows that this approach yields much </a:t>
+            </a:r>
+            <a:r>
+              <a:rPr kumimoji="1" lang="en-US" altLang="zh-CN" b="1" dirty="0">
+                <a:solidFill>
+                  <a:srgbClr val="FF0000"/>
+                </a:solidFill>
+              </a:rPr>
+              <a:t>lower recall and also lower precision </a:t>
+            </a:r>
+            <a:r>
+              <a:rPr kumimoji="1" lang="en-US" altLang="zh-CN" dirty="0"/>
+              <a:t>of </a:t>
+            </a:r>
+            <a:r>
+              <a:rPr kumimoji="1" lang="en-US" altLang="zh-CN" dirty="0" smtClean="0"/>
+              <a:t>22-24%, which </a:t>
+            </a:r>
+            <a:r>
+              <a:rPr kumimoji="1" lang="en-US" altLang="zh-CN" dirty="0"/>
+              <a:t>is what would be </a:t>
+            </a:r>
+            <a:r>
+              <a:rPr kumimoji="1" lang="en-US" altLang="zh-CN" b="1" dirty="0">
+                <a:solidFill>
+                  <a:srgbClr val="FF0000"/>
+                </a:solidFill>
+              </a:rPr>
+              <a:t>expected of a random classifier </a:t>
+            </a:r>
+            <a:r>
+              <a:rPr kumimoji="1" lang="en-US" altLang="zh-CN" dirty="0"/>
+              <a:t>since 23% of the tweets are </a:t>
+            </a:r>
+            <a:r>
+              <a:rPr kumimoji="1" lang="en-US" altLang="zh-CN" dirty="0" smtClean="0"/>
+              <a:t>sarcastic</a:t>
+            </a:r>
+          </a:p>
+          <a:p>
+            <a:pPr lvl="1"/>
+            <a:r>
+              <a:rPr kumimoji="1" lang="en-US" altLang="zh-CN" dirty="0" smtClean="0"/>
+              <a:t>These </a:t>
+            </a:r>
+            <a:r>
+              <a:rPr kumimoji="1" lang="en-US" altLang="zh-CN" dirty="0"/>
+              <a:t>results suggest that explicit negative sentiments are </a:t>
+            </a:r>
+            <a:r>
+              <a:rPr kumimoji="1" lang="en-US" altLang="zh-CN" b="1" dirty="0">
+                <a:solidFill>
+                  <a:srgbClr val="FF0000"/>
+                </a:solidFill>
+              </a:rPr>
+              <a:t>not</a:t>
+            </a:r>
+            <a:r>
+              <a:rPr kumimoji="1" lang="en-US" altLang="zh-CN" dirty="0"/>
+              <a:t> generally </a:t>
+            </a:r>
+            <a:r>
+              <a:rPr kumimoji="1" lang="en-US" altLang="zh-CN" b="1" dirty="0">
+                <a:solidFill>
+                  <a:srgbClr val="FF0000"/>
+                </a:solidFill>
+              </a:rPr>
+              <a:t>indicative of sarcasm</a:t>
+            </a:r>
+            <a:r>
+              <a:rPr kumimoji="1" lang="en-US" altLang="zh-CN" dirty="0" smtClean="0"/>
+              <a:t>.</a:t>
+            </a:r>
+          </a:p>
+        </p:txBody>
+      </p:sp>
+      <p:pic>
+        <p:nvPicPr>
+          <p:cNvPr id="4" name="图片 3"/>
+          <p:cNvPicPr>
+            <a:picLocks noChangeAspect="1"/>
+          </p:cNvPicPr>
+          <p:nvPr/>
+        </p:nvPicPr>
+        <p:blipFill>
+          <a:blip r:embed="rId2">
+            <a:extLst>
+              <a:ext uri="{28A0092B-C50C-407E-A947-70E740481C1C}">
+                <a14:useLocalDpi xmlns:a14="http://schemas.microsoft.com/office/drawing/2010/main" val="0"/>
+              </a:ext>
+            </a:extLst>
+          </a:blip>
+          <a:stretch>
+            <a:fillRect/>
+          </a:stretch>
+        </p:blipFill>
+        <p:spPr>
+          <a:xfrm>
+            <a:off x="6669751" y="770681"/>
+            <a:ext cx="4485929" cy="5257799"/>
+          </a:xfrm>
+          <a:prstGeom prst="rect">
+            <a:avLst/>
+          </a:prstGeom>
+        </p:spPr>
+      </p:pic>
+    </p:spTree>
+    <p:extLst>
+      <p:ext uri="{BB962C8B-B14F-4D97-AF65-F5344CB8AC3E}">
+        <p14:creationId xmlns:p14="http://schemas.microsoft.com/office/powerpoint/2010/main" val="2051621011"/>
       </p:ext>
     </p:extLst>
   </p:cSld>
@@ -4613,7 +6795,15 @@
                   <a:srgbClr val="00B0F0"/>
                 </a:solidFill>
               </a:rPr>
-              <a:t>positive/negative contrast between a </a:t>
+              <a:t>positive/negative contrast </a:t>
+            </a:r>
+            <a:r>
+              <a:rPr lang="en-US" altLang="zh-CN" dirty="0">
+                <a:solidFill>
+                  <a:srgbClr val="404040"/>
+                </a:solidFill>
+              </a:rPr>
+              <a:t>between a </a:t>
             </a:r>
             <a:r>
               <a:rPr lang="en-US" altLang="zh-CN" b="1" dirty="0" smtClean="0">
@@ -4621,7 +6811,31 @@
                   <a:srgbClr val="00B0F0"/>
                 </a:solidFill>
               </a:rPr>
-              <a:t>sentiment and </a:t>
+              <a:t>sentiment </a:t>
+            </a:r>
+            <a:r>
+              <a:rPr lang="en-US" altLang="zh-CN" dirty="0" smtClean="0">
+                <a:solidFill>
+                  <a:srgbClr val="404040"/>
+                </a:solidFill>
+              </a:rPr>
+              <a:t>and </a:t>
+            </a:r>
+            <a:r>
+              <a:rPr lang="en-US" altLang="zh-CN" dirty="0">
+                <a:solidFill>
+                  <a:srgbClr val="404040"/>
+                </a:solidFill>
+              </a:rPr>
+              <a:t>a</a:t>
+            </a:r>
+            <a:r>
+              <a:rPr lang="en-US" altLang="zh-CN" dirty="0">
+                <a:solidFill>
+                  <a:srgbClr val="00B0F0"/>
+                </a:solidFill>
+              </a:rPr>
+              <a:t> </a:t>
             </a:r>
             <a:r>
               <a:rPr lang="en-US" altLang="zh-CN" b="1" dirty="0">
@@ -4629,11 +6843,22 @@
                   <a:srgbClr val="00B0F0"/>
                 </a:solidFill>
               </a:rPr>
-              <a:t>a situation</a:t>
+              <a:t>situation</a:t>
+            </a:r>
+            <a:r>
+              <a:rPr lang="en-US" altLang="zh-CN" dirty="0" smtClean="0"/>
+              <a:t>.</a:t>
+            </a:r>
+          </a:p>
+          <a:p>
+            <a:pPr lvl="1"/>
+            <a:r>
+              <a:rPr lang="en-US" altLang="zh-CN" dirty="0" smtClean="0"/>
+              <a:t>Specifically</a:t>
             </a:r>
             <a:r>
               <a:rPr lang="en-US" altLang="zh-CN" dirty="0"/>
-              <a:t>. Specifically, sarcastic </a:t>
+              <a:t>, sarcastic </a:t>
             </a:r>
             <a:r>
               <a:rPr lang="en-US" altLang="zh-CN" dirty="0" smtClean="0"/>
@@ -4661,7 +6886,23 @@
                   <a:srgbClr val="00B0F0"/>
                 </a:solidFill>
               </a:rPr>
-              <a:t>positive sentiment in reference to </a:t>
+              <a:t>positive sentiment </a:t>
+            </a:r>
+            <a:r>
+              <a:rPr lang="en-US" altLang="zh-CN" dirty="0">
+                <a:solidFill>
+                  <a:srgbClr val="404040"/>
+                </a:solidFill>
+              </a:rPr>
+              <a:t>in reference to </a:t>
+            </a:r>
+            <a:r>
+              <a:rPr lang="en-US" altLang="zh-CN" dirty="0" smtClean="0">
+                <a:solidFill>
+                  <a:srgbClr val="404040"/>
+                </a:solidFill>
+              </a:rPr>
+              <a:t>a</a:t>
             </a:r>
             <a:r>
               <a:rPr lang="en-US" altLang="zh-CN" b="1" dirty="0" smtClean="0">
@@ -4669,7 +6910,7 @@
                   <a:srgbClr val="00B0F0"/>
                 </a:solidFill>
               </a:rPr>
-              <a:t>a negative </a:t>
+              <a:t> negative </a:t>
             </a:r>
             <a:r>
               <a:rPr lang="en-US" altLang="zh-CN" b="1" dirty="0">
@@ -4741,6 +6982,1235 @@
 </p:sld>
 </file>
 
+<file path=ppt/slides/slide20.xml><?xml version="1.0" encoding="utf-8"?>
+<p:sld xmlns:a="http://schemas.openxmlformats.org/drawingml/2006/main" xmlns:r="http://schemas.openxmlformats.org/officeDocument/2006/relationships" xmlns:p="http://schemas.openxmlformats.org/presentationml/2006/main">
+  <p:cSld>
+    <p:spTree>
+      <p:nvGrpSpPr>
+        <p:cNvPr id="1" name=""/>
+        <p:cNvGrpSpPr/>
+        <p:nvPr/>
+      </p:nvGrpSpPr>
+      <p:grpSpPr>
+        <a:xfrm>
+          <a:off x="0" y="0"/>
+          <a:ext cx="0" cy="0"/>
+          <a:chOff x="0" y="0"/>
+          <a:chExt cx="0" cy="0"/>
+        </a:xfrm>
+      </p:grpSpPr>
+      <p:sp>
+        <p:nvSpPr>
+          <p:cNvPr id="2" name="标题 1"/>
+          <p:cNvSpPr>
+            <a:spLocks noGrp="1"/>
+          </p:cNvSpPr>
+          <p:nvPr>
+            <p:ph type="title"/>
+          </p:nvPr>
+        </p:nvSpPr>
+        <p:spPr/>
+        <p:txBody>
+          <a:bodyPr/>
+          <a:lstStyle/>
+          <a:p>
+            <a:r>
+              <a:rPr kumimoji="1" lang="en-US" altLang="zh-CN" dirty="0" smtClean="0"/>
+              <a:t>Experiment</a:t>
+            </a:r>
+            <a:endParaRPr kumimoji="1" lang="zh-CN" altLang="en-US" dirty="0"/>
+          </a:p>
+        </p:txBody>
+      </p:sp>
+      <p:sp>
+        <p:nvSpPr>
+          <p:cNvPr id="3" name="内容占位符 2"/>
+          <p:cNvSpPr>
+            <a:spLocks noGrp="1"/>
+          </p:cNvSpPr>
+          <p:nvPr>
+            <p:ph idx="1"/>
+          </p:nvPr>
+        </p:nvSpPr>
+        <p:spPr>
+          <a:xfrm>
+            <a:off x="1097280" y="1845734"/>
+            <a:ext cx="5572471" cy="4023360"/>
+          </a:xfrm>
+        </p:spPr>
+        <p:txBody>
+          <a:bodyPr>
+            <a:normAutofit/>
+          </a:bodyPr>
+          <a:lstStyle/>
+          <a:p>
+            <a:endParaRPr kumimoji="1" lang="en-US" altLang="zh-CN" dirty="0" smtClean="0"/>
+          </a:p>
+          <a:p>
+            <a:r>
+              <a:rPr kumimoji="1" lang="en-US" altLang="zh-CN" dirty="0" smtClean="0"/>
+              <a:t>Label </a:t>
+            </a:r>
+            <a:r>
+              <a:rPr kumimoji="1" lang="en-US" altLang="zh-CN" dirty="0"/>
+              <a:t>a tweet as sarcastic if it contains </a:t>
+            </a:r>
+            <a:r>
+              <a:rPr kumimoji="1" lang="en-US" altLang="zh-CN" b="1" dirty="0">
+                <a:solidFill>
+                  <a:srgbClr val="FF0000"/>
+                </a:solidFill>
+              </a:rPr>
+              <a:t>both</a:t>
+            </a:r>
+            <a:r>
+              <a:rPr kumimoji="1" lang="en-US" altLang="zh-CN" dirty="0"/>
+              <a:t> a </a:t>
+            </a:r>
+            <a:r>
+              <a:rPr kumimoji="1" lang="en-US" altLang="zh-CN" b="1" dirty="0">
+                <a:solidFill>
+                  <a:srgbClr val="FF0000"/>
+                </a:solidFill>
+              </a:rPr>
+              <a:t>positive sentiment </a:t>
+            </a:r>
+            <a:r>
+              <a:rPr kumimoji="1" lang="en-US" altLang="zh-CN" dirty="0"/>
+              <a:t>term and a </a:t>
+            </a:r>
+            <a:r>
+              <a:rPr kumimoji="1" lang="en-US" altLang="zh-CN" b="1" dirty="0">
+                <a:solidFill>
+                  <a:srgbClr val="FF0000"/>
+                </a:solidFill>
+              </a:rPr>
+              <a:t>negative sentiment </a:t>
+            </a:r>
+            <a:r>
+              <a:rPr kumimoji="1" lang="en-US" altLang="zh-CN" dirty="0"/>
+              <a:t>term, in any order</a:t>
+            </a:r>
+            <a:r>
+              <a:rPr kumimoji="1" lang="en-US" altLang="zh-CN" dirty="0" smtClean="0"/>
+              <a:t>.</a:t>
+            </a:r>
+          </a:p>
+          <a:p>
+            <a:pPr lvl="1"/>
+            <a:r>
+              <a:rPr kumimoji="1" lang="en-US" altLang="zh-CN" dirty="0" smtClean="0"/>
+              <a:t>The </a:t>
+            </a:r>
+            <a:r>
+              <a:rPr kumimoji="1" lang="en-US" altLang="zh-CN" b="1" dirty="0">
+                <a:solidFill>
+                  <a:srgbClr val="00B0F0"/>
+                </a:solidFill>
+              </a:rPr>
+              <a:t>Positive and Negative Sentiment, Unordered </a:t>
+            </a:r>
+            <a:r>
+              <a:rPr kumimoji="1" lang="en-US" altLang="zh-CN" dirty="0"/>
+              <a:t>section of Table 2 shows that this approach yields </a:t>
+            </a:r>
+            <a:r>
+              <a:rPr kumimoji="1" lang="en-US" altLang="zh-CN" b="1" dirty="0">
+                <a:solidFill>
+                  <a:srgbClr val="FF0000"/>
+                </a:solidFill>
+              </a:rPr>
+              <a:t>low </a:t>
+            </a:r>
+            <a:r>
+              <a:rPr kumimoji="1" lang="en-US" altLang="zh-CN" b="1" dirty="0" smtClean="0">
+                <a:solidFill>
+                  <a:srgbClr val="FF0000"/>
+                </a:solidFill>
+              </a:rPr>
+              <a:t>recall</a:t>
+            </a:r>
+            <a:r>
+              <a:rPr kumimoji="1" lang="en-US" altLang="zh-CN" dirty="0"/>
+              <a:t> and </a:t>
+            </a:r>
+            <a:r>
+              <a:rPr kumimoji="1" lang="en-US" altLang="zh-CN" b="1" dirty="0">
+                <a:solidFill>
+                  <a:srgbClr val="FF0000"/>
+                </a:solidFill>
+              </a:rPr>
+              <a:t>low precision </a:t>
+            </a:r>
+            <a:r>
+              <a:rPr kumimoji="1" lang="en-US" altLang="zh-CN" dirty="0"/>
+              <a:t>as well</a:t>
+            </a:r>
+            <a:endParaRPr kumimoji="1" lang="en-US" altLang="zh-CN" dirty="0" smtClean="0"/>
+          </a:p>
+          <a:p>
+            <a:pPr lvl="2"/>
+            <a:r>
+              <a:rPr kumimoji="1" lang="en-US" altLang="zh-CN" dirty="0" smtClean="0"/>
+              <a:t>relatively </a:t>
+            </a:r>
+            <a:r>
+              <a:rPr kumimoji="1" lang="en-US" altLang="zh-CN" b="1" dirty="0">
+                <a:solidFill>
+                  <a:srgbClr val="FF0000"/>
+                </a:solidFill>
+              </a:rPr>
+              <a:t>few</a:t>
+            </a:r>
+            <a:r>
+              <a:rPr kumimoji="1" lang="en-US" altLang="zh-CN" dirty="0"/>
+              <a:t> sarcastic tweets contain both positive and negative sentiments</a:t>
+            </a:r>
+            <a:r>
+              <a:rPr kumimoji="1" lang="en-US" altLang="zh-CN" dirty="0" smtClean="0"/>
+              <a:t>,.</a:t>
+            </a:r>
+          </a:p>
+        </p:txBody>
+      </p:sp>
+      <p:pic>
+        <p:nvPicPr>
+          <p:cNvPr id="4" name="图片 3"/>
+          <p:cNvPicPr>
+            <a:picLocks noChangeAspect="1"/>
+          </p:cNvPicPr>
+          <p:nvPr/>
+        </p:nvPicPr>
+        <p:blipFill>
+          <a:blip r:embed="rId2">
+            <a:extLst>
+              <a:ext uri="{28A0092B-C50C-407E-A947-70E740481C1C}">
+                <a14:useLocalDpi xmlns:a14="http://schemas.microsoft.com/office/drawing/2010/main" val="0"/>
+              </a:ext>
+            </a:extLst>
+          </a:blip>
+          <a:stretch>
+            <a:fillRect/>
+          </a:stretch>
+        </p:blipFill>
+        <p:spPr>
+          <a:xfrm>
+            <a:off x="6669751" y="770681"/>
+            <a:ext cx="4485929" cy="5257799"/>
+          </a:xfrm>
+          <a:prstGeom prst="rect">
+            <a:avLst/>
+          </a:prstGeom>
+        </p:spPr>
+      </p:pic>
+    </p:spTree>
+    <p:extLst>
+      <p:ext uri="{BB962C8B-B14F-4D97-AF65-F5344CB8AC3E}">
+        <p14:creationId xmlns:p14="http://schemas.microsoft.com/office/powerpoint/2010/main" val="2036415587"/>
+      </p:ext>
+    </p:extLst>
+  </p:cSld>
+  <p:clrMapOvr>
+    <a:masterClrMapping/>
+  </p:clrMapOvr>
+</p:sld>
+</file>
+
+<file path=ppt/slides/slide21.xml><?xml version="1.0" encoding="utf-8"?>
+<p:sld xmlns:a="http://schemas.openxmlformats.org/drawingml/2006/main" xmlns:r="http://schemas.openxmlformats.org/officeDocument/2006/relationships" xmlns:p="http://schemas.openxmlformats.org/presentationml/2006/main">
+  <p:cSld>
+    <p:spTree>
+      <p:nvGrpSpPr>
+        <p:cNvPr id="1" name=""/>
+        <p:cNvGrpSpPr/>
+        <p:nvPr/>
+      </p:nvGrpSpPr>
+      <p:grpSpPr>
+        <a:xfrm>
+          <a:off x="0" y="0"/>
+          <a:ext cx="0" cy="0"/>
+          <a:chOff x="0" y="0"/>
+          <a:chExt cx="0" cy="0"/>
+        </a:xfrm>
+      </p:grpSpPr>
+      <p:sp>
+        <p:nvSpPr>
+          <p:cNvPr id="2" name="标题 1"/>
+          <p:cNvSpPr>
+            <a:spLocks noGrp="1"/>
+          </p:cNvSpPr>
+          <p:nvPr>
+            <p:ph type="title"/>
+          </p:nvPr>
+        </p:nvSpPr>
+        <p:spPr/>
+        <p:txBody>
+          <a:bodyPr/>
+          <a:lstStyle/>
+          <a:p>
+            <a:r>
+              <a:rPr kumimoji="1" lang="en-US" altLang="zh-CN" dirty="0" smtClean="0"/>
+              <a:t>Experiment</a:t>
+            </a:r>
+            <a:endParaRPr kumimoji="1" lang="zh-CN" altLang="en-US" dirty="0"/>
+          </a:p>
+        </p:txBody>
+      </p:sp>
+      <p:sp>
+        <p:nvSpPr>
+          <p:cNvPr id="3" name="内容占位符 2"/>
+          <p:cNvSpPr>
+            <a:spLocks noGrp="1"/>
+          </p:cNvSpPr>
+          <p:nvPr>
+            <p:ph idx="1"/>
+          </p:nvPr>
+        </p:nvSpPr>
+        <p:spPr>
+          <a:xfrm>
+            <a:off x="1097280" y="1845734"/>
+            <a:ext cx="5572471" cy="4023360"/>
+          </a:xfrm>
+        </p:spPr>
+        <p:txBody>
+          <a:bodyPr>
+            <a:normAutofit/>
+          </a:bodyPr>
+          <a:lstStyle/>
+          <a:p>
+            <a:endParaRPr kumimoji="1" lang="en-US" altLang="zh-CN" dirty="0" smtClean="0"/>
+          </a:p>
+          <a:p>
+            <a:r>
+              <a:rPr kumimoji="1" lang="en-US" altLang="zh-CN" dirty="0" smtClean="0"/>
+              <a:t>Require the </a:t>
+            </a:r>
+            <a:r>
+              <a:rPr kumimoji="1" lang="en-US" altLang="zh-CN" b="1" dirty="0">
+                <a:solidFill>
+                  <a:srgbClr val="FF0000"/>
+                </a:solidFill>
+              </a:rPr>
+              <a:t>positive term must precede the negative </a:t>
+            </a:r>
+            <a:r>
+              <a:rPr kumimoji="1" lang="en-US" altLang="zh-CN" b="1" dirty="0" smtClean="0">
+                <a:solidFill>
+                  <a:srgbClr val="FF0000"/>
+                </a:solidFill>
+              </a:rPr>
+              <a:t>term</a:t>
+            </a:r>
+            <a:r>
+              <a:rPr kumimoji="1" lang="en-US" altLang="zh-CN" dirty="0" smtClean="0"/>
+              <a:t> </a:t>
+            </a:r>
+            <a:r>
+              <a:rPr kumimoji="1" lang="en-US" altLang="zh-CN" dirty="0"/>
+              <a:t>and near each other (no more than 5 words apart</a:t>
+            </a:r>
+            <a:r>
+              <a:rPr kumimoji="1" lang="en-US" altLang="zh-CN" dirty="0" smtClean="0"/>
+              <a:t>)</a:t>
+            </a:r>
+          </a:p>
+          <a:p>
+            <a:pPr lvl="1"/>
+            <a:r>
+              <a:rPr kumimoji="1" lang="en-US" altLang="zh-CN" dirty="0" smtClean="0"/>
+              <a:t>The </a:t>
+            </a:r>
+            <a:r>
+              <a:rPr kumimoji="1" lang="en-US" altLang="zh-CN" b="1" dirty="0">
+                <a:solidFill>
+                  <a:srgbClr val="00B0F0"/>
+                </a:solidFill>
+              </a:rPr>
+              <a:t>Positive and Negative Sentiment, Ordered</a:t>
+            </a:r>
+            <a:r>
+              <a:rPr kumimoji="1" lang="en-US" altLang="zh-CN" dirty="0"/>
+              <a:t> section of Table 2 shows that this ordering constraint </a:t>
+            </a:r>
+            <a:r>
+              <a:rPr kumimoji="1" lang="en-US" altLang="zh-CN" b="1" dirty="0">
+                <a:solidFill>
+                  <a:srgbClr val="FF0000"/>
+                </a:solidFill>
+              </a:rPr>
+              <a:t>further decreases recall</a:t>
+            </a:r>
+            <a:r>
+              <a:rPr kumimoji="1" lang="en-US" altLang="zh-CN" dirty="0"/>
+              <a:t> and only </a:t>
+            </a:r>
+            <a:r>
+              <a:rPr kumimoji="1" lang="en-US" altLang="zh-CN" b="1" dirty="0">
+                <a:solidFill>
+                  <a:srgbClr val="FF0000"/>
+                </a:solidFill>
+              </a:rPr>
+              <a:t>slightly improves precision</a:t>
+            </a:r>
+            <a:r>
+              <a:rPr kumimoji="1" lang="en-US" altLang="zh-CN" dirty="0"/>
+              <a:t>, if at all</a:t>
+            </a:r>
+            <a:r>
+              <a:rPr kumimoji="1" lang="en-US" altLang="zh-CN" dirty="0" smtClean="0"/>
+              <a:t>.</a:t>
+            </a:r>
+          </a:p>
+          <a:p>
+            <a:pPr lvl="1"/>
+            <a:r>
+              <a:rPr kumimoji="1" lang="en-US" altLang="zh-CN" dirty="0"/>
+              <a:t>Our </a:t>
+            </a:r>
+            <a:r>
+              <a:rPr kumimoji="1" lang="en-US" altLang="zh-CN" dirty="0" smtClean="0"/>
+              <a:t>hypothesis </a:t>
+            </a:r>
+            <a:r>
+              <a:rPr kumimoji="1" lang="en-US" altLang="zh-CN" dirty="0"/>
+              <a:t>is that when positive and negative sentiments are expressed in the same tweet, they are </a:t>
+            </a:r>
+            <a:r>
+              <a:rPr kumimoji="1" lang="en-US" altLang="zh-CN" b="1" dirty="0">
+                <a:solidFill>
+                  <a:srgbClr val="FF0000"/>
+                </a:solidFill>
+              </a:rPr>
+              <a:t>referring to different </a:t>
+            </a:r>
+            <a:r>
+              <a:rPr kumimoji="1" lang="en-US" altLang="zh-CN" b="1" dirty="0" smtClean="0">
+                <a:solidFill>
+                  <a:srgbClr val="FF0000"/>
+                </a:solidFill>
+              </a:rPr>
+              <a:t>things</a:t>
+            </a:r>
+            <a:r>
+              <a:rPr kumimoji="1" lang="en-US" altLang="zh-CN" dirty="0" smtClean="0"/>
+              <a:t>.</a:t>
+            </a:r>
+            <a:endParaRPr kumimoji="1" lang="zh-CN" altLang="en-US" dirty="0"/>
+          </a:p>
+        </p:txBody>
+      </p:sp>
+      <p:pic>
+        <p:nvPicPr>
+          <p:cNvPr id="4" name="图片 3"/>
+          <p:cNvPicPr>
+            <a:picLocks noChangeAspect="1"/>
+          </p:cNvPicPr>
+          <p:nvPr/>
+        </p:nvPicPr>
+        <p:blipFill>
+          <a:blip r:embed="rId2">
+            <a:extLst>
+              <a:ext uri="{28A0092B-C50C-407E-A947-70E740481C1C}">
+                <a14:useLocalDpi xmlns:a14="http://schemas.microsoft.com/office/drawing/2010/main" val="0"/>
+              </a:ext>
+            </a:extLst>
+          </a:blip>
+          <a:stretch>
+            <a:fillRect/>
+          </a:stretch>
+        </p:blipFill>
+        <p:spPr>
+          <a:xfrm>
+            <a:off x="6669751" y="770681"/>
+            <a:ext cx="4485929" cy="5257799"/>
+          </a:xfrm>
+          <a:prstGeom prst="rect">
+            <a:avLst/>
+          </a:prstGeom>
+        </p:spPr>
+      </p:pic>
+    </p:spTree>
+    <p:extLst>
+      <p:ext uri="{BB962C8B-B14F-4D97-AF65-F5344CB8AC3E}">
+        <p14:creationId xmlns:p14="http://schemas.microsoft.com/office/powerpoint/2010/main" val="116495669"/>
+      </p:ext>
+    </p:extLst>
+  </p:cSld>
+  <p:clrMapOvr>
+    <a:masterClrMapping/>
+  </p:clrMapOvr>
+</p:sld>
+</file>
+
+<file path=ppt/slides/slide22.xml><?xml version="1.0" encoding="utf-8"?>
+<p:sld xmlns:a="http://schemas.openxmlformats.org/drawingml/2006/main" xmlns:r="http://schemas.openxmlformats.org/officeDocument/2006/relationships" xmlns:p="http://schemas.openxmlformats.org/presentationml/2006/main">
+  <p:cSld>
+    <p:spTree>
+      <p:nvGrpSpPr>
+        <p:cNvPr id="1" name=""/>
+        <p:cNvGrpSpPr/>
+        <p:nvPr/>
+      </p:nvGrpSpPr>
+      <p:grpSpPr>
+        <a:xfrm>
+          <a:off x="0" y="0"/>
+          <a:ext cx="0" cy="0"/>
+          <a:chOff x="0" y="0"/>
+          <a:chExt cx="0" cy="0"/>
+        </a:xfrm>
+      </p:grpSpPr>
+      <p:sp>
+        <p:nvSpPr>
+          <p:cNvPr id="2" name="标题 1"/>
+          <p:cNvSpPr>
+            <a:spLocks noGrp="1"/>
+          </p:cNvSpPr>
+          <p:nvPr>
+            <p:ph type="title"/>
+          </p:nvPr>
+        </p:nvSpPr>
+        <p:spPr/>
+        <p:txBody>
+          <a:bodyPr/>
+          <a:lstStyle/>
+          <a:p>
+            <a:r>
+              <a:rPr kumimoji="1" lang="en-US" altLang="zh-CN" dirty="0"/>
+              <a:t>Experiment</a:t>
+            </a:r>
+            <a:endParaRPr kumimoji="1" lang="zh-CN" altLang="en-US" dirty="0"/>
+          </a:p>
+        </p:txBody>
+      </p:sp>
+      <p:sp>
+        <p:nvSpPr>
+          <p:cNvPr id="3" name="内容占位符 2"/>
+          <p:cNvSpPr>
+            <a:spLocks noGrp="1"/>
+          </p:cNvSpPr>
+          <p:nvPr>
+            <p:ph idx="1"/>
+          </p:nvPr>
+        </p:nvSpPr>
+        <p:spPr>
+          <a:xfrm>
+            <a:off x="1097280" y="1845734"/>
+            <a:ext cx="5572471" cy="4023360"/>
+          </a:xfrm>
+        </p:spPr>
+        <p:txBody>
+          <a:bodyPr>
+            <a:normAutofit/>
+          </a:bodyPr>
+          <a:lstStyle/>
+          <a:p>
+            <a:endParaRPr kumimoji="1" lang="en-US" altLang="zh-CN" dirty="0" smtClean="0"/>
+          </a:p>
+          <a:p>
+            <a:r>
+              <a:rPr kumimoji="1" lang="en-US" altLang="zh-CN" dirty="0" smtClean="0"/>
+              <a:t>Evaluates </a:t>
+            </a:r>
+            <a:r>
+              <a:rPr kumimoji="1" lang="en-US" altLang="zh-CN" dirty="0"/>
+              <a:t>the effectiveness of the </a:t>
+            </a:r>
+            <a:r>
+              <a:rPr kumimoji="1" lang="en-US" altLang="zh-CN" b="1" dirty="0">
+                <a:solidFill>
+                  <a:srgbClr val="FF0000"/>
+                </a:solidFill>
+              </a:rPr>
+              <a:t>positive sentiment</a:t>
+            </a:r>
+            <a:r>
+              <a:rPr kumimoji="1" lang="en-US" altLang="zh-CN" b="1" dirty="0"/>
+              <a:t> </a:t>
+            </a:r>
+            <a:r>
+              <a:rPr kumimoji="1" lang="en-US" altLang="zh-CN" dirty="0"/>
+              <a:t>and </a:t>
+            </a:r>
+            <a:r>
+              <a:rPr kumimoji="1" lang="en-US" altLang="zh-CN" b="1" dirty="0">
+                <a:solidFill>
+                  <a:srgbClr val="FF0000"/>
+                </a:solidFill>
+              </a:rPr>
+              <a:t>negative situation </a:t>
+            </a:r>
+            <a:r>
+              <a:rPr kumimoji="1" lang="en-US" altLang="zh-CN" dirty="0"/>
+              <a:t>phrases learned by our bootstrapping algorithm</a:t>
+            </a:r>
+            <a:r>
+              <a:rPr kumimoji="1" lang="en-US" altLang="zh-CN" dirty="0" smtClean="0"/>
+              <a:t>.</a:t>
+            </a:r>
+          </a:p>
+          <a:p>
+            <a:pPr lvl="1"/>
+            <a:r>
+              <a:rPr kumimoji="1" lang="en-US" altLang="zh-CN" b="1" dirty="0" smtClean="0">
+                <a:solidFill>
+                  <a:srgbClr val="00B0F0"/>
+                </a:solidFill>
+              </a:rPr>
+              <a:t>Our </a:t>
+            </a:r>
+            <a:r>
+              <a:rPr kumimoji="1" lang="en-US" altLang="zh-CN" b="1" dirty="0">
+                <a:solidFill>
+                  <a:srgbClr val="00B0F0"/>
+                </a:solidFill>
+              </a:rPr>
+              <a:t>Bootstrapped </a:t>
+            </a:r>
+            <a:r>
+              <a:rPr kumimoji="1" lang="en-US" altLang="zh-CN" b="1" dirty="0" smtClean="0">
+                <a:solidFill>
+                  <a:srgbClr val="00B0F0"/>
+                </a:solidFill>
+              </a:rPr>
+              <a:t>Lexicons</a:t>
+            </a:r>
+            <a:r>
+              <a:rPr kumimoji="1" lang="en-US" altLang="zh-CN" dirty="0" smtClean="0"/>
+              <a:t> </a:t>
+            </a:r>
+            <a:r>
+              <a:rPr kumimoji="1" lang="en-US" altLang="zh-CN" dirty="0"/>
+              <a:t>section of Table </a:t>
+            </a:r>
+            <a:r>
+              <a:rPr kumimoji="1" lang="en-US" altLang="zh-CN" dirty="0" smtClean="0"/>
+              <a:t>2</a:t>
+            </a:r>
+          </a:p>
+          <a:p>
+            <a:pPr lvl="1"/>
+            <a:endParaRPr kumimoji="1" lang="en-US" altLang="zh-CN" dirty="0"/>
+          </a:p>
+        </p:txBody>
+      </p:sp>
+      <p:pic>
+        <p:nvPicPr>
+          <p:cNvPr id="4" name="图片 3"/>
+          <p:cNvPicPr>
+            <a:picLocks noChangeAspect="1"/>
+          </p:cNvPicPr>
+          <p:nvPr/>
+        </p:nvPicPr>
+        <p:blipFill>
+          <a:blip r:embed="rId2">
+            <a:extLst>
+              <a:ext uri="{28A0092B-C50C-407E-A947-70E740481C1C}">
+                <a14:useLocalDpi xmlns:a14="http://schemas.microsoft.com/office/drawing/2010/main" val="0"/>
+              </a:ext>
+            </a:extLst>
+          </a:blip>
+          <a:stretch>
+            <a:fillRect/>
+          </a:stretch>
+        </p:blipFill>
+        <p:spPr>
+          <a:xfrm>
+            <a:off x="6669751" y="770681"/>
+            <a:ext cx="4485929" cy="5257799"/>
+          </a:xfrm>
+          <a:prstGeom prst="rect">
+            <a:avLst/>
+          </a:prstGeom>
+        </p:spPr>
+      </p:pic>
+    </p:spTree>
+    <p:extLst>
+      <p:ext uri="{BB962C8B-B14F-4D97-AF65-F5344CB8AC3E}">
+        <p14:creationId xmlns:p14="http://schemas.microsoft.com/office/powerpoint/2010/main" val="827236355"/>
+      </p:ext>
+    </p:extLst>
+  </p:cSld>
+  <p:clrMapOvr>
+    <a:masterClrMapping/>
+  </p:clrMapOvr>
+</p:sld>
+</file>
+
+<file path=ppt/slides/slide23.xml><?xml version="1.0" encoding="utf-8"?>
+<p:sld xmlns:a="http://schemas.openxmlformats.org/drawingml/2006/main" xmlns:r="http://schemas.openxmlformats.org/officeDocument/2006/relationships" xmlns:p="http://schemas.openxmlformats.org/presentationml/2006/main">
+  <p:cSld>
+    <p:spTree>
+      <p:nvGrpSpPr>
+        <p:cNvPr id="1" name=""/>
+        <p:cNvGrpSpPr/>
+        <p:nvPr/>
+      </p:nvGrpSpPr>
+      <p:grpSpPr>
+        <a:xfrm>
+          <a:off x="0" y="0"/>
+          <a:ext cx="0" cy="0"/>
+          <a:chOff x="0" y="0"/>
+          <a:chExt cx="0" cy="0"/>
+        </a:xfrm>
+      </p:grpSpPr>
+      <p:sp>
+        <p:nvSpPr>
+          <p:cNvPr id="2" name="标题 1"/>
+          <p:cNvSpPr>
+            <a:spLocks noGrp="1"/>
+          </p:cNvSpPr>
+          <p:nvPr>
+            <p:ph type="title"/>
+          </p:nvPr>
+        </p:nvSpPr>
+        <p:spPr/>
+        <p:txBody>
+          <a:bodyPr/>
+          <a:lstStyle/>
+          <a:p>
+            <a:r>
+              <a:rPr kumimoji="1" lang="en-US" altLang="zh-CN" dirty="0"/>
+              <a:t>Experiment</a:t>
+            </a:r>
+            <a:endParaRPr kumimoji="1" lang="zh-CN" altLang="en-US" dirty="0"/>
+          </a:p>
+        </p:txBody>
+      </p:sp>
+      <p:sp>
+        <p:nvSpPr>
+          <p:cNvPr id="3" name="内容占位符 2"/>
+          <p:cNvSpPr>
+            <a:spLocks noGrp="1"/>
+          </p:cNvSpPr>
+          <p:nvPr>
+            <p:ph idx="1"/>
+          </p:nvPr>
+        </p:nvSpPr>
+        <p:spPr>
+          <a:xfrm>
+            <a:off x="1097280" y="1845734"/>
+            <a:ext cx="5572471" cy="4023360"/>
+          </a:xfrm>
+        </p:spPr>
+        <p:txBody>
+          <a:bodyPr>
+            <a:normAutofit/>
+          </a:bodyPr>
+          <a:lstStyle/>
+          <a:p>
+            <a:endParaRPr kumimoji="1" lang="en-US" altLang="zh-CN" dirty="0" smtClean="0"/>
+          </a:p>
+          <a:p>
+            <a:r>
+              <a:rPr kumimoji="1" lang="en-US" altLang="zh-CN" dirty="0" smtClean="0"/>
+              <a:t>Hybrid approach</a:t>
+            </a:r>
+          </a:p>
+          <a:p>
+            <a:pPr lvl="1"/>
+            <a:r>
+              <a:rPr kumimoji="1" lang="en-US" altLang="zh-CN" dirty="0" smtClean="0"/>
+              <a:t>a </a:t>
+            </a:r>
+            <a:r>
+              <a:rPr kumimoji="1" lang="en-US" altLang="zh-CN" dirty="0"/>
+              <a:t>tweet is labeled as </a:t>
+            </a:r>
+            <a:r>
+              <a:rPr kumimoji="1" lang="en-US" altLang="zh-CN" dirty="0" smtClean="0"/>
+              <a:t>sarcastic if </a:t>
+            </a:r>
+            <a:r>
+              <a:rPr kumimoji="1" lang="en-US" altLang="zh-CN" dirty="0"/>
+              <a:t>either the SVM classifier or the </a:t>
+            </a:r>
+            <a:r>
+              <a:rPr kumimoji="1" lang="en-US" altLang="zh-CN" dirty="0" smtClean="0"/>
+              <a:t>Contrast method </a:t>
+            </a:r>
+            <a:r>
+              <a:rPr kumimoji="1" lang="en-US" altLang="zh-CN" dirty="0"/>
+              <a:t>identifies it as </a:t>
+            </a:r>
+            <a:r>
+              <a:rPr kumimoji="1" lang="en-US" altLang="zh-CN" dirty="0" smtClean="0"/>
+              <a:t>sarcastic</a:t>
+            </a:r>
+          </a:p>
+        </p:txBody>
+      </p:sp>
+      <p:pic>
+        <p:nvPicPr>
+          <p:cNvPr id="4" name="图片 3"/>
+          <p:cNvPicPr>
+            <a:picLocks noChangeAspect="1"/>
+          </p:cNvPicPr>
+          <p:nvPr/>
+        </p:nvPicPr>
+        <p:blipFill>
+          <a:blip r:embed="rId2">
+            <a:extLst>
+              <a:ext uri="{28A0092B-C50C-407E-A947-70E740481C1C}">
+                <a14:useLocalDpi xmlns:a14="http://schemas.microsoft.com/office/drawing/2010/main" val="0"/>
+              </a:ext>
+            </a:extLst>
+          </a:blip>
+          <a:stretch>
+            <a:fillRect/>
+          </a:stretch>
+        </p:blipFill>
+        <p:spPr>
+          <a:xfrm>
+            <a:off x="6669751" y="770681"/>
+            <a:ext cx="4485929" cy="5257799"/>
+          </a:xfrm>
+          <a:prstGeom prst="rect">
+            <a:avLst/>
+          </a:prstGeom>
+        </p:spPr>
+      </p:pic>
+    </p:spTree>
+    <p:extLst>
+      <p:ext uri="{BB962C8B-B14F-4D97-AF65-F5344CB8AC3E}">
+        <p14:creationId xmlns:p14="http://schemas.microsoft.com/office/powerpoint/2010/main" val="1522747436"/>
+      </p:ext>
+    </p:extLst>
+  </p:cSld>
+  <p:clrMapOvr>
+    <a:masterClrMapping/>
+  </p:clrMapOvr>
+</p:sld>
+</file>
+
+<file path=ppt/slides/slide24.xml><?xml version="1.0" encoding="utf-8"?>
+<p:sld xmlns:a="http://schemas.openxmlformats.org/drawingml/2006/main" xmlns:r="http://schemas.openxmlformats.org/officeDocument/2006/relationships" xmlns:p="http://schemas.openxmlformats.org/presentationml/2006/main">
+  <p:cSld>
+    <p:spTree>
+      <p:nvGrpSpPr>
+        <p:cNvPr id="1" name=""/>
+        <p:cNvGrpSpPr/>
+        <p:nvPr/>
+      </p:nvGrpSpPr>
+      <p:grpSpPr>
+        <a:xfrm>
+          <a:off x="0" y="0"/>
+          <a:ext cx="0" cy="0"/>
+          <a:chOff x="0" y="0"/>
+          <a:chExt cx="0" cy="0"/>
+        </a:xfrm>
+      </p:grpSpPr>
+      <p:sp>
+        <p:nvSpPr>
+          <p:cNvPr id="2" name="标题 1"/>
+          <p:cNvSpPr>
+            <a:spLocks noGrp="1"/>
+          </p:cNvSpPr>
+          <p:nvPr>
+            <p:ph type="title"/>
+          </p:nvPr>
+        </p:nvSpPr>
+        <p:spPr/>
+        <p:txBody>
+          <a:bodyPr/>
+          <a:lstStyle/>
+          <a:p>
+            <a:r>
+              <a:rPr kumimoji="1" lang="en-US" altLang="zh-CN" dirty="0" smtClean="0"/>
+              <a:t>Analysis</a:t>
+            </a:r>
+            <a:endParaRPr kumimoji="1" lang="zh-CN" altLang="en-US" dirty="0"/>
+          </a:p>
+        </p:txBody>
+      </p:sp>
+      <p:sp>
+        <p:nvSpPr>
+          <p:cNvPr id="3" name="内容占位符 2"/>
+          <p:cNvSpPr>
+            <a:spLocks noGrp="1"/>
+          </p:cNvSpPr>
+          <p:nvPr>
+            <p:ph idx="1"/>
+          </p:nvPr>
+        </p:nvSpPr>
+        <p:spPr/>
+        <p:txBody>
+          <a:bodyPr/>
+          <a:lstStyle/>
+          <a:p>
+            <a:endParaRPr kumimoji="1" lang="en-US" altLang="zh-CN" dirty="0" smtClean="0"/>
+          </a:p>
+          <a:p>
+            <a:r>
+              <a:rPr kumimoji="1" lang="en-US" altLang="zh-CN" dirty="0" smtClean="0"/>
+              <a:t>Examined </a:t>
+            </a:r>
+            <a:r>
+              <a:rPr kumimoji="1" lang="en-US" altLang="zh-CN" dirty="0"/>
+              <a:t>tweets that were incorrectly </a:t>
+            </a:r>
+            <a:r>
+              <a:rPr kumimoji="1" lang="en-US" altLang="zh-CN" dirty="0" smtClean="0"/>
+              <a:t>labeled as </a:t>
+            </a:r>
+            <a:r>
+              <a:rPr kumimoji="1" lang="en-US" altLang="zh-CN" dirty="0"/>
+              <a:t>sarcastic by the Contrast method</a:t>
+            </a:r>
+            <a:r>
+              <a:rPr kumimoji="1" lang="en-US" altLang="zh-CN" dirty="0" smtClean="0"/>
+              <a:t>.</a:t>
+            </a:r>
+          </a:p>
+          <a:p>
+            <a:pPr lvl="1"/>
+            <a:r>
+              <a:rPr kumimoji="1" lang="en-US" altLang="zh-CN" dirty="0" smtClean="0"/>
+              <a:t>Some false </a:t>
+            </a:r>
+            <a:r>
+              <a:rPr kumimoji="1" lang="en-US" altLang="zh-CN" dirty="0"/>
+              <a:t>hits come from </a:t>
+            </a:r>
+            <a:r>
+              <a:rPr kumimoji="1" lang="en-US" altLang="zh-CN" b="1" dirty="0">
+                <a:solidFill>
+                  <a:srgbClr val="FF0000"/>
+                </a:solidFill>
+              </a:rPr>
+              <a:t>situations</a:t>
+            </a:r>
+            <a:r>
+              <a:rPr kumimoji="1" lang="en-US" altLang="zh-CN" dirty="0"/>
+              <a:t> that are </a:t>
+            </a:r>
+            <a:r>
+              <a:rPr kumimoji="1" lang="en-US" altLang="zh-CN" b="1" dirty="0" smtClean="0">
+                <a:solidFill>
+                  <a:srgbClr val="FF0000"/>
+                </a:solidFill>
+              </a:rPr>
+              <a:t>frequently</a:t>
+            </a:r>
+            <a:r>
+              <a:rPr kumimoji="1" lang="en-US" altLang="zh-CN" dirty="0" smtClean="0"/>
+              <a:t> negative </a:t>
+            </a:r>
+            <a:r>
+              <a:rPr kumimoji="1" lang="en-US" altLang="zh-CN" dirty="0"/>
+              <a:t>but </a:t>
+            </a:r>
+            <a:r>
+              <a:rPr kumimoji="1" lang="en-US" altLang="zh-CN" b="1" dirty="0">
+                <a:solidFill>
+                  <a:srgbClr val="FF0000"/>
+                </a:solidFill>
+              </a:rPr>
+              <a:t>not always </a:t>
+            </a:r>
+            <a:r>
+              <a:rPr kumimoji="1" lang="en-US" altLang="zh-CN" dirty="0" smtClean="0"/>
+              <a:t>negative</a:t>
+            </a:r>
+          </a:p>
+          <a:p>
+            <a:pPr lvl="2"/>
+            <a:r>
+              <a:rPr kumimoji="1" lang="en-US" altLang="zh-CN" dirty="0" smtClean="0"/>
+              <a:t>e.g</a:t>
+            </a:r>
+            <a:r>
+              <a:rPr kumimoji="1" lang="en-US" altLang="zh-CN" dirty="0"/>
+              <a:t>., some </a:t>
+            </a:r>
+            <a:r>
+              <a:rPr kumimoji="1" lang="en-US" altLang="zh-CN" dirty="0" smtClean="0"/>
+              <a:t>people genuinely </a:t>
+            </a:r>
+            <a:r>
+              <a:rPr kumimoji="1" lang="en-US" altLang="zh-CN" dirty="0"/>
+              <a:t>like </a:t>
+            </a:r>
+            <a:r>
+              <a:rPr kumimoji="1" lang="en-US" altLang="zh-CN" b="1" dirty="0">
+                <a:solidFill>
+                  <a:srgbClr val="FF0000"/>
+                </a:solidFill>
+              </a:rPr>
+              <a:t>waking up </a:t>
+            </a:r>
+            <a:r>
+              <a:rPr kumimoji="1" lang="en-US" altLang="zh-CN" dirty="0" smtClean="0"/>
+              <a:t>early</a:t>
+            </a:r>
+          </a:p>
+          <a:p>
+            <a:pPr lvl="1"/>
+            <a:r>
+              <a:rPr kumimoji="1" lang="en-US" altLang="zh-CN" dirty="0" smtClean="0"/>
+              <a:t>Most false </a:t>
+            </a:r>
+            <a:r>
+              <a:rPr kumimoji="1" lang="en-US" altLang="zh-CN" dirty="0"/>
+              <a:t>hits were due to </a:t>
+            </a:r>
+            <a:r>
+              <a:rPr kumimoji="1" lang="en-US" altLang="zh-CN" b="1" dirty="0">
+                <a:solidFill>
+                  <a:srgbClr val="FF0000"/>
+                </a:solidFill>
+              </a:rPr>
+              <a:t>overly general negative </a:t>
+            </a:r>
+            <a:r>
+              <a:rPr kumimoji="1" lang="en-US" altLang="zh-CN" dirty="0" smtClean="0"/>
+              <a:t>situation phrases</a:t>
+            </a:r>
+          </a:p>
+          <a:p>
+            <a:pPr lvl="2"/>
+            <a:r>
+              <a:rPr kumimoji="1" lang="en-US" altLang="zh-CN" dirty="0" smtClean="0"/>
+              <a:t>e.g</a:t>
+            </a:r>
+            <a:r>
+              <a:rPr kumimoji="1" lang="en-US" altLang="zh-CN" dirty="0"/>
+              <a:t>., </a:t>
+            </a:r>
+            <a:r>
+              <a:rPr kumimoji="1" lang="en-US" altLang="zh-CN" dirty="0" smtClean="0"/>
+              <a:t>I </a:t>
+            </a:r>
+            <a:r>
+              <a:rPr kumimoji="1" lang="en-US" altLang="zh-CN" dirty="0"/>
+              <a:t>love </a:t>
+            </a:r>
+            <a:r>
+              <a:rPr kumimoji="1" lang="en-US" altLang="zh-CN" b="1" dirty="0">
+                <a:solidFill>
+                  <a:srgbClr val="FF0000"/>
+                </a:solidFill>
+              </a:rPr>
+              <a:t>working</a:t>
+            </a:r>
+            <a:r>
+              <a:rPr kumimoji="1" lang="en-US" altLang="zh-CN" dirty="0"/>
+              <a:t> </a:t>
+            </a:r>
+            <a:r>
+              <a:rPr kumimoji="1" lang="en-US" altLang="zh-CN" dirty="0" smtClean="0"/>
+              <a:t>there</a:t>
+            </a:r>
+          </a:p>
+          <a:p>
+            <a:endParaRPr kumimoji="1" lang="en-US" altLang="zh-CN" dirty="0" smtClean="0"/>
+          </a:p>
+          <a:p>
+            <a:r>
+              <a:rPr kumimoji="1" lang="en-US" altLang="zh-CN" dirty="0" smtClean="0"/>
+              <a:t>We </a:t>
+            </a:r>
+            <a:r>
+              <a:rPr kumimoji="1" lang="en-US" altLang="zh-CN" dirty="0"/>
+              <a:t>believe that an important </a:t>
+            </a:r>
+            <a:r>
+              <a:rPr kumimoji="1" lang="en-US" altLang="zh-CN" dirty="0" smtClean="0"/>
+              <a:t>direction for </a:t>
+            </a:r>
+            <a:r>
+              <a:rPr kumimoji="1" lang="en-US" altLang="zh-CN" dirty="0"/>
+              <a:t>future work will be to </a:t>
+            </a:r>
+            <a:r>
+              <a:rPr kumimoji="1" lang="en-US" altLang="zh-CN" b="1" dirty="0">
+                <a:solidFill>
+                  <a:srgbClr val="FF0000"/>
+                </a:solidFill>
+              </a:rPr>
+              <a:t>learn longer phrases </a:t>
+            </a:r>
+            <a:r>
+              <a:rPr kumimoji="1" lang="en-US" altLang="zh-CN" dirty="0" smtClean="0"/>
+              <a:t>that represent </a:t>
+            </a:r>
+            <a:r>
+              <a:rPr kumimoji="1" lang="en-US" altLang="zh-CN" dirty="0"/>
+              <a:t>more specific situations.</a:t>
+            </a:r>
+            <a:endParaRPr kumimoji="1" lang="zh-CN" altLang="en-US" dirty="0"/>
+          </a:p>
+        </p:txBody>
+      </p:sp>
+    </p:spTree>
+    <p:extLst>
+      <p:ext uri="{BB962C8B-B14F-4D97-AF65-F5344CB8AC3E}">
+        <p14:creationId xmlns:p14="http://schemas.microsoft.com/office/powerpoint/2010/main" val="384150416"/>
+      </p:ext>
+    </p:extLst>
+  </p:cSld>
+  <p:clrMapOvr>
+    <a:masterClrMapping/>
+  </p:clrMapOvr>
+</p:sld>
+</file>
+
+<file path=ppt/slides/slide25.xml><?xml version="1.0" encoding="utf-8"?>
+<p:sld xmlns:a="http://schemas.openxmlformats.org/drawingml/2006/main" xmlns:r="http://schemas.openxmlformats.org/officeDocument/2006/relationships" xmlns:p="http://schemas.openxmlformats.org/presentationml/2006/main">
+  <p:cSld>
+    <p:spTree>
+      <p:nvGrpSpPr>
+        <p:cNvPr id="1" name=""/>
+        <p:cNvGrpSpPr/>
+        <p:nvPr/>
+      </p:nvGrpSpPr>
+      <p:grpSpPr>
+        <a:xfrm>
+          <a:off x="0" y="0"/>
+          <a:ext cx="0" cy="0"/>
+          <a:chOff x="0" y="0"/>
+          <a:chExt cx="0" cy="0"/>
+        </a:xfrm>
+      </p:grpSpPr>
+      <p:sp>
+        <p:nvSpPr>
+          <p:cNvPr id="2" name="标题 1"/>
+          <p:cNvSpPr>
+            <a:spLocks noGrp="1"/>
+          </p:cNvSpPr>
+          <p:nvPr>
+            <p:ph type="title"/>
+          </p:nvPr>
+        </p:nvSpPr>
+        <p:spPr/>
+        <p:txBody>
+          <a:bodyPr/>
+          <a:lstStyle/>
+          <a:p>
+            <a:r>
+              <a:rPr kumimoji="1" lang="en-US" altLang="zh-CN" dirty="0" smtClean="0"/>
+              <a:t>Reference</a:t>
+            </a:r>
+            <a:endParaRPr kumimoji="1" lang="zh-CN" altLang="en-US" dirty="0"/>
+          </a:p>
+        </p:txBody>
+      </p:sp>
+      <p:sp>
+        <p:nvSpPr>
+          <p:cNvPr id="3" name="内容占位符 2"/>
+          <p:cNvSpPr>
+            <a:spLocks noGrp="1"/>
+          </p:cNvSpPr>
+          <p:nvPr>
+            <p:ph idx="1"/>
+          </p:nvPr>
+        </p:nvSpPr>
+        <p:spPr/>
+        <p:txBody>
+          <a:bodyPr/>
+          <a:lstStyle/>
+          <a:p>
+            <a:pPr lvl="1"/>
+            <a:r>
+              <a:rPr kumimoji="1" lang="en-US" altLang="zh-CN" dirty="0" smtClean="0"/>
+              <a:t>Ellen </a:t>
+            </a:r>
+            <a:r>
+              <a:rPr kumimoji="1" lang="en-US" altLang="zh-CN" dirty="0" err="1"/>
+              <a:t>Riloff</a:t>
+            </a:r>
+            <a:r>
+              <a:rPr kumimoji="1" lang="en-US" altLang="zh-CN" dirty="0"/>
+              <a:t>, </a:t>
+            </a:r>
+            <a:r>
+              <a:rPr kumimoji="1" lang="en-US" altLang="zh-CN" dirty="0" err="1"/>
+              <a:t>Ashequl</a:t>
+            </a:r>
+            <a:r>
+              <a:rPr kumimoji="1" lang="en-US" altLang="zh-CN" dirty="0"/>
+              <a:t> </a:t>
+            </a:r>
+            <a:r>
+              <a:rPr kumimoji="1" lang="en-US" altLang="zh-CN" dirty="0" err="1"/>
+              <a:t>Qadir</a:t>
+            </a:r>
+            <a:r>
+              <a:rPr kumimoji="1" lang="en-US" altLang="zh-CN" dirty="0"/>
+              <a:t>, </a:t>
+            </a:r>
+            <a:r>
+              <a:rPr kumimoji="1" lang="en-US" altLang="zh-CN" dirty="0" err="1"/>
+              <a:t>Prafulla</a:t>
+            </a:r>
+            <a:r>
+              <a:rPr kumimoji="1" lang="en-US" altLang="zh-CN" dirty="0"/>
+              <a:t> </a:t>
+            </a:r>
+            <a:r>
+              <a:rPr kumimoji="1" lang="en-US" altLang="zh-CN" dirty="0" err="1"/>
+              <a:t>Surve</a:t>
+            </a:r>
+            <a:r>
+              <a:rPr kumimoji="1" lang="en-US" altLang="zh-CN" dirty="0"/>
+              <a:t>, </a:t>
+            </a:r>
+            <a:r>
+              <a:rPr kumimoji="1" lang="en-US" altLang="zh-CN" dirty="0" err="1"/>
+              <a:t>Lalindra</a:t>
+            </a:r>
+            <a:r>
+              <a:rPr kumimoji="1" lang="en-US" altLang="zh-CN" dirty="0"/>
+              <a:t> De </a:t>
+            </a:r>
+            <a:r>
+              <a:rPr kumimoji="1" lang="en-US" altLang="zh-CN" dirty="0" smtClean="0"/>
+              <a:t>Silva, Nathan </a:t>
+            </a:r>
+            <a:r>
+              <a:rPr kumimoji="1" lang="en-US" altLang="zh-CN" dirty="0"/>
+              <a:t>Gilbert, and </a:t>
+            </a:r>
+            <a:r>
+              <a:rPr kumimoji="1" lang="en-US" altLang="zh-CN" dirty="0" err="1"/>
+              <a:t>Ruihong</a:t>
+            </a:r>
+            <a:r>
+              <a:rPr kumimoji="1" lang="en-US" altLang="zh-CN" dirty="0"/>
+              <a:t> Huang. 2013. Sarcasm as </a:t>
+            </a:r>
+            <a:r>
+              <a:rPr kumimoji="1" lang="en-US" altLang="zh-CN" dirty="0" smtClean="0"/>
+              <a:t>contrast between </a:t>
+            </a:r>
+            <a:r>
+              <a:rPr kumimoji="1" lang="en-US" altLang="zh-CN" dirty="0"/>
+              <a:t>a positive sentiment and negative situation. </a:t>
+            </a:r>
+            <a:r>
+              <a:rPr kumimoji="1" lang="en-US" altLang="zh-CN" dirty="0" smtClean="0"/>
+              <a:t>In EMNLP</a:t>
+            </a:r>
+            <a:r>
+              <a:rPr kumimoji="1" lang="en-US" altLang="zh-CN" dirty="0"/>
+              <a:t>, pages 704–714.</a:t>
+            </a:r>
+            <a:endParaRPr kumimoji="1" lang="zh-CN" altLang="en-US" dirty="0"/>
+          </a:p>
+        </p:txBody>
+      </p:sp>
+    </p:spTree>
+    <p:extLst>
+      <p:ext uri="{BB962C8B-B14F-4D97-AF65-F5344CB8AC3E}">
+        <p14:creationId xmlns:p14="http://schemas.microsoft.com/office/powerpoint/2010/main" val="264252401"/>
+      </p:ext>
+    </p:extLst>
+  </p:cSld>
+  <p:clrMapOvr>
+    <a:masterClrMapping/>
+  </p:clrMapOvr>
+</p:sld>
+</file>
+
 <file path=ppt/slides/slide3.xml><?xml version="1.0" encoding="utf-8"?>
 <p:sld xmlns:a="http://schemas.openxmlformats.org/drawingml/2006/main" xmlns:r="http://schemas.openxmlformats.org/officeDocument/2006/relationships" xmlns:p="http://schemas.openxmlformats.org/presentationml/2006/main">
   <p:cSld>
@@ -4824,7 +8294,23 @@
                   <a:srgbClr val="00B0F0"/>
                 </a:solidFill>
               </a:rPr>
-              <a:t>sentiment referring </a:t>
+              <a:t>sentiment </a:t>
+            </a:r>
+            <a:r>
+              <a:rPr lang="en-US" altLang="zh-CN" dirty="0" smtClean="0">
+                <a:solidFill>
+                  <a:srgbClr val="404040"/>
+                </a:solidFill>
+              </a:rPr>
+              <a:t>referring </a:t>
+            </a:r>
+            <a:r>
+              <a:rPr lang="en-US" altLang="zh-CN" dirty="0">
+                <a:solidFill>
+                  <a:srgbClr val="404040"/>
+                </a:solidFill>
+              </a:rPr>
+              <a:t>to </a:t>
             </a:r>
             <a:r>
               <a:rPr lang="en-US" altLang="zh-CN" b="1" dirty="0">
@@ -4832,7 +8318,7 @@
                   <a:srgbClr val="00B0F0"/>
                 </a:solidFill>
               </a:rPr>
-              <a:t>to a negative situation</a:t>
+              <a:t>a negative situation</a:t>
             </a:r>
             <a:r>
               <a:rPr lang="en-US" altLang="zh-CN" dirty="0" smtClean="0"/>
@@ -5223,8 +8709,76 @@
                   <a:srgbClr val="00B0F0"/>
                 </a:solidFill>
               </a:rPr>
-              <a:t>negative situations</a:t>
-            </a:r>
+              <a:t>negative </a:t>
+            </a:r>
+            <a:r>
+              <a:rPr lang="en-US" altLang="zh-CN" b="1" dirty="0" smtClean="0">
+                <a:solidFill>
+                  <a:srgbClr val="00B0F0"/>
+                </a:solidFill>
+              </a:rPr>
+              <a:t>situations</a:t>
+            </a:r>
+            <a:endParaRPr lang="en-US" altLang="zh-CN" b="1" dirty="0">
+              <a:solidFill>
+                <a:srgbClr val="00B0F0"/>
+              </a:solidFill>
+            </a:endParaRPr>
+          </a:p>
+          <a:p>
+            <a:pPr lvl="1"/>
+            <a:r>
+              <a:rPr lang="en-US" altLang="zh-CN" dirty="0" smtClean="0"/>
+              <a:t>using </a:t>
+            </a:r>
+            <a:r>
+              <a:rPr lang="en-US" altLang="zh-CN" dirty="0"/>
+              <a:t>only the </a:t>
+            </a:r>
+            <a:r>
+              <a:rPr lang="en-US" altLang="zh-CN" b="1" dirty="0">
+                <a:solidFill>
+                  <a:srgbClr val="00B0F0"/>
+                </a:solidFill>
+              </a:rPr>
+              <a:t>seed word “love” </a:t>
+            </a:r>
+            <a:r>
+              <a:rPr lang="en-US" altLang="zh-CN" dirty="0"/>
+              <a:t>and a </a:t>
+            </a:r>
+            <a:r>
+              <a:rPr lang="en-US" altLang="zh-CN" b="1" dirty="0">
+                <a:solidFill>
+                  <a:srgbClr val="00B0F0"/>
+                </a:solidFill>
+              </a:rPr>
+              <a:t>collection of sarcastic tweets </a:t>
+            </a:r>
+            <a:r>
+              <a:rPr lang="en-US" altLang="zh-CN" dirty="0">
+                <a:solidFill>
+                  <a:srgbClr val="404040"/>
+                </a:solidFill>
+              </a:rPr>
+              <a:t>as </a:t>
+            </a:r>
+            <a:r>
+              <a:rPr lang="en-US" altLang="zh-CN" dirty="0" smtClean="0">
+                <a:solidFill>
+                  <a:srgbClr val="404040"/>
+                </a:solidFill>
+              </a:rPr>
+              <a:t>input</a:t>
+            </a:r>
+            <a:endParaRPr lang="en-US" altLang="zh-CN" dirty="0">
+              <a:solidFill>
+                <a:srgbClr val="404040"/>
+              </a:solidFill>
+            </a:endParaRPr>
+          </a:p>
+          <a:p>
+            <a:pPr lvl="1"/>
             <a:endParaRPr lang="en-US" altLang="zh-CN" dirty="0" smtClean="0"/>
           </a:p>
         </p:txBody>
@@ -5276,14 +8830,11 @@
           <a:p>
             <a:r>
               <a:rPr lang="en-US" altLang="zh-CN" dirty="0"/>
-              <a:t>Bootstrapped Learning of Positive</a:t>
-            </a:r>
-            <a:br>
-              <a:rPr lang="en-US" altLang="zh-CN" dirty="0"/>
-            </a:br>
-            <a:r>
-              <a:rPr lang="en-US" altLang="zh-CN" dirty="0"/>
-              <a:t>Sentiments and Negative Situations</a:t>
+              <a:t>Overview of the Learning </a:t>
+            </a:r>
+            <a:r>
+              <a:rPr lang="en-US" altLang="zh-CN" dirty="0" smtClean="0"/>
+              <a:t>Process</a:t>
             </a:r>
             <a:endParaRPr kumimoji="1" lang="zh-CN" altLang="en-US" dirty="0"/>
           </a:p>
@@ -5302,20 +8853,136 @@
         <p:spPr/>
         <p:txBody>
           <a:bodyPr>
-            <a:normAutofit/>
+            <a:normAutofit fontScale="92500" lnSpcReduction="10000"/>
           </a:bodyPr>
           <a:lstStyle/>
           <a:p>
+            <a:r>
+              <a:rPr lang="en-US" altLang="zh-CN" dirty="0"/>
+              <a:t>A</a:t>
+            </a:r>
+            <a:r>
+              <a:rPr lang="en-US" altLang="zh-CN" dirty="0" smtClean="0"/>
+              <a:t>ssumption</a:t>
+            </a:r>
+            <a:endParaRPr lang="en-US" altLang="zh-CN" dirty="0"/>
+          </a:p>
+          <a:p>
+            <a:pPr lvl="1"/>
+            <a:r>
+              <a:rPr lang="en-US" altLang="zh-CN" dirty="0" smtClean="0"/>
+              <a:t>Many </a:t>
+            </a:r>
+            <a:r>
+              <a:rPr lang="en-US" altLang="zh-CN" dirty="0"/>
+              <a:t>sarcastic tweets contain both </a:t>
+            </a:r>
+            <a:r>
+              <a:rPr lang="en-US" altLang="zh-CN" dirty="0" smtClean="0"/>
+              <a:t>a </a:t>
+            </a:r>
+            <a:r>
+              <a:rPr lang="en-US" altLang="zh-CN" b="1" dirty="0" smtClean="0">
+                <a:solidFill>
+                  <a:srgbClr val="00B0F0"/>
+                </a:solidFill>
+              </a:rPr>
+              <a:t>positive </a:t>
+            </a:r>
+            <a:r>
+              <a:rPr lang="en-US" altLang="zh-CN" b="1" dirty="0">
+                <a:solidFill>
+                  <a:srgbClr val="00B0F0"/>
+                </a:solidFill>
+              </a:rPr>
+              <a:t>sentiment</a:t>
+            </a:r>
+            <a:r>
+              <a:rPr lang="en-US" altLang="zh-CN" dirty="0"/>
+              <a:t> and a </a:t>
+            </a:r>
+            <a:r>
+              <a:rPr lang="en-US" altLang="zh-CN" b="1" dirty="0">
+                <a:solidFill>
+                  <a:srgbClr val="00B0F0"/>
+                </a:solidFill>
+              </a:rPr>
+              <a:t>negative situation</a:t>
+            </a:r>
+            <a:r>
+              <a:rPr lang="en-US" altLang="zh-CN" dirty="0">
+                <a:solidFill>
+                  <a:schemeClr val="tx1"/>
+                </a:solidFill>
+              </a:rPr>
+              <a:t> in </a:t>
+            </a:r>
+            <a:r>
+              <a:rPr lang="en-US" altLang="zh-CN" b="1" dirty="0" smtClean="0">
+                <a:solidFill>
+                  <a:srgbClr val="00B0F0"/>
+                </a:solidFill>
+              </a:rPr>
+              <a:t>close proximity</a:t>
+            </a:r>
+            <a:r>
+              <a:rPr lang="en-US" altLang="zh-CN" dirty="0"/>
+              <a:t>, which is the source of the sarcasm</a:t>
+            </a:r>
+            <a:r>
+              <a:rPr lang="en-US" altLang="zh-CN" dirty="0" smtClean="0"/>
+              <a:t>.</a:t>
+            </a:r>
+          </a:p>
+          <a:p>
             <a:endParaRPr lang="en-US" altLang="zh-CN" dirty="0" smtClean="0"/>
           </a:p>
           <a:p>
             <a:r>
               <a:rPr lang="en-US" altLang="zh-CN" dirty="0" smtClean="0"/>
-              <a:t>Our </a:t>
+              <a:t>Although sentiments </a:t>
             </a:r>
             <a:r>
               <a:rPr lang="en-US" altLang="zh-CN" dirty="0"/>
-              <a:t>approach learns rich phrasal lexicons of </a:t>
+              <a:t>and situations can be </a:t>
+            </a:r>
+            <a:r>
+              <a:rPr lang="en-US" altLang="zh-CN" dirty="0" smtClean="0"/>
+              <a:t>expressed in </a:t>
+            </a:r>
+            <a:r>
+              <a:rPr lang="en-US" altLang="zh-CN" dirty="0"/>
+              <a:t>numerous ways, we focus </a:t>
+            </a:r>
+            <a:r>
+              <a:rPr lang="en-US" altLang="zh-CN" dirty="0" smtClean="0"/>
+              <a:t>on</a:t>
+            </a:r>
+          </a:p>
+          <a:p>
+            <a:pPr lvl="1"/>
+            <a:r>
+              <a:rPr lang="en-US" altLang="zh-CN" dirty="0" smtClean="0">
+                <a:solidFill>
+                  <a:schemeClr val="tx1"/>
+                </a:solidFill>
+              </a:rPr>
+              <a:t>positive sentiments</a:t>
+            </a:r>
+          </a:p>
+          <a:p>
+            <a:pPr lvl="2"/>
+            <a:r>
+              <a:rPr lang="en-US" altLang="zh-CN" dirty="0" smtClean="0"/>
+              <a:t>that </a:t>
+            </a:r>
+            <a:r>
+              <a:rPr lang="en-US" altLang="zh-CN" dirty="0"/>
+              <a:t>are </a:t>
+            </a:r>
+            <a:r>
+              <a:rPr lang="en-US" altLang="zh-CN" dirty="0" smtClean="0"/>
+              <a:t>expressed as a </a:t>
             </a:r>
             <a:r>
               <a:rPr lang="en-US" altLang="zh-CN" b="1" dirty="0" smtClean="0">
@@ -5323,7 +8990,118 @@
                   <a:srgbClr val="00B0F0"/>
                 </a:solidFill>
               </a:rPr>
-              <a:t>positive sentiments </a:t>
+              <a:t>verb phrase </a:t>
+            </a:r>
+            <a:r>
+              <a:rPr lang="en-US" altLang="zh-CN" dirty="0" smtClean="0">
+                <a:solidFill>
+                  <a:srgbClr val="404040"/>
+                </a:solidFill>
+              </a:rPr>
+              <a:t>or as a </a:t>
+            </a:r>
+            <a:r>
+              <a:rPr lang="en-US" altLang="zh-CN" b="1" dirty="0" smtClean="0">
+                <a:solidFill>
+                  <a:srgbClr val="00B0F0"/>
+                </a:solidFill>
+              </a:rPr>
+              <a:t>predicative(</a:t>
+            </a:r>
+            <a:r>
+              <a:rPr lang="zh-CN" altLang="en-US" b="1" dirty="0" smtClean="0">
+                <a:solidFill>
+                  <a:srgbClr val="00B0F0"/>
+                </a:solidFill>
+              </a:rPr>
+              <a:t>表语</a:t>
+            </a:r>
+            <a:r>
+              <a:rPr lang="en-US" altLang="zh-CN" b="1" dirty="0" smtClean="0">
+                <a:solidFill>
+                  <a:srgbClr val="00B0F0"/>
+                </a:solidFill>
+              </a:rPr>
+              <a:t>) </a:t>
+            </a:r>
+            <a:r>
+              <a:rPr lang="en-US" altLang="zh-CN" b="1" dirty="0" smtClean="0">
+                <a:solidFill>
+                  <a:srgbClr val="00B0F0"/>
+                </a:solidFill>
+              </a:rPr>
+              <a:t>expression</a:t>
+            </a:r>
+            <a:r>
+              <a:rPr lang="en-US" altLang="zh-CN" dirty="0" smtClean="0"/>
+              <a:t> (predicate </a:t>
+            </a:r>
+            <a:r>
+              <a:rPr lang="en-US" altLang="zh-CN" b="1" dirty="0" smtClean="0">
+                <a:solidFill>
+                  <a:srgbClr val="00B0F0"/>
+                </a:solidFill>
+              </a:rPr>
+              <a:t>adjective</a:t>
+            </a:r>
+            <a:r>
+              <a:rPr lang="en-US" altLang="zh-CN" dirty="0" smtClean="0"/>
+              <a:t> or predicate </a:t>
+            </a:r>
+            <a:r>
+              <a:rPr lang="en-US" altLang="zh-CN" b="1" dirty="0" smtClean="0">
+                <a:solidFill>
+                  <a:srgbClr val="00B0F0"/>
+                </a:solidFill>
+              </a:rPr>
+              <a:t>nominal</a:t>
+            </a:r>
+            <a:r>
+              <a:rPr lang="en-US" altLang="zh-CN" dirty="0" smtClean="0"/>
+              <a:t>)</a:t>
+            </a:r>
+            <a:r>
+              <a:rPr lang="zh-CN" altLang="en-US" dirty="0"/>
+              <a:t>名词性</a:t>
+            </a:r>
+            <a:r>
+              <a:rPr lang="zh-CN" altLang="en-US" dirty="0" smtClean="0"/>
+              <a:t>词</a:t>
+            </a:r>
+            <a:endParaRPr lang="en-US" altLang="zh-CN" dirty="0" smtClean="0"/>
+          </a:p>
+          <a:p>
+            <a:pPr lvl="1"/>
+            <a:r>
+              <a:rPr lang="en-US" altLang="zh-CN" dirty="0" smtClean="0"/>
+              <a:t>negative </a:t>
+            </a:r>
+            <a:r>
+              <a:rPr lang="en-US" altLang="zh-CN" dirty="0"/>
+              <a:t>activities or </a:t>
+            </a:r>
+            <a:r>
+              <a:rPr lang="en-US" altLang="zh-CN" dirty="0" smtClean="0"/>
+              <a:t>states</a:t>
+            </a:r>
+          </a:p>
+          <a:p>
+            <a:pPr lvl="2"/>
+            <a:r>
+              <a:rPr lang="en-US" altLang="zh-CN" dirty="0" smtClean="0"/>
+              <a:t>that </a:t>
+            </a:r>
+            <a:r>
+              <a:rPr lang="en-US" altLang="zh-CN" dirty="0"/>
+              <a:t>can be </a:t>
+            </a:r>
+            <a:r>
+              <a:rPr lang="en-US" altLang="zh-CN" dirty="0" smtClean="0"/>
+              <a:t>a complement </a:t>
+            </a:r>
+            <a:r>
+              <a:rPr lang="en-US" altLang="zh-CN" dirty="0"/>
+              <a:t>to a </a:t>
             </a:r>
             <a:r>
               <a:rPr lang="en-US" altLang="zh-CN" b="1" dirty="0">
@@ -5331,15 +9109,83 @@
                   <a:srgbClr val="00B0F0"/>
                 </a:solidFill>
               </a:rPr>
-              <a:t>and negative situations</a:t>
+              <a:t>verb </a:t>
+            </a:r>
+            <a:r>
+              <a:rPr lang="en-US" altLang="zh-CN" b="1" dirty="0" smtClean="0">
+                <a:solidFill>
+                  <a:srgbClr val="00B0F0"/>
+                </a:solidFill>
+              </a:rPr>
+              <a:t>phrase</a:t>
+            </a:r>
+          </a:p>
+          <a:p>
+            <a:endParaRPr lang="en-US" altLang="zh-CN" dirty="0" smtClean="0"/>
+          </a:p>
+          <a:p>
+            <a:r>
+              <a:rPr lang="en-US" altLang="zh-CN" dirty="0" smtClean="0"/>
+              <a:t>Tweets </a:t>
             </a:r>
             <a:r>
               <a:rPr lang="en-US" altLang="zh-CN" dirty="0"/>
-              <a:t> using </a:t>
-            </a:r>
-            <a:r>
-              <a:rPr lang="en-US" altLang="zh-CN" dirty="0" smtClean="0"/>
-              <a:t>only the </a:t>
+              <a:t>are often </a:t>
+            </a:r>
+            <a:r>
+              <a:rPr lang="en-US" altLang="zh-CN" dirty="0" smtClean="0"/>
+              <a:t>informally written </a:t>
+            </a:r>
+            <a:r>
+              <a:rPr lang="en-US" altLang="zh-CN" dirty="0"/>
+              <a:t>and </a:t>
+            </a:r>
+            <a:r>
+              <a:rPr lang="en-US" altLang="zh-CN" dirty="0" smtClean="0"/>
+              <a:t>ungrammatical</a:t>
+            </a:r>
+          </a:p>
+          <a:p>
+            <a:pPr lvl="1"/>
+            <a:r>
+              <a:rPr lang="en-US" altLang="zh-CN" dirty="0" smtClean="0"/>
+              <a:t>Try </a:t>
+            </a:r>
+            <a:r>
+              <a:rPr lang="en-US" altLang="zh-CN" dirty="0"/>
+              <a:t>to </a:t>
+            </a:r>
+            <a:r>
+              <a:rPr lang="en-US" altLang="zh-CN" dirty="0" smtClean="0"/>
+              <a:t>recognize these </a:t>
+            </a:r>
+            <a:r>
+              <a:rPr lang="en-US" altLang="zh-CN" dirty="0"/>
+              <a:t>syntactic structures </a:t>
+            </a:r>
+            <a:r>
+              <a:rPr lang="en-US" altLang="zh-CN" dirty="0" smtClean="0"/>
+              <a:t>heuristically(</a:t>
+            </a:r>
+            <a:r>
+              <a:rPr lang="zh-CN" altLang="en-US" dirty="0"/>
+              <a:t>启发</a:t>
+            </a:r>
+            <a:r>
+              <a:rPr lang="zh-CN" altLang="en-US" dirty="0" smtClean="0"/>
+              <a:t>式</a:t>
+            </a:r>
+            <a:r>
+              <a:rPr lang="en-US" altLang="zh-CN" dirty="0" smtClean="0"/>
+              <a:t>) </a:t>
+            </a:r>
+            <a:r>
+              <a:rPr lang="en-US" altLang="zh-CN" b="1" dirty="0" smtClean="0">
+                <a:solidFill>
+                  <a:srgbClr val="00B0F0"/>
+                </a:solidFill>
+              </a:rPr>
+              <a:t>using only </a:t>
             </a:r>
             <a:r>
               <a:rPr lang="en-US" altLang="zh-CN" b="1" dirty="0">
@@ -5347,234 +9193,19 @@
                   <a:srgbClr val="00B0F0"/>
                 </a:solidFill>
               </a:rPr>
-              <a:t>seed word “love” </a:t>
+              <a:t>part-of-speech tags</a:t>
             </a:r>
             <a:r>
               <a:rPr lang="en-US" altLang="zh-CN" dirty="0"/>
-              <a:t>and a </a:t>
-            </a:r>
-            <a:r>
-              <a:rPr lang="en-US" altLang="zh-CN" b="1" dirty="0">
+              <a:t> and </a:t>
+            </a:r>
+            <a:r>
+              <a:rPr lang="en-US" altLang="zh-CN" b="1" dirty="0" smtClean="0">
                 <a:solidFill>
                   <a:srgbClr val="00B0F0"/>
                 </a:solidFill>
               </a:rPr>
-              <a:t>collection of </a:t>
-            </a:r>
-            <a:r>
-              <a:rPr lang="en-US" altLang="zh-CN" b="1" dirty="0" smtClean="0">
-                <a:solidFill>
-                  <a:srgbClr val="00B0F0"/>
-                </a:solidFill>
-              </a:rPr>
-              <a:t>sarcastic tweets </a:t>
-            </a:r>
-            <a:r>
-              <a:rPr lang="en-US" altLang="zh-CN" b="1" dirty="0">
-                <a:solidFill>
-                  <a:srgbClr val="00B0F0"/>
-                </a:solidFill>
-              </a:rPr>
-              <a:t>as input</a:t>
-            </a:r>
-            <a:r>
-              <a:rPr lang="en-US" altLang="zh-CN" dirty="0" smtClean="0">
-                <a:solidFill>
-                  <a:schemeClr val="tx1"/>
-                </a:solidFill>
-              </a:rPr>
-              <a:t>.</a:t>
-            </a:r>
-          </a:p>
-          <a:p>
-            <a:pPr lvl="1"/>
-            <a:endParaRPr lang="en-US" altLang="zh-CN" dirty="0" smtClean="0"/>
-          </a:p>
-          <a:p>
-            <a:r>
-              <a:rPr lang="en-US" altLang="zh-CN" dirty="0" smtClean="0"/>
-              <a:t>Key presumption</a:t>
-            </a:r>
-          </a:p>
-          <a:p>
-            <a:pPr lvl="1"/>
-            <a:r>
-              <a:rPr lang="en-US" altLang="zh-CN" dirty="0" smtClean="0"/>
-              <a:t>if </a:t>
-            </a:r>
-            <a:r>
-              <a:rPr lang="en-US" altLang="zh-CN" dirty="0"/>
-              <a:t>you find a </a:t>
-            </a:r>
-            <a:r>
-              <a:rPr lang="en-US" altLang="zh-CN" b="1" dirty="0" smtClean="0">
-                <a:solidFill>
-                  <a:srgbClr val="00B0F0"/>
-                </a:solidFill>
-              </a:rPr>
-              <a:t>positive sentiment </a:t>
-            </a:r>
-            <a:r>
-              <a:rPr lang="en-US" altLang="zh-CN" b="1" dirty="0">
-                <a:solidFill>
-                  <a:srgbClr val="00B0F0"/>
-                </a:solidFill>
-              </a:rPr>
-              <a:t>or a negative situation </a:t>
-            </a:r>
-            <a:r>
-              <a:rPr lang="en-US" altLang="zh-CN" dirty="0"/>
-              <a:t>in a </a:t>
-            </a:r>
-            <a:r>
-              <a:rPr lang="en-US" altLang="zh-CN" dirty="0" smtClean="0"/>
-              <a:t>sarcastic tweet</a:t>
-            </a:r>
-            <a:r>
-              <a:rPr lang="en-US" altLang="zh-CN" dirty="0"/>
-              <a:t>, then you have found </a:t>
-            </a:r>
-            <a:r>
-              <a:rPr lang="en-US" altLang="zh-CN" b="1" dirty="0">
-                <a:solidFill>
-                  <a:srgbClr val="00B0F0"/>
-                </a:solidFill>
-              </a:rPr>
-              <a:t>the source of the sarcasm</a:t>
-            </a:r>
-            <a:r>
-              <a:rPr lang="en-US" altLang="zh-CN" dirty="0"/>
-              <a:t>.</a:t>
-            </a:r>
-          </a:p>
-          <a:p>
-            <a:pPr lvl="1"/>
-            <a:r>
-              <a:rPr lang="en-US" altLang="zh-CN" dirty="0" smtClean="0"/>
-              <a:t>The </a:t>
-            </a:r>
-            <a:r>
-              <a:rPr lang="en-US" altLang="zh-CN" dirty="0"/>
-              <a:t>sarcasm </a:t>
-            </a:r>
-            <a:r>
-              <a:rPr lang="en-US" altLang="zh-CN" dirty="0" smtClean="0"/>
-              <a:t>probably arises </a:t>
-            </a:r>
-            <a:r>
-              <a:rPr lang="en-US" altLang="zh-CN" dirty="0"/>
-              <a:t>from positive/negative contrast and we </a:t>
-            </a:r>
-            <a:r>
-              <a:rPr lang="en-US" altLang="zh-CN" dirty="0" smtClean="0"/>
-              <a:t>exploit </a:t>
-            </a:r>
-            <a:r>
-              <a:rPr lang="en-US" altLang="zh-CN" b="1" dirty="0" smtClean="0">
-                <a:solidFill>
-                  <a:srgbClr val="00B0F0"/>
-                </a:solidFill>
-              </a:rPr>
-              <a:t>syntactic(</a:t>
-            </a:r>
-            <a:r>
-              <a:rPr lang="zh-TW" altLang="en-US" b="1" dirty="0" smtClean="0">
-                <a:solidFill>
-                  <a:srgbClr val="00B0F0"/>
-                </a:solidFill>
-              </a:rPr>
-              <a:t>句法</a:t>
-            </a:r>
-            <a:r>
-              <a:rPr lang="en-US" altLang="zh-CN" b="1" dirty="0" smtClean="0">
-                <a:solidFill>
-                  <a:srgbClr val="00B0F0"/>
-                </a:solidFill>
-              </a:rPr>
-              <a:t>) </a:t>
-            </a:r>
-            <a:r>
-              <a:rPr lang="en-US" altLang="zh-CN" b="1" dirty="0">
-                <a:solidFill>
-                  <a:srgbClr val="00B0F0"/>
-                </a:solidFill>
-              </a:rPr>
-              <a:t>structure to extract phrases</a:t>
-            </a:r>
-            <a:r>
-              <a:rPr lang="en-US" altLang="zh-CN" dirty="0"/>
-              <a:t> that are </a:t>
-            </a:r>
-            <a:r>
-              <a:rPr lang="en-US" altLang="zh-CN" dirty="0" smtClean="0"/>
-              <a:t>likely to </a:t>
-            </a:r>
-            <a:r>
-              <a:rPr lang="en-US" altLang="zh-CN" dirty="0"/>
-              <a:t>have contrasting polarity</a:t>
-            </a:r>
-            <a:r>
-              <a:rPr lang="en-US" altLang="zh-CN" dirty="0" smtClean="0"/>
-              <a:t>.</a:t>
-            </a:r>
-          </a:p>
-          <a:p>
-            <a:pPr lvl="1"/>
-            <a:r>
-              <a:rPr lang="en-US" altLang="zh-CN" dirty="0" smtClean="0"/>
-              <a:t>The </a:t>
-            </a:r>
-            <a:r>
-              <a:rPr lang="en-US" altLang="zh-CN" b="1" dirty="0">
-                <a:solidFill>
-                  <a:srgbClr val="00B0F0"/>
-                </a:solidFill>
-              </a:rPr>
-              <a:t>short </a:t>
-            </a:r>
-            <a:r>
-              <a:rPr lang="en-US" altLang="zh-CN" b="1" dirty="0" smtClean="0">
-                <a:solidFill>
-                  <a:srgbClr val="00B0F0"/>
-                </a:solidFill>
-              </a:rPr>
-              <a:t>nature </a:t>
-            </a:r>
-            <a:r>
-              <a:rPr lang="en-US" altLang="zh-CN" dirty="0" smtClean="0"/>
-              <a:t>of </a:t>
-            </a:r>
-            <a:r>
-              <a:rPr lang="en-US" altLang="zh-CN" dirty="0"/>
-              <a:t>tweets </a:t>
-            </a:r>
-            <a:r>
-              <a:rPr lang="en-US" altLang="zh-CN" b="1" dirty="0">
-                <a:solidFill>
-                  <a:srgbClr val="00B0F0"/>
-                </a:solidFill>
-              </a:rPr>
-              <a:t>limits the search space</a:t>
-            </a:r>
-            <a:r>
-              <a:rPr lang="en-US" altLang="zh-CN" dirty="0"/>
-              <a:t> for the </a:t>
-            </a:r>
-            <a:r>
-              <a:rPr lang="en-US" altLang="zh-CN" dirty="0" smtClean="0"/>
-              <a:t>source</a:t>
-            </a:r>
-            <a:r>
-              <a:rPr lang="zh-TW" altLang="en-US" dirty="0" smtClean="0"/>
-              <a:t> </a:t>
-            </a:r>
-            <a:r>
-              <a:rPr lang="en-US" altLang="zh-CN" dirty="0" smtClean="0"/>
-              <a:t>of </a:t>
-            </a:r>
-            <a:r>
-              <a:rPr lang="en-US" altLang="zh-CN" dirty="0"/>
-              <a:t>the sarcasm</a:t>
+              <a:t>proximity</a:t>
             </a:r>
             <a:r>
               <a:rPr lang="en-US" altLang="zh-CN" dirty="0" smtClean="0"/>
@@ -5586,7 +9217,7 @@
     </p:spTree>
     <p:extLst>
       <p:ext uri="{BB962C8B-B14F-4D97-AF65-F5344CB8AC3E}">
-        <p14:creationId xmlns:p14="http://schemas.microsoft.com/office/powerpoint/2010/main" val="540186430"/>
+        <p14:creationId xmlns:p14="http://schemas.microsoft.com/office/powerpoint/2010/main" val="1313473245"/>
       </p:ext>
     </p:extLst>
   </p:cSld>
@@ -5630,11 +9261,7 @@
           <a:p>
             <a:r>
               <a:rPr lang="en-US" altLang="zh-CN" dirty="0"/>
-              <a:t>Overview of the Learning </a:t>
-            </a:r>
-            <a:r>
-              <a:rPr lang="en-US" altLang="zh-CN" dirty="0" smtClean="0"/>
-              <a:t>Process</a:t>
+              <a:t>Overview of the Learning Process</a:t>
             </a:r>
             <a:endParaRPr kumimoji="1" lang="zh-CN" altLang="en-US" dirty="0"/>
           </a:p>
@@ -5653,310 +9280,280 @@
         <p:spPr/>
         <p:txBody>
           <a:bodyPr>
-            <a:normAutofit lnSpcReduction="10000"/>
+            <a:normAutofit fontScale="92500" lnSpcReduction="10000"/>
           </a:bodyPr>
           <a:lstStyle/>
           <a:p>
             <a:r>
+              <a:rPr lang="en-US" altLang="zh-CN" dirty="0" smtClean="0"/>
+              <a:t>Assumption</a:t>
+            </a:r>
+          </a:p>
+          <a:p>
+            <a:pPr lvl="1"/>
+            <a:r>
               <a:rPr lang="en-US" altLang="zh-CN" dirty="0"/>
               <a:t>A</a:t>
             </a:r>
             <a:r>
               <a:rPr lang="en-US" altLang="zh-CN" dirty="0" smtClean="0"/>
-              <a:t>ssumption</a:t>
-            </a:r>
+              <a:t> </a:t>
+            </a:r>
+            <a:r>
+              <a:rPr lang="en-US" altLang="zh-CN" dirty="0"/>
+              <a:t>positive sentiment verb phrase usually appears to the left of a negative situation phrase and in close </a:t>
+            </a:r>
+            <a:r>
+              <a:rPr lang="en-US" altLang="zh-CN" dirty="0" smtClean="0"/>
+              <a:t>proximity</a:t>
+            </a:r>
+          </a:p>
+          <a:p>
+            <a:pPr algn="ctr"/>
+            <a:r>
+              <a:rPr lang="en-US" altLang="zh-CN" dirty="0" smtClean="0"/>
+              <a:t>[+ </a:t>
+            </a:r>
+            <a:r>
+              <a:rPr lang="en-US" altLang="zh-CN" dirty="0"/>
+              <a:t>VERB PHRASE] [– SITUATION PHRASE</a:t>
+            </a:r>
+            <a:r>
+              <a:rPr lang="en-US" altLang="zh-CN" dirty="0" smtClean="0"/>
+              <a:t>]</a:t>
+            </a:r>
+          </a:p>
+          <a:p>
+            <a:endParaRPr lang="en-US" altLang="zh-CN" dirty="0" smtClean="0"/>
+          </a:p>
+          <a:p>
+            <a:pPr lvl="1"/>
+            <a:r>
+              <a:rPr lang="en-US" altLang="zh-CN" dirty="0" smtClean="0"/>
+              <a:t>Our </a:t>
+            </a:r>
+            <a:r>
+              <a:rPr lang="en-US" altLang="zh-CN" dirty="0" smtClean="0"/>
+              <a:t>structural </a:t>
+            </a:r>
+            <a:r>
+              <a:rPr lang="en-US" altLang="zh-CN" dirty="0"/>
+              <a:t>assumption infers that </a:t>
+            </a:r>
+            <a:r>
+              <a:rPr lang="en-US" altLang="zh-CN" b="1" dirty="0">
+                <a:solidFill>
+                  <a:srgbClr val="00B0F0"/>
+                </a:solidFill>
+              </a:rPr>
+              <a:t>“love”</a:t>
+            </a:r>
+            <a:r>
+              <a:rPr lang="en-US" altLang="zh-CN" dirty="0"/>
+              <a:t> is </a:t>
+            </a:r>
+            <a:r>
+              <a:rPr lang="en-US" altLang="zh-CN" dirty="0" smtClean="0"/>
+              <a:t>probably </a:t>
+            </a:r>
+            <a:r>
+              <a:rPr lang="en-US" altLang="zh-CN" b="1" dirty="0" smtClean="0">
+                <a:solidFill>
+                  <a:srgbClr val="00B0F0"/>
+                </a:solidFill>
+              </a:rPr>
+              <a:t>followed </a:t>
+            </a:r>
+            <a:r>
+              <a:rPr lang="en-US" altLang="zh-CN" b="1" dirty="0">
+                <a:solidFill>
+                  <a:srgbClr val="00B0F0"/>
+                </a:solidFill>
+              </a:rPr>
+              <a:t>by </a:t>
+            </a:r>
+            <a:r>
+              <a:rPr lang="en-US" altLang="zh-CN" dirty="0"/>
+              <a:t>an expression that refers to a </a:t>
+            </a:r>
+            <a:r>
+              <a:rPr lang="en-US" altLang="zh-CN" b="1" dirty="0" smtClean="0">
+                <a:solidFill>
+                  <a:srgbClr val="00B0F0"/>
+                </a:solidFill>
+              </a:rPr>
+              <a:t>negative </a:t>
+            </a:r>
+            <a:r>
+              <a:rPr lang="en-US" altLang="zh-CN" b="1" dirty="0" smtClean="0">
+                <a:solidFill>
+                  <a:srgbClr val="00B0F0"/>
+                </a:solidFill>
+              </a:rPr>
+              <a:t>situation</a:t>
+            </a:r>
+            <a:endParaRPr lang="en-US" altLang="zh-CN" b="1" dirty="0" smtClean="0">
+              <a:solidFill>
+                <a:srgbClr val="00B0F0"/>
+              </a:solidFill>
+            </a:endParaRPr>
+          </a:p>
+          <a:p>
+            <a:pPr lvl="2"/>
+            <a:r>
+              <a:rPr lang="en-US" altLang="zh-CN" dirty="0" smtClean="0"/>
+              <a:t>“</a:t>
+            </a:r>
+            <a:r>
+              <a:rPr lang="en-US" altLang="zh-CN" dirty="0"/>
+              <a:t>love</a:t>
+            </a:r>
+            <a:r>
+              <a:rPr lang="en-US" altLang="zh-CN" dirty="0" smtClean="0"/>
+              <a:t>” </a:t>
+            </a:r>
+            <a:r>
+              <a:rPr lang="en-US" altLang="zh-CN" dirty="0"/>
+              <a:t>seems to be the most common positive sentiment term in sarcastic tweets</a:t>
+            </a:r>
+            <a:r>
+              <a:rPr lang="en-US" altLang="zh-CN" dirty="0" smtClean="0"/>
+              <a:t>.</a:t>
+            </a:r>
+          </a:p>
+          <a:p>
+            <a:pPr lvl="1"/>
+            <a:r>
+              <a:rPr lang="en-US" altLang="zh-CN" dirty="0" smtClean="0"/>
+              <a:t>Exploit </a:t>
+            </a:r>
+            <a:r>
+              <a:rPr lang="en-US" altLang="zh-CN" dirty="0"/>
+              <a:t>the structural assumption in </a:t>
+            </a:r>
+            <a:r>
+              <a:rPr lang="en-US" altLang="zh-CN" dirty="0" smtClean="0"/>
+              <a:t>the opposite direction</a:t>
+            </a:r>
+          </a:p>
+          <a:p>
+            <a:pPr lvl="2"/>
+            <a:r>
+              <a:rPr lang="en-US" altLang="zh-CN" dirty="0" smtClean="0"/>
+              <a:t>Infer that the </a:t>
+            </a:r>
+            <a:r>
+              <a:rPr lang="en-US" altLang="zh-CN" b="1" dirty="0" smtClean="0">
+                <a:solidFill>
+                  <a:srgbClr val="00B0F0"/>
+                </a:solidFill>
+              </a:rPr>
+              <a:t>negative </a:t>
+            </a:r>
+            <a:r>
+              <a:rPr lang="en-US" altLang="zh-CN" b="1" dirty="0">
+                <a:solidFill>
+                  <a:srgbClr val="00B0F0"/>
+                </a:solidFill>
+              </a:rPr>
+              <a:t>situation phrase </a:t>
+            </a:r>
+            <a:r>
+              <a:rPr lang="en-US" altLang="zh-CN" dirty="0">
+                <a:solidFill>
+                  <a:srgbClr val="404040"/>
+                </a:solidFill>
+              </a:rPr>
+              <a:t>is </a:t>
+            </a:r>
+            <a:r>
+              <a:rPr lang="en-US" altLang="zh-CN" b="1" dirty="0">
+                <a:solidFill>
+                  <a:srgbClr val="00B0F0"/>
+                </a:solidFill>
+              </a:rPr>
+              <a:t>preceded by </a:t>
+            </a:r>
+            <a:r>
+              <a:rPr lang="en-US" altLang="zh-CN" dirty="0">
+                <a:solidFill>
+                  <a:srgbClr val="404040"/>
+                </a:solidFill>
+              </a:rPr>
+              <a:t>a </a:t>
+            </a:r>
+            <a:r>
+              <a:rPr lang="en-US" altLang="zh-CN" b="1" dirty="0" smtClean="0">
+                <a:solidFill>
+                  <a:srgbClr val="00B0F0"/>
+                </a:solidFill>
+              </a:rPr>
+              <a:t>positive sentiment</a:t>
+            </a:r>
+            <a:endParaRPr lang="en-US" altLang="zh-CN" dirty="0" smtClean="0"/>
+          </a:p>
+          <a:p>
+            <a:pPr lvl="1"/>
+            <a:endParaRPr lang="en-US" altLang="zh-CN" dirty="0" smtClean="0"/>
+          </a:p>
+          <a:p>
+            <a:r>
+              <a:rPr lang="en-US" altLang="zh-CN" dirty="0" smtClean="0"/>
+              <a:t>The </a:t>
+            </a:r>
+            <a:r>
+              <a:rPr lang="en-US" altLang="zh-CN" dirty="0"/>
+              <a:t>bootstrapping process then </a:t>
+            </a:r>
+            <a:r>
+              <a:rPr lang="en-US" altLang="zh-CN" b="1" dirty="0">
+                <a:solidFill>
+                  <a:srgbClr val="00B0F0"/>
+                </a:solidFill>
+              </a:rPr>
+              <a:t>iterates</a:t>
+            </a:r>
+            <a:r>
+              <a:rPr lang="en-US" altLang="zh-CN" dirty="0"/>
+              <a:t>, </a:t>
+            </a:r>
+            <a:r>
+              <a:rPr lang="en-US" altLang="zh-CN" dirty="0" smtClean="0"/>
+              <a:t>alternately learning </a:t>
+            </a:r>
+            <a:r>
+              <a:rPr lang="en-US" altLang="zh-CN" dirty="0"/>
+              <a:t>more positive sentiment phrases and </a:t>
+            </a:r>
+            <a:r>
+              <a:rPr lang="en-US" altLang="zh-CN" dirty="0" smtClean="0"/>
+              <a:t>more negative </a:t>
+            </a:r>
+            <a:r>
+              <a:rPr lang="en-US" altLang="zh-CN" dirty="0"/>
+              <a:t>situation </a:t>
+            </a:r>
+            <a:r>
+              <a:rPr lang="en-US" altLang="zh-CN" dirty="0" smtClean="0"/>
+              <a:t>phrases</a:t>
+            </a:r>
+            <a:r>
+              <a:rPr lang="en-US" altLang="zh-CN" dirty="0" smtClean="0"/>
+              <a:t>.</a:t>
+            </a:r>
+          </a:p>
+          <a:p>
             <a:endParaRPr lang="en-US" altLang="zh-CN" dirty="0"/>
           </a:p>
           <a:p>
-            <a:pPr lvl="1"/>
-            <a:r>
-              <a:rPr lang="en-US" altLang="zh-CN" dirty="0" smtClean="0"/>
-              <a:t>Many </a:t>
-            </a:r>
-            <a:r>
-              <a:rPr lang="en-US" altLang="zh-CN" dirty="0"/>
-              <a:t>sarcastic tweets contain both </a:t>
-            </a:r>
-            <a:r>
-              <a:rPr lang="en-US" altLang="zh-CN" dirty="0" smtClean="0"/>
-              <a:t>a </a:t>
-            </a:r>
-            <a:r>
-              <a:rPr lang="en-US" altLang="zh-CN" b="1" dirty="0" smtClean="0">
-                <a:solidFill>
-                  <a:srgbClr val="00B0F0"/>
-                </a:solidFill>
-              </a:rPr>
-              <a:t>positive </a:t>
-            </a:r>
-            <a:r>
-              <a:rPr lang="en-US" altLang="zh-CN" b="1" dirty="0">
-                <a:solidFill>
-                  <a:srgbClr val="00B0F0"/>
-                </a:solidFill>
-              </a:rPr>
-              <a:t>sentiment</a:t>
-            </a:r>
-            <a:r>
-              <a:rPr lang="en-US" altLang="zh-CN" dirty="0"/>
-              <a:t> and a </a:t>
-            </a:r>
-            <a:r>
-              <a:rPr lang="en-US" altLang="zh-CN" b="1" dirty="0">
-                <a:solidFill>
-                  <a:srgbClr val="00B0F0"/>
-                </a:solidFill>
-              </a:rPr>
-              <a:t>negative situation</a:t>
-            </a:r>
-            <a:r>
-              <a:rPr lang="en-US" altLang="zh-CN" dirty="0">
-                <a:solidFill>
-                  <a:schemeClr val="tx1"/>
-                </a:solidFill>
-              </a:rPr>
-              <a:t> in </a:t>
-            </a:r>
-            <a:r>
-              <a:rPr lang="en-US" altLang="zh-CN" b="1" dirty="0" smtClean="0">
-                <a:solidFill>
-                  <a:srgbClr val="00B0F0"/>
-                </a:solidFill>
-              </a:rPr>
-              <a:t>close proximity</a:t>
-            </a:r>
-            <a:r>
-              <a:rPr lang="en-US" altLang="zh-CN" dirty="0"/>
-              <a:t>, which is the source of the sarcasm</a:t>
-            </a:r>
-            <a:r>
-              <a:rPr lang="en-US" altLang="zh-CN" dirty="0" smtClean="0"/>
-              <a:t>.</a:t>
-            </a:r>
-          </a:p>
-          <a:p>
             <a:endParaRPr lang="en-US" altLang="zh-CN" dirty="0" smtClean="0"/>
-          </a:p>
-          <a:p>
-            <a:r>
-              <a:rPr lang="en-US" altLang="zh-CN" dirty="0" smtClean="0"/>
-              <a:t>Although </a:t>
-            </a:r>
-            <a:r>
-              <a:rPr lang="en-US" altLang="zh-CN" dirty="0" smtClean="0"/>
-              <a:t>sentiments </a:t>
-            </a:r>
-            <a:r>
-              <a:rPr lang="en-US" altLang="zh-CN" dirty="0"/>
-              <a:t>and situations can be </a:t>
-            </a:r>
-            <a:r>
-              <a:rPr lang="en-US" altLang="zh-CN" dirty="0" smtClean="0"/>
-              <a:t>expressed in </a:t>
-            </a:r>
-            <a:r>
-              <a:rPr lang="en-US" altLang="zh-CN" dirty="0"/>
-              <a:t>numerous ways, we focus </a:t>
-            </a:r>
-            <a:r>
-              <a:rPr lang="en-US" altLang="zh-CN" dirty="0" smtClean="0"/>
-              <a:t>on</a:t>
-            </a:r>
-          </a:p>
-          <a:p>
-            <a:pPr lvl="1"/>
-            <a:r>
-              <a:rPr lang="en-US" altLang="zh-CN" dirty="0" smtClean="0">
-                <a:solidFill>
-                  <a:schemeClr val="tx1"/>
-                </a:solidFill>
-              </a:rPr>
-              <a:t>positive sentiments</a:t>
-            </a:r>
-          </a:p>
-          <a:p>
-            <a:pPr lvl="2"/>
-            <a:r>
-              <a:rPr lang="en-US" altLang="zh-CN" dirty="0" smtClean="0"/>
-              <a:t>that </a:t>
-            </a:r>
-            <a:r>
-              <a:rPr lang="en-US" altLang="zh-CN" dirty="0"/>
-              <a:t>are </a:t>
-            </a:r>
-            <a:r>
-              <a:rPr lang="en-US" altLang="zh-CN" dirty="0" smtClean="0"/>
-              <a:t>expressed as a </a:t>
-            </a:r>
-            <a:r>
-              <a:rPr lang="en-US" altLang="zh-CN" b="1" dirty="0" smtClean="0">
-                <a:solidFill>
-                  <a:srgbClr val="00B0F0"/>
-                </a:solidFill>
-              </a:rPr>
-              <a:t>verb phrase or as a predicative expression</a:t>
-            </a:r>
-            <a:r>
-              <a:rPr lang="en-US" altLang="zh-CN" dirty="0" smtClean="0"/>
-              <a:t> (predicate </a:t>
-            </a:r>
-            <a:r>
-              <a:rPr lang="en-US" altLang="zh-CN" b="1" dirty="0" smtClean="0">
-                <a:solidFill>
-                  <a:srgbClr val="00B0F0"/>
-                </a:solidFill>
-              </a:rPr>
-              <a:t>adjective</a:t>
-            </a:r>
-            <a:r>
-              <a:rPr lang="en-US" altLang="zh-CN" dirty="0" smtClean="0"/>
-              <a:t> or predicate </a:t>
-            </a:r>
-            <a:r>
-              <a:rPr lang="en-US" altLang="zh-CN" b="1" dirty="0" smtClean="0">
-                <a:solidFill>
-                  <a:srgbClr val="00B0F0"/>
-                </a:solidFill>
-              </a:rPr>
-              <a:t>nominal</a:t>
-            </a:r>
-            <a:r>
-              <a:rPr lang="en-US" altLang="zh-CN" dirty="0" smtClean="0"/>
-              <a:t>)</a:t>
-            </a:r>
-          </a:p>
-          <a:p>
-            <a:pPr lvl="1"/>
-            <a:r>
-              <a:rPr lang="en-US" altLang="zh-CN" dirty="0" smtClean="0"/>
-              <a:t>negative </a:t>
-            </a:r>
-            <a:r>
-              <a:rPr lang="en-US" altLang="zh-CN" dirty="0"/>
-              <a:t>activities or </a:t>
-            </a:r>
-            <a:r>
-              <a:rPr lang="en-US" altLang="zh-CN" dirty="0" smtClean="0"/>
-              <a:t>states</a:t>
-            </a:r>
-          </a:p>
-          <a:p>
-            <a:pPr lvl="2"/>
-            <a:r>
-              <a:rPr lang="en-US" altLang="zh-CN" dirty="0" smtClean="0"/>
-              <a:t>that </a:t>
-            </a:r>
-            <a:r>
-              <a:rPr lang="en-US" altLang="zh-CN" dirty="0"/>
-              <a:t>can be </a:t>
-            </a:r>
-            <a:r>
-              <a:rPr lang="en-US" altLang="zh-CN" dirty="0" smtClean="0"/>
-              <a:t>a complement </a:t>
-            </a:r>
-            <a:r>
-              <a:rPr lang="en-US" altLang="zh-CN" dirty="0"/>
-              <a:t>to a </a:t>
-            </a:r>
-            <a:r>
-              <a:rPr lang="en-US" altLang="zh-CN" b="1" dirty="0">
-                <a:solidFill>
-                  <a:srgbClr val="00B0F0"/>
-                </a:solidFill>
-              </a:rPr>
-              <a:t>verb </a:t>
-            </a:r>
-            <a:r>
-              <a:rPr lang="en-US" altLang="zh-CN" b="1" dirty="0" smtClean="0">
-                <a:solidFill>
-                  <a:srgbClr val="00B0F0"/>
-                </a:solidFill>
-              </a:rPr>
-              <a:t>phrase</a:t>
-            </a:r>
-          </a:p>
-          <a:p>
-            <a:endParaRPr lang="en-US" altLang="zh-CN" dirty="0" smtClean="0"/>
-          </a:p>
-          <a:p>
-            <a:r>
-              <a:rPr lang="en-US" altLang="zh-CN" dirty="0" smtClean="0"/>
-              <a:t>Tweets </a:t>
-            </a:r>
-            <a:r>
-              <a:rPr lang="en-US" altLang="zh-CN" dirty="0"/>
-              <a:t>are often </a:t>
-            </a:r>
-            <a:r>
-              <a:rPr lang="en-US" altLang="zh-CN" dirty="0" smtClean="0"/>
-              <a:t>informally written </a:t>
-            </a:r>
-            <a:r>
-              <a:rPr lang="en-US" altLang="zh-CN" dirty="0"/>
-              <a:t>and </a:t>
-            </a:r>
-            <a:r>
-              <a:rPr lang="en-US" altLang="zh-CN" dirty="0" smtClean="0"/>
-              <a:t>ungrammatical</a:t>
-            </a:r>
-          </a:p>
-          <a:p>
-            <a:pPr lvl="1"/>
-            <a:r>
-              <a:rPr lang="en-US" altLang="zh-CN" dirty="0" smtClean="0"/>
-              <a:t>Try </a:t>
-            </a:r>
-            <a:r>
-              <a:rPr lang="en-US" altLang="zh-CN" dirty="0"/>
-              <a:t>to </a:t>
-            </a:r>
-            <a:r>
-              <a:rPr lang="en-US" altLang="zh-CN" dirty="0" smtClean="0"/>
-              <a:t>recognize these </a:t>
-            </a:r>
-            <a:r>
-              <a:rPr lang="en-US" altLang="zh-CN" dirty="0"/>
-              <a:t>syntactic structures heuristically </a:t>
-            </a:r>
-            <a:r>
-              <a:rPr lang="en-US" altLang="zh-CN" b="1" dirty="0" smtClean="0">
-                <a:solidFill>
-                  <a:srgbClr val="00B0F0"/>
-                </a:solidFill>
-              </a:rPr>
-              <a:t>using only </a:t>
-            </a:r>
-            <a:r>
-              <a:rPr lang="en-US" altLang="zh-CN" b="1" dirty="0">
-                <a:solidFill>
-                  <a:srgbClr val="00B0F0"/>
-                </a:solidFill>
-              </a:rPr>
-              <a:t>part-of-speech tags</a:t>
-            </a:r>
-            <a:r>
-              <a:rPr lang="en-US" altLang="zh-CN" dirty="0"/>
-              <a:t> and </a:t>
-            </a:r>
-            <a:r>
-              <a:rPr lang="en-US" altLang="zh-CN" b="1" dirty="0" smtClean="0">
-                <a:solidFill>
-                  <a:srgbClr val="00B0F0"/>
-                </a:solidFill>
-              </a:rPr>
-              <a:t>proximity</a:t>
-            </a:r>
-            <a:r>
-              <a:rPr lang="en-US" altLang="zh-CN" dirty="0" smtClean="0"/>
-              <a:t>.</a:t>
-            </a:r>
           </a:p>
         </p:txBody>
       </p:sp>
     </p:spTree>
     <p:extLst>
       <p:ext uri="{BB962C8B-B14F-4D97-AF65-F5344CB8AC3E}">
-        <p14:creationId xmlns:p14="http://schemas.microsoft.com/office/powerpoint/2010/main" val="1313473245"/>
+        <p14:creationId xmlns:p14="http://schemas.microsoft.com/office/powerpoint/2010/main" val="948693192"/>
       </p:ext>
     </p:extLst>
   </p:cSld>
@@ -5985,7 +9582,7 @@
       </p:grpSpPr>
       <p:sp>
         <p:nvSpPr>
-          <p:cNvPr id="2" name="标题 1"/>
+          <p:cNvPr id="4" name="标题 3"/>
           <p:cNvSpPr>
             <a:spLocks noGrp="1"/>
           </p:cNvSpPr>
@@ -5999,8 +9596,8 @@
           <a:lstStyle/>
           <a:p>
             <a:r>
-              <a:rPr lang="en-US" altLang="zh-CN" dirty="0"/>
-              <a:t>Overview of the Learning Process</a:t>
+              <a:rPr kumimoji="1" lang="en-US" altLang="zh-CN" dirty="0"/>
+              <a:t>Learning Negative Situation Phrases</a:t>
             </a:r>
             <a:endParaRPr kumimoji="1" lang="zh-CN" altLang="en-US" dirty="0"/>
           </a:p>
@@ -6016,368 +9613,199 @@
             <p:ph idx="1"/>
           </p:nvPr>
         </p:nvSpPr>
-        <p:spPr/>
+        <p:spPr>
+          <a:xfrm>
+            <a:off x="1097280" y="1845733"/>
+            <a:ext cx="10058400" cy="4412191"/>
+          </a:xfrm>
+        </p:spPr>
         <p:txBody>
           <a:bodyPr>
-            <a:normAutofit fontScale="85000" lnSpcReduction="20000"/>
+            <a:normAutofit/>
           </a:bodyPr>
           <a:lstStyle/>
           <a:p>
             <a:r>
-              <a:rPr lang="en-US" altLang="zh-CN" dirty="0" smtClean="0"/>
-              <a:t>Assumption</a:t>
+              <a:rPr kumimoji="1" lang="en-US" altLang="zh-CN" dirty="0"/>
+              <a:t>Harvesting Candidate </a:t>
+            </a:r>
+            <a:r>
+              <a:rPr kumimoji="1" lang="en-US" altLang="zh-CN" dirty="0" smtClean="0"/>
+              <a:t>Phrases</a:t>
             </a:r>
           </a:p>
           <a:p>
             <a:pPr lvl="1"/>
             <a:r>
+              <a:rPr kumimoji="1" lang="en-US" altLang="zh-CN" dirty="0" smtClean="0"/>
+              <a:t>Extract </a:t>
+            </a:r>
+            <a:r>
+              <a:rPr kumimoji="1" lang="en-US" altLang="zh-CN" dirty="0"/>
+              <a:t>every 1-gram, 2-gram, and 3-gram that occurs immediately after </a:t>
+            </a:r>
+            <a:r>
+              <a:rPr kumimoji="1" lang="en-US" altLang="zh-CN" dirty="0" smtClean="0"/>
+              <a:t>of </a:t>
+            </a:r>
+            <a:r>
+              <a:rPr kumimoji="1" lang="en-US" altLang="zh-CN" dirty="0"/>
+              <a:t>a positive sentiment phrase</a:t>
+            </a:r>
+          </a:p>
+          <a:p>
+            <a:pPr lvl="2"/>
+            <a:r>
+              <a:rPr kumimoji="1" lang="en-US" altLang="zh-CN" dirty="0"/>
+              <a:t>For example</a:t>
+            </a:r>
+          </a:p>
+          <a:p>
+            <a:pPr lvl="3"/>
+            <a:r>
+              <a:rPr kumimoji="1" lang="en-US" altLang="zh-CN" dirty="0"/>
+              <a:t>Tweet: I </a:t>
+            </a:r>
+            <a:r>
+              <a:rPr kumimoji="1" lang="en-US" altLang="zh-CN" b="1" dirty="0">
+                <a:solidFill>
+                  <a:srgbClr val="00B0F0"/>
+                </a:solidFill>
+              </a:rPr>
+              <a:t>love</a:t>
+            </a:r>
+            <a:r>
+              <a:rPr kumimoji="1" lang="en-US" altLang="zh-CN" dirty="0"/>
+              <a:t> waiting forever for the doctor #sarcasm</a:t>
+            </a:r>
+          </a:p>
+          <a:p>
+            <a:pPr lvl="3"/>
+            <a:r>
+              <a:rPr kumimoji="1" lang="en-US" altLang="zh-CN" dirty="0"/>
+              <a:t>Candidates: waiting, waiting forever, waiting forever for</a:t>
+            </a:r>
+          </a:p>
+          <a:p>
+            <a:pPr lvl="1"/>
+            <a:r>
+              <a:rPr kumimoji="1" lang="en-US" altLang="zh-CN" dirty="0" smtClean="0"/>
+              <a:t>For </a:t>
+            </a:r>
+            <a:r>
+              <a:rPr kumimoji="1" lang="en-US" altLang="zh-CN" dirty="0"/>
+              <a:t>negative situation phrases, our goal is to learn</a:t>
+            </a:r>
+            <a:r>
+              <a:rPr kumimoji="1" lang="en-US" altLang="zh-CN" dirty="0">
+                <a:solidFill>
+                  <a:srgbClr val="404040"/>
+                </a:solidFill>
+              </a:rPr>
+              <a:t> possible </a:t>
+            </a:r>
+            <a:r>
+              <a:rPr kumimoji="1" lang="en-US" altLang="zh-CN" b="1" dirty="0">
+                <a:solidFill>
+                  <a:srgbClr val="00B0F0"/>
+                </a:solidFill>
+              </a:rPr>
+              <a:t>verb phrase (VP)</a:t>
+            </a:r>
+            <a:r>
+              <a:rPr kumimoji="1" lang="en-US" altLang="zh-CN" dirty="0">
+                <a:solidFill>
+                  <a:srgbClr val="00B0F0"/>
+                </a:solidFill>
+              </a:rPr>
+              <a:t> </a:t>
+            </a:r>
+            <a:endParaRPr kumimoji="1" lang="en-US" altLang="zh-CN" dirty="0"/>
+          </a:p>
+          <a:p>
+            <a:pPr lvl="2"/>
+            <a:r>
+              <a:rPr kumimoji="1" lang="en-US" altLang="zh-CN" dirty="0"/>
+              <a:t>a unigram tagged as a verb (V)</a:t>
+            </a:r>
+          </a:p>
+          <a:p>
+            <a:pPr lvl="2"/>
+            <a:r>
+              <a:rPr kumimoji="1" lang="en-US" altLang="zh-CN" dirty="0" smtClean="0"/>
+              <a:t>7 </a:t>
+            </a:r>
+            <a:r>
+              <a:rPr kumimoji="1" lang="en-US" altLang="zh-CN" dirty="0"/>
+              <a:t>POS-based bigram </a:t>
+            </a:r>
+            <a:r>
+              <a:rPr kumimoji="1" lang="en-US" altLang="zh-CN" dirty="0" smtClean="0"/>
+              <a:t>patterns</a:t>
+            </a:r>
+          </a:p>
+          <a:p>
+            <a:pPr lvl="3"/>
+            <a:r>
+              <a:rPr kumimoji="1" lang="en-US" altLang="zh-CN" dirty="0" smtClean="0"/>
+              <a:t>V+V</a:t>
+            </a:r>
+            <a:r>
+              <a:rPr kumimoji="1" lang="en-US" altLang="zh-CN" dirty="0"/>
+              <a:t>, V+ADV, ADV+V, “</a:t>
+            </a:r>
+            <a:r>
+              <a:rPr kumimoji="1" lang="en-US" altLang="zh-CN" dirty="0" err="1"/>
+              <a:t>to”+V</a:t>
+            </a:r>
+            <a:r>
+              <a:rPr kumimoji="1" lang="en-US" altLang="zh-CN" dirty="0"/>
+              <a:t>, V+NOUN, V+PRO, V+ADJ</a:t>
+            </a:r>
+          </a:p>
+          <a:p>
+            <a:pPr lvl="2"/>
+            <a:r>
+              <a:rPr kumimoji="1" lang="en-US" altLang="zh-CN" dirty="0"/>
+              <a:t>20 POS-based trigram </a:t>
+            </a:r>
+            <a:r>
+              <a:rPr kumimoji="1" lang="en-US" altLang="zh-CN" dirty="0" smtClean="0"/>
+              <a:t>patterns</a:t>
+            </a:r>
+          </a:p>
+          <a:p>
+            <a:pPr lvl="3"/>
+            <a:r>
               <a:rPr lang="en-US" altLang="zh-CN" dirty="0"/>
-              <a:t>A</a:t>
-            </a:r>
-            <a:r>
-              <a:rPr lang="en-US" altLang="zh-CN" dirty="0" smtClean="0"/>
-              <a:t> </a:t>
+              <a:t>designed to capture seven general types </a:t>
+            </a:r>
+            <a:r>
+              <a:rPr lang="en-US" altLang="zh-CN" dirty="0" smtClean="0"/>
+              <a:t>of verb </a:t>
             </a:r>
             <a:r>
               <a:rPr lang="en-US" altLang="zh-CN" dirty="0"/>
-              <a:t>positive sentiment verb phrase usually appears to the left of a negative situation phrase and in close </a:t>
-            </a:r>
-            <a:r>
-              <a:rPr lang="en-US" altLang="zh-CN" dirty="0" smtClean="0"/>
-              <a:t>proximity</a:t>
-            </a:r>
-            <a:endParaRPr lang="en-US" altLang="zh-CN" dirty="0" smtClean="0"/>
-          </a:p>
-          <a:p>
-            <a:pPr algn="ctr"/>
-            <a:r>
-              <a:rPr lang="en-US" altLang="zh-CN" dirty="0" smtClean="0"/>
-              <a:t>[+ </a:t>
-            </a:r>
-            <a:r>
-              <a:rPr lang="en-US" altLang="zh-CN" dirty="0"/>
-              <a:t>VERB PHRASE] [– SITUATION PHRASE</a:t>
-            </a:r>
-            <a:r>
-              <a:rPr lang="en-US" altLang="zh-CN" dirty="0" smtClean="0"/>
-              <a:t>]</a:t>
-            </a:r>
-          </a:p>
-          <a:p>
-            <a:endParaRPr lang="en-US" altLang="zh-CN" dirty="0" smtClean="0"/>
-          </a:p>
-          <a:p>
-            <a:r>
-              <a:rPr lang="en-US" altLang="zh-CN" dirty="0" smtClean="0"/>
-              <a:t>Our structural </a:t>
-            </a:r>
-            <a:r>
-              <a:rPr lang="en-US" altLang="zh-CN" dirty="0"/>
-              <a:t>assumption infers that </a:t>
-            </a:r>
-            <a:r>
-              <a:rPr lang="en-US" altLang="zh-CN" b="1" dirty="0">
-                <a:solidFill>
-                  <a:srgbClr val="00B0F0"/>
-                </a:solidFill>
-              </a:rPr>
-              <a:t>“love”</a:t>
-            </a:r>
-            <a:r>
-              <a:rPr lang="en-US" altLang="zh-CN" dirty="0"/>
-              <a:t> is </a:t>
-            </a:r>
-            <a:r>
-              <a:rPr lang="en-US" altLang="zh-CN" dirty="0" smtClean="0"/>
-              <a:t>probably </a:t>
-            </a:r>
-            <a:r>
-              <a:rPr lang="en-US" altLang="zh-CN" b="1" dirty="0" smtClean="0">
-                <a:solidFill>
-                  <a:srgbClr val="00B0F0"/>
-                </a:solidFill>
-              </a:rPr>
-              <a:t>followed </a:t>
-            </a:r>
-            <a:r>
-              <a:rPr lang="en-US" altLang="zh-CN" b="1" dirty="0">
-                <a:solidFill>
-                  <a:srgbClr val="00B0F0"/>
-                </a:solidFill>
-              </a:rPr>
-              <a:t>by </a:t>
-            </a:r>
-            <a:r>
-              <a:rPr lang="en-US" altLang="zh-CN" dirty="0"/>
-              <a:t>an expression that refers to a </a:t>
-            </a:r>
-            <a:r>
-              <a:rPr lang="en-US" altLang="zh-CN" b="1" dirty="0" smtClean="0">
-                <a:solidFill>
-                  <a:srgbClr val="00B0F0"/>
-                </a:solidFill>
-              </a:rPr>
-              <a:t>negative situation</a:t>
-            </a:r>
-          </a:p>
-          <a:p>
-            <a:pPr lvl="1"/>
-            <a:r>
-              <a:rPr lang="en-US" altLang="zh-CN" dirty="0" smtClean="0"/>
-              <a:t>Harvest </a:t>
-            </a:r>
-            <a:r>
-              <a:rPr lang="en-US" altLang="zh-CN" dirty="0"/>
-              <a:t>the </a:t>
-            </a:r>
-            <a:r>
-              <a:rPr lang="en-US" altLang="zh-CN" b="1" dirty="0">
-                <a:solidFill>
-                  <a:srgbClr val="00B0F0"/>
-                </a:solidFill>
-              </a:rPr>
-              <a:t>n-grams</a:t>
-            </a:r>
-            <a:r>
-              <a:rPr lang="en-US" altLang="zh-CN" dirty="0"/>
-              <a:t> that </a:t>
-            </a:r>
-            <a:r>
-              <a:rPr lang="en-US" altLang="zh-CN" b="1" dirty="0">
-                <a:solidFill>
-                  <a:srgbClr val="00B0F0"/>
-                </a:solidFill>
-              </a:rPr>
-              <a:t>follow </a:t>
-            </a:r>
-            <a:r>
-              <a:rPr lang="en-US" altLang="zh-CN" b="1" dirty="0" smtClean="0">
-                <a:solidFill>
-                  <a:srgbClr val="00B0F0"/>
-                </a:solidFill>
-              </a:rPr>
-              <a:t>the word </a:t>
-            </a:r>
-            <a:r>
-              <a:rPr lang="en-US" altLang="zh-CN" b="1" dirty="0">
-                <a:solidFill>
-                  <a:srgbClr val="00B0F0"/>
-                </a:solidFill>
-              </a:rPr>
-              <a:t>“love”</a:t>
-            </a:r>
-            <a:r>
-              <a:rPr lang="en-US" altLang="zh-CN" dirty="0"/>
-              <a:t> as </a:t>
-            </a:r>
-            <a:r>
-              <a:rPr lang="en-US" altLang="zh-CN" b="1" dirty="0">
-                <a:solidFill>
-                  <a:srgbClr val="00B0F0"/>
-                </a:solidFill>
-              </a:rPr>
-              <a:t>negative situation candidates</a:t>
-            </a:r>
-            <a:r>
-              <a:rPr lang="en-US" altLang="zh-CN" dirty="0"/>
-              <a:t>. </a:t>
-            </a:r>
-            <a:endParaRPr lang="en-US" altLang="zh-CN" dirty="0" smtClean="0"/>
-          </a:p>
-          <a:p>
-            <a:pPr lvl="2"/>
-            <a:r>
-              <a:rPr lang="en-US" altLang="zh-CN" dirty="0"/>
-              <a:t>“love</a:t>
-            </a:r>
-            <a:r>
-              <a:rPr lang="en-US" altLang="zh-CN" dirty="0" smtClean="0"/>
-              <a:t>” </a:t>
-            </a:r>
-            <a:r>
-              <a:rPr lang="en-US" altLang="zh-CN" dirty="0"/>
-              <a:t>seems to be the most common positive sentiment term in sarcastic tweets</a:t>
-            </a:r>
-            <a:r>
-              <a:rPr lang="en-US" altLang="zh-CN" dirty="0" smtClean="0"/>
-              <a:t>.</a:t>
-            </a:r>
-            <a:endParaRPr lang="en-US" altLang="zh-CN" dirty="0" smtClean="0"/>
-          </a:p>
-          <a:p>
-            <a:r>
-              <a:rPr lang="en-US" altLang="zh-CN" dirty="0" smtClean="0"/>
-              <a:t>Exploit </a:t>
-            </a:r>
-            <a:r>
-              <a:rPr lang="en-US" altLang="zh-CN" dirty="0"/>
-              <a:t>the structural assumption in </a:t>
-            </a:r>
-            <a:r>
-              <a:rPr lang="en-US" altLang="zh-CN" dirty="0" smtClean="0"/>
-              <a:t>the opposite direction</a:t>
-            </a:r>
-          </a:p>
-          <a:p>
-            <a:pPr lvl="1"/>
-            <a:r>
-              <a:rPr lang="en-US" altLang="zh-CN" dirty="0" smtClean="0"/>
-              <a:t>Infer that the </a:t>
-            </a:r>
-            <a:r>
-              <a:rPr lang="en-US" altLang="zh-CN" b="1" dirty="0" smtClean="0">
-                <a:solidFill>
-                  <a:srgbClr val="00B0F0"/>
-                </a:solidFill>
-              </a:rPr>
-              <a:t>negative </a:t>
-            </a:r>
-            <a:r>
-              <a:rPr lang="en-US" altLang="zh-CN" b="1" dirty="0">
-                <a:solidFill>
-                  <a:srgbClr val="00B0F0"/>
-                </a:solidFill>
-              </a:rPr>
-              <a:t>situation phrase is preceded by a </a:t>
-            </a:r>
-            <a:r>
-              <a:rPr lang="en-US" altLang="zh-CN" b="1" dirty="0" smtClean="0">
-                <a:solidFill>
-                  <a:srgbClr val="00B0F0"/>
-                </a:solidFill>
-              </a:rPr>
-              <a:t>positive sentiment</a:t>
-            </a:r>
-            <a:endParaRPr lang="en-US" altLang="zh-CN" dirty="0" smtClean="0"/>
-          </a:p>
-          <a:p>
-            <a:pPr lvl="1"/>
-            <a:r>
-              <a:rPr lang="en-US" altLang="zh-CN" dirty="0" smtClean="0"/>
-              <a:t>Harvest </a:t>
-            </a:r>
-            <a:r>
-              <a:rPr lang="en-US" altLang="zh-CN" dirty="0"/>
-              <a:t>the </a:t>
-            </a:r>
-            <a:r>
-              <a:rPr lang="en-US" altLang="zh-CN" b="1" dirty="0">
-                <a:solidFill>
-                  <a:srgbClr val="00B0F0"/>
-                </a:solidFill>
-              </a:rPr>
-              <a:t>n-grams</a:t>
-            </a:r>
-            <a:r>
-              <a:rPr lang="en-US" altLang="zh-CN" dirty="0"/>
-              <a:t> that </a:t>
-            </a:r>
-            <a:r>
-              <a:rPr lang="en-US" altLang="zh-CN" b="1" dirty="0"/>
-              <a:t>precede </a:t>
-            </a:r>
-            <a:r>
-              <a:rPr lang="en-US" altLang="zh-CN" b="1" dirty="0" smtClean="0"/>
-              <a:t>the negative </a:t>
-            </a:r>
-            <a:r>
-              <a:rPr lang="en-US" altLang="zh-CN" b="1" dirty="0"/>
-              <a:t>situation phrases</a:t>
-            </a:r>
-            <a:r>
-              <a:rPr lang="en-US" altLang="zh-CN" dirty="0"/>
-              <a:t> as </a:t>
-            </a:r>
-            <a:r>
-              <a:rPr lang="en-US" altLang="zh-CN" b="1" dirty="0">
-                <a:solidFill>
-                  <a:srgbClr val="00B0F0"/>
-                </a:solidFill>
-              </a:rPr>
-              <a:t>positive sentiment </a:t>
-            </a:r>
-            <a:r>
-              <a:rPr lang="en-US" altLang="zh-CN" b="1" dirty="0" smtClean="0">
-                <a:solidFill>
-                  <a:srgbClr val="00B0F0"/>
-                </a:solidFill>
-              </a:rPr>
-              <a:t>candidates</a:t>
-            </a:r>
-            <a:endParaRPr lang="en-US" altLang="zh-CN" dirty="0" smtClean="0"/>
-          </a:p>
-          <a:p>
-            <a:pPr lvl="1"/>
-            <a:r>
-              <a:rPr lang="en-US" altLang="zh-CN" dirty="0" smtClean="0"/>
-              <a:t>score </a:t>
-            </a:r>
-            <a:r>
-              <a:rPr lang="en-US" altLang="zh-CN" dirty="0"/>
-              <a:t>and select the best candidates, </a:t>
-            </a:r>
-            <a:r>
-              <a:rPr lang="en-US" altLang="zh-CN" dirty="0" smtClean="0"/>
-              <a:t>and add </a:t>
-            </a:r>
-            <a:r>
-              <a:rPr lang="en-US" altLang="zh-CN" dirty="0"/>
-              <a:t>them to a list of positive sentiment phrases</a:t>
-            </a:r>
-            <a:r>
-              <a:rPr lang="en-US" altLang="zh-CN" dirty="0" smtClean="0"/>
-              <a:t>.</a:t>
-            </a:r>
-            <a:endParaRPr lang="en-US" altLang="zh-CN" dirty="0" smtClean="0"/>
-          </a:p>
-          <a:p>
-            <a:r>
-              <a:rPr lang="en-US" altLang="zh-CN" dirty="0" smtClean="0"/>
-              <a:t>The </a:t>
-            </a:r>
-            <a:r>
-              <a:rPr lang="en-US" altLang="zh-CN" dirty="0"/>
-              <a:t>bootstrapping process then </a:t>
-            </a:r>
-            <a:r>
-              <a:rPr lang="en-US" altLang="zh-CN" b="1" dirty="0">
-                <a:solidFill>
-                  <a:srgbClr val="00B0F0"/>
-                </a:solidFill>
-              </a:rPr>
-              <a:t>iterates</a:t>
-            </a:r>
-            <a:r>
-              <a:rPr lang="en-US" altLang="zh-CN" dirty="0"/>
-              <a:t>, </a:t>
-            </a:r>
-            <a:r>
-              <a:rPr lang="en-US" altLang="zh-CN" dirty="0" smtClean="0"/>
-              <a:t>alternately learning </a:t>
-            </a:r>
-            <a:r>
-              <a:rPr lang="en-US" altLang="zh-CN" dirty="0"/>
-              <a:t>more positive sentiment phrases and </a:t>
-            </a:r>
-            <a:r>
-              <a:rPr lang="en-US" altLang="zh-CN" dirty="0" smtClean="0"/>
-              <a:t>more negative </a:t>
-            </a:r>
-            <a:r>
-              <a:rPr lang="en-US" altLang="zh-CN" dirty="0"/>
-              <a:t>situation </a:t>
-            </a:r>
-            <a:r>
-              <a:rPr lang="en-US" altLang="zh-CN" dirty="0" smtClean="0"/>
-              <a:t>phrases.</a:t>
-            </a:r>
+              <a:t>phrases</a:t>
+            </a:r>
+            <a:endParaRPr kumimoji="1" lang="en-US" altLang="zh-CN" dirty="0" smtClean="0"/>
+          </a:p>
+          <a:p>
+            <a:pPr lvl="3"/>
+            <a:r>
+              <a:rPr kumimoji="1" lang="en-US" altLang="zh-CN" dirty="0"/>
+              <a:t>verb and adverb mixtures, an infinitive VP that includes an adverb, a verb phrase followed by a noun phrase, a verb phrase followed by a prepositional phrase, a verb followed by an adjective phrase, or an infinitive VP followed by an adjective, noun, or pronoun.</a:t>
+            </a:r>
+          </a:p>
+          <a:p>
+            <a:endParaRPr kumimoji="1" lang="zh-CN" altLang="en-US" dirty="0"/>
           </a:p>
         </p:txBody>
       </p:sp>
     </p:spTree>
     <p:extLst>
       <p:ext uri="{BB962C8B-B14F-4D97-AF65-F5344CB8AC3E}">
-        <p14:creationId xmlns:p14="http://schemas.microsoft.com/office/powerpoint/2010/main" val="948693192"/>
+        <p14:creationId xmlns:p14="http://schemas.microsoft.com/office/powerpoint/2010/main" val="7895146"/>
       </p:ext>
     </p:extLst>
   </p:cSld>
@@ -6420,8 +9848,8 @@
           <a:lstStyle/>
           <a:p>
             <a:r>
-              <a:rPr kumimoji="1" lang="en-US" altLang="zh-CN" dirty="0" smtClean="0"/>
-              <a:t>Bootstrapping Data</a:t>
+              <a:rPr kumimoji="1" lang="en-US" altLang="zh-CN" dirty="0"/>
+              <a:t>Learning Negative Situation Phrases</a:t>
             </a:r>
             <a:endParaRPr kumimoji="1" lang="zh-CN" altLang="en-US" dirty="0"/>
           </a:p>
@@ -6445,172 +9873,380 @@
           <a:lstStyle/>
           <a:p>
             <a:r>
-              <a:rPr lang="en-US" altLang="zh-CN" dirty="0" smtClean="0"/>
-              <a:t>Twitter</a:t>
+              <a:rPr kumimoji="1" lang="en-US" altLang="zh-CN" dirty="0"/>
+              <a:t>Scoring and Selecting </a:t>
+            </a:r>
+            <a:r>
+              <a:rPr kumimoji="1" lang="en-US" altLang="zh-CN" dirty="0" smtClean="0"/>
+              <a:t>Candidates</a:t>
             </a:r>
           </a:p>
           <a:p>
             <a:pPr lvl="1"/>
             <a:r>
-              <a:rPr lang="en-US" altLang="zh-CN" dirty="0" smtClean="0"/>
-              <a:t>35,000 </a:t>
+              <a:rPr kumimoji="1" lang="en-US" altLang="zh-CN" dirty="0" smtClean="0"/>
+              <a:t>Score </a:t>
+            </a:r>
+            <a:r>
+              <a:rPr kumimoji="1" lang="en-US" altLang="zh-CN" dirty="0"/>
+              <a:t>each negative situation </a:t>
+            </a:r>
+            <a:r>
+              <a:rPr kumimoji="1" lang="en-US" altLang="zh-CN" dirty="0" smtClean="0"/>
+              <a:t>candidate</a:t>
+            </a:r>
+            <a:r>
+              <a:rPr kumimoji="1" lang="zh-CN" altLang="en-US" dirty="0" smtClean="0"/>
+              <a:t> </a:t>
+            </a:r>
+            <a:r>
+              <a:rPr kumimoji="1" lang="en-US" altLang="zh-CN" dirty="0" smtClean="0"/>
+              <a:t>by </a:t>
+            </a:r>
+            <a:r>
+              <a:rPr kumimoji="1" lang="en-US" altLang="zh-CN" dirty="0"/>
+              <a:t>estimating the probability that a tweet is </a:t>
+            </a:r>
+            <a:r>
+              <a:rPr kumimoji="1" lang="en-US" altLang="zh-CN" dirty="0" smtClean="0"/>
+              <a:t>sarcastic</a:t>
+            </a:r>
+            <a:r>
+              <a:rPr kumimoji="1" lang="zh-CN" altLang="en-US" dirty="0" smtClean="0"/>
+              <a:t> </a:t>
+            </a:r>
+            <a:r>
+              <a:rPr kumimoji="1" lang="en-US" altLang="zh-CN" dirty="0" smtClean="0"/>
+              <a:t>given </a:t>
+            </a:r>
+            <a:r>
+              <a:rPr kumimoji="1" lang="en-US" altLang="zh-CN" dirty="0"/>
+              <a:t>that it contains the candidate phrase </a:t>
+            </a:r>
+            <a:r>
+              <a:rPr kumimoji="1" lang="en-US" altLang="zh-CN" dirty="0" smtClean="0"/>
+              <a:t>following</a:t>
+            </a:r>
+            <a:r>
+              <a:rPr kumimoji="1" lang="zh-CN" altLang="en-US" dirty="0" smtClean="0"/>
+              <a:t> </a:t>
+            </a:r>
+            <a:r>
+              <a:rPr kumimoji="1" lang="en-US" altLang="zh-CN" dirty="0" smtClean="0"/>
+              <a:t>a </a:t>
+            </a:r>
+            <a:r>
+              <a:rPr kumimoji="1" lang="en-US" altLang="zh-CN" dirty="0"/>
+              <a:t>positive sentiment phrase</a:t>
+            </a:r>
+            <a:r>
+              <a:rPr kumimoji="1" lang="en-US" altLang="zh-CN" dirty="0" smtClean="0"/>
+              <a:t>:</a:t>
+            </a:r>
+          </a:p>
+          <a:p>
+            <a:pPr lvl="1"/>
+            <a:endParaRPr kumimoji="1" lang="en-US" altLang="zh-CN" dirty="0" smtClean="0"/>
+          </a:p>
+          <a:p>
+            <a:pPr lvl="1"/>
+            <a:endParaRPr kumimoji="1" lang="en-US" altLang="zh-CN" dirty="0" smtClean="0"/>
+          </a:p>
+          <a:p>
+            <a:pPr lvl="1"/>
+            <a:endParaRPr kumimoji="1" lang="en-US" altLang="zh-CN" dirty="0" smtClean="0"/>
+          </a:p>
+          <a:p>
+            <a:pPr lvl="2"/>
+            <a:r>
+              <a:rPr kumimoji="1" lang="en-US" altLang="zh-CN" dirty="0" smtClean="0"/>
+              <a:t>Discard phrases</a:t>
+            </a:r>
+            <a:r>
+              <a:rPr kumimoji="1" lang="zh-CN" altLang="en-US" dirty="0" smtClean="0"/>
+              <a:t> </a:t>
+            </a:r>
+            <a:r>
+              <a:rPr kumimoji="1" lang="en-US" altLang="zh-CN" dirty="0" smtClean="0"/>
+              <a:t>that </a:t>
+            </a:r>
+            <a:r>
+              <a:rPr kumimoji="1" lang="en-US" altLang="zh-CN" dirty="0"/>
+              <a:t>have a frequency &lt; 3 in the tweet </a:t>
+            </a:r>
+            <a:r>
+              <a:rPr kumimoji="1" lang="en-US" altLang="zh-CN" dirty="0" smtClean="0"/>
+              <a:t>collection</a:t>
+            </a:r>
+            <a:r>
+              <a:rPr kumimoji="1" lang="zh-CN" altLang="en-US" dirty="0" smtClean="0"/>
+              <a:t> </a:t>
+            </a:r>
+            <a:r>
+              <a:rPr kumimoji="1" lang="en-US" altLang="zh-CN" dirty="0" smtClean="0"/>
+              <a:t>since </a:t>
+            </a:r>
+            <a:r>
+              <a:rPr kumimoji="1" lang="en-US" altLang="zh-CN" dirty="0"/>
+              <a:t>they are too sparse</a:t>
+            </a:r>
+            <a:r>
+              <a:rPr kumimoji="1" lang="en-US" altLang="zh-CN" dirty="0" smtClean="0"/>
+              <a:t>.</a:t>
+            </a:r>
+          </a:p>
+          <a:p>
+            <a:pPr lvl="2"/>
+            <a:r>
+              <a:rPr lang="en-US" altLang="zh-CN" dirty="0" smtClean="0"/>
+              <a:t>Rank </a:t>
             </a:r>
             <a:r>
               <a:rPr lang="en-US" altLang="zh-CN" dirty="0"/>
-              <a:t>tweets that contain the hashtag </a:t>
+              <a:t>the candidate phrases based </a:t>
+            </a:r>
+            <a:r>
+              <a:rPr lang="en-US" altLang="zh-CN" dirty="0" smtClean="0"/>
+              <a:t>on</a:t>
+            </a:r>
+            <a:r>
+              <a:rPr lang="zh-CN" altLang="en-US" dirty="0" smtClean="0"/>
+              <a:t> </a:t>
+            </a:r>
+            <a:r>
+              <a:rPr lang="en-US" altLang="zh-CN" dirty="0" smtClean="0"/>
+              <a:t>this </a:t>
+            </a:r>
+            <a:r>
+              <a:rPr lang="en-US" altLang="zh-CN" dirty="0"/>
+              <a:t>probability, using their frequency as a </a:t>
+            </a:r>
+            <a:r>
+              <a:rPr lang="en-US" altLang="zh-CN" dirty="0" smtClean="0"/>
+              <a:t>secondary</a:t>
+            </a:r>
+            <a:r>
+              <a:rPr lang="zh-CN" altLang="en-US" dirty="0" smtClean="0"/>
+              <a:t> </a:t>
+            </a:r>
+            <a:r>
+              <a:rPr lang="en-US" altLang="zh-CN" dirty="0" smtClean="0"/>
+              <a:t>key </a:t>
+            </a:r>
+            <a:r>
+              <a:rPr lang="en-US" altLang="zh-CN" dirty="0"/>
+              <a:t>in case of ties</a:t>
+            </a:r>
+            <a:r>
+              <a:rPr lang="en-US" altLang="zh-CN" dirty="0" smtClean="0"/>
+              <a:t>.</a:t>
+            </a:r>
+          </a:p>
+          <a:p>
+            <a:pPr lvl="1"/>
+            <a:r>
+              <a:rPr lang="en-US" altLang="zh-CN" dirty="0" smtClean="0"/>
+              <a:t>The </a:t>
+            </a:r>
+            <a:r>
+              <a:rPr lang="en-US" altLang="zh-CN" dirty="0"/>
+              <a:t>top 20 phrases with a </a:t>
+            </a:r>
+            <a:r>
+              <a:rPr lang="en-US" altLang="zh-CN" dirty="0" smtClean="0"/>
+              <a:t>probability</a:t>
+            </a:r>
+            <a:r>
+              <a:rPr lang="zh-CN" altLang="en-US" dirty="0" smtClean="0"/>
+              <a:t> </a:t>
+            </a:r>
+            <a:r>
+              <a:rPr lang="en-US" altLang="zh-CN" dirty="0" smtClean="0"/>
+              <a:t>0.80</a:t>
+            </a:r>
+            <a:r>
+              <a:rPr lang="zh-CN" altLang="en-US" dirty="0" smtClean="0"/>
+              <a:t> </a:t>
+            </a:r>
+            <a:r>
+              <a:rPr lang="en-US" altLang="zh-CN" dirty="0"/>
+              <a:t>are added to the negative </a:t>
+            </a:r>
+            <a:r>
+              <a:rPr lang="en-US" altLang="zh-CN" dirty="0" smtClean="0"/>
+              <a:t>situation</a:t>
+            </a:r>
+            <a:r>
+              <a:rPr lang="zh-CN" altLang="en-US" dirty="0" smtClean="0"/>
+              <a:t> </a:t>
+            </a:r>
+            <a:r>
+              <a:rPr lang="en-US" altLang="zh-CN" dirty="0" smtClean="0"/>
+              <a:t>phrase list</a:t>
+            </a:r>
+          </a:p>
+          <a:p>
+            <a:pPr lvl="2"/>
+            <a:r>
+              <a:rPr lang="en-US" altLang="zh-CN" dirty="0" smtClean="0"/>
+              <a:t>Fewer </a:t>
+            </a:r>
+            <a:r>
+              <a:rPr lang="en-US" altLang="zh-CN" dirty="0"/>
+              <a:t>than 20 phrases will be learned if &lt; 20 phrases </a:t>
+            </a:r>
+            <a:r>
+              <a:rPr lang="en-US" altLang="zh-CN" dirty="0" smtClean="0"/>
+              <a:t>pass this </a:t>
+            </a:r>
+            <a:r>
+              <a:rPr lang="en-US" altLang="zh-CN" dirty="0"/>
+              <a:t>threshold.</a:t>
+            </a:r>
+          </a:p>
+          <a:p>
+            <a:pPr lvl="2"/>
+            <a:r>
+              <a:rPr lang="en-US" altLang="zh-CN" dirty="0" smtClean="0"/>
+              <a:t>When </a:t>
+            </a:r>
+            <a:r>
+              <a:rPr lang="en-US" altLang="zh-CN" dirty="0"/>
+              <a:t>we add a phrase to the </a:t>
+            </a:r>
+            <a:r>
+              <a:rPr lang="en-US" altLang="zh-CN" dirty="0" smtClean="0"/>
+              <a:t>negative</a:t>
+            </a:r>
+            <a:r>
+              <a:rPr lang="zh-CN" altLang="en-US" dirty="0" smtClean="0"/>
+              <a:t> </a:t>
+            </a:r>
+            <a:r>
+              <a:rPr lang="en-US" altLang="zh-CN" dirty="0" smtClean="0"/>
+              <a:t>situation </a:t>
+            </a:r>
+            <a:r>
+              <a:rPr lang="en-US" altLang="zh-CN" dirty="0"/>
+              <a:t>list, we immediately </a:t>
             </a:r>
             <a:r>
               <a:rPr lang="en-US" altLang="zh-CN" b="1" dirty="0">
                 <a:solidFill>
-                  <a:srgbClr val="00B0F0"/>
-                </a:solidFill>
-              </a:rPr>
-              <a:t>#</a:t>
-            </a:r>
-            <a:r>
-              <a:rPr lang="en-US" altLang="zh-CN" b="1" dirty="0" smtClean="0">
-                <a:solidFill>
-                  <a:srgbClr val="00B0F0"/>
-                </a:solidFill>
-              </a:rPr>
-              <a:t>sarcasm or </a:t>
+                  <a:srgbClr val="FF0000"/>
+                </a:solidFill>
+              </a:rPr>
+              <a:t>remove</a:t>
+            </a:r>
+            <a:r>
+              <a:rPr lang="en-US" altLang="zh-CN" dirty="0"/>
+              <a:t> all </a:t>
+            </a:r>
+            <a:r>
+              <a:rPr lang="en-US" altLang="zh-CN" dirty="0" smtClean="0"/>
+              <a:t>other</a:t>
+            </a:r>
+            <a:r>
+              <a:rPr lang="zh-CN" altLang="en-US" dirty="0" smtClean="0"/>
+              <a:t> </a:t>
+            </a:r>
+            <a:r>
+              <a:rPr lang="en-US" altLang="zh-CN" dirty="0" smtClean="0"/>
+              <a:t>candidates </a:t>
+            </a:r>
+            <a:r>
+              <a:rPr lang="en-US" altLang="zh-CN" dirty="0"/>
+              <a:t>that are </a:t>
             </a:r>
             <a:r>
               <a:rPr lang="en-US" altLang="zh-CN" b="1" dirty="0">
                 <a:solidFill>
-                  <a:srgbClr val="00B0F0"/>
-                </a:solidFill>
-              </a:rPr>
-              <a:t>#sarcastic</a:t>
-            </a:r>
-            <a:r>
-              <a:rPr lang="en-US" altLang="zh-CN" dirty="0">
-                <a:solidFill>
-                  <a:schemeClr val="tx1"/>
-                </a:solidFill>
-              </a:rPr>
+                  <a:srgbClr val="FF0000"/>
+                </a:solidFill>
+              </a:rPr>
+              <a:t>subsumed by the selected phrase</a:t>
+            </a:r>
+            <a:r>
+              <a:rPr lang="en-US" altLang="zh-CN" dirty="0" smtClean="0"/>
+              <a:t>.</a:t>
+            </a:r>
+          </a:p>
+          <a:p>
+            <a:pPr lvl="1"/>
+            <a:r>
+              <a:rPr kumimoji="1" lang="en-US" altLang="zh-CN" dirty="0"/>
+              <a:t>The bootstrapping process stops when </a:t>
+            </a:r>
+            <a:r>
+              <a:rPr kumimoji="1" lang="en-US" altLang="zh-CN" b="1" dirty="0">
+                <a:solidFill>
+                  <a:srgbClr val="FF0000"/>
+                </a:solidFill>
+              </a:rPr>
+              <a:t>no</a:t>
+            </a:r>
+            <a:r>
+              <a:rPr kumimoji="1" lang="en-US" altLang="zh-CN" dirty="0"/>
               <a:t> </a:t>
             </a:r>
             <a:r>
-              <a:rPr lang="en-US" altLang="zh-CN" dirty="0" smtClean="0">
-                <a:solidFill>
-                  <a:schemeClr val="tx1"/>
-                </a:solidFill>
-              </a:rPr>
-              <a:t>(</a:t>
-            </a:r>
-            <a:r>
-              <a:rPr lang="en-US" altLang="zh-CN" dirty="0">
-                <a:solidFill>
-                  <a:schemeClr val="tx1"/>
-                </a:solidFill>
-              </a:rPr>
-              <a:t>20</a:t>
-            </a:r>
-            <a:r>
-              <a:rPr lang="en-US" altLang="zh-CN" dirty="0" smtClean="0">
-                <a:solidFill>
-                  <a:schemeClr val="tx1"/>
-                </a:solidFill>
-              </a:rPr>
-              <a:t>%)</a:t>
-            </a:r>
-          </a:p>
-          <a:p>
-            <a:pPr lvl="1"/>
-            <a:r>
-              <a:rPr lang="en-US" altLang="zh-CN" dirty="0" smtClean="0"/>
-              <a:t>140,000 </a:t>
-            </a:r>
-            <a:r>
-              <a:rPr lang="en-US" altLang="zh-CN" dirty="0"/>
-              <a:t>additional </a:t>
-            </a:r>
-            <a:r>
-              <a:rPr lang="en-US" altLang="zh-CN" dirty="0" smtClean="0"/>
-              <a:t>tweets from </a:t>
-            </a:r>
-            <a:r>
-              <a:rPr lang="en-US" altLang="zh-CN" dirty="0"/>
-              <a:t>Twitter’s </a:t>
-            </a:r>
-            <a:r>
-              <a:rPr lang="en-US" altLang="zh-CN" b="1" dirty="0">
-                <a:solidFill>
-                  <a:srgbClr val="00B0F0"/>
-                </a:solidFill>
-              </a:rPr>
-              <a:t>random daily </a:t>
-            </a:r>
-            <a:r>
-              <a:rPr lang="en-US" altLang="zh-CN" b="1" dirty="0" smtClean="0">
-                <a:solidFill>
-                  <a:srgbClr val="00B0F0"/>
-                </a:solidFill>
-              </a:rPr>
-              <a:t>stream</a:t>
-            </a:r>
-            <a:r>
-              <a:rPr lang="en-US" altLang="zh-CN" dirty="0" smtClean="0">
-                <a:solidFill>
-                  <a:schemeClr val="tx1"/>
-                </a:solidFill>
-              </a:rPr>
-              <a:t> (80%)</a:t>
-            </a:r>
-          </a:p>
-          <a:p>
-            <a:pPr lvl="2"/>
-            <a:r>
-              <a:rPr lang="en-US" altLang="zh-CN" dirty="0" smtClean="0"/>
-              <a:t>Removed the </a:t>
-            </a:r>
-            <a:r>
-              <a:rPr lang="en-US" altLang="zh-CN" dirty="0"/>
-              <a:t>tweets that contain a sarcasm hashtag, and </a:t>
-            </a:r>
-            <a:r>
-              <a:rPr lang="en-US" altLang="zh-CN" dirty="0" smtClean="0"/>
-              <a:t>considered the </a:t>
-            </a:r>
-            <a:r>
-              <a:rPr lang="en-US" altLang="zh-CN" dirty="0"/>
-              <a:t>rest to be negative instances of </a:t>
-            </a:r>
-            <a:r>
-              <a:rPr lang="en-US" altLang="zh-CN" dirty="0" smtClean="0"/>
-              <a:t>sarcasm.</a:t>
-            </a:r>
-          </a:p>
-          <a:p>
-            <a:r>
-              <a:rPr lang="en-US" altLang="zh-CN" dirty="0" smtClean="0"/>
-              <a:t>Applied CMU’s part-of-speech </a:t>
-            </a:r>
-            <a:r>
-              <a:rPr lang="en-US" altLang="zh-CN" dirty="0"/>
-              <a:t>tagger designed for tweets (</a:t>
-            </a:r>
-            <a:r>
-              <a:rPr lang="en-US" altLang="zh-CN" dirty="0" err="1" smtClean="0"/>
-              <a:t>Owoputiet</a:t>
-            </a:r>
-            <a:r>
-              <a:rPr lang="en-US" altLang="zh-CN" dirty="0" smtClean="0"/>
-              <a:t> </a:t>
-            </a:r>
-            <a:r>
-              <a:rPr lang="en-US" altLang="zh-CN" dirty="0"/>
-              <a:t>al., 2013) to this data set.</a:t>
+              <a:rPr kumimoji="1" lang="en-US" altLang="zh-CN" dirty="0" smtClean="0"/>
+              <a:t>more candidate </a:t>
+            </a:r>
+            <a:r>
+              <a:rPr kumimoji="1" lang="en-US" altLang="zh-CN" dirty="0"/>
+              <a:t>phrases </a:t>
+            </a:r>
+            <a:r>
+              <a:rPr kumimoji="1" lang="en-US" altLang="zh-CN" b="1" dirty="0">
+                <a:solidFill>
+                  <a:srgbClr val="FF0000"/>
+                </a:solidFill>
+              </a:rPr>
+              <a:t>pass the probability threshold</a:t>
+            </a:r>
+            <a:r>
+              <a:rPr kumimoji="1" lang="en-US" altLang="zh-CN" dirty="0"/>
+              <a:t>.</a:t>
             </a:r>
             <a:endParaRPr kumimoji="1" lang="zh-CN" altLang="en-US" dirty="0"/>
           </a:p>
         </p:txBody>
       </p:sp>
+      <p:pic>
+        <p:nvPicPr>
+          <p:cNvPr id="4" name="图片 3"/>
+          <p:cNvPicPr>
+            <a:picLocks noChangeAspect="1"/>
+          </p:cNvPicPr>
+          <p:nvPr/>
+        </p:nvPicPr>
+        <p:blipFill>
+          <a:blip r:embed="rId2">
+            <a:extLst>
+              <a:ext uri="{28A0092B-C50C-407E-A947-70E740481C1C}">
+                <a14:useLocalDpi xmlns:a14="http://schemas.microsoft.com/office/drawing/2010/main" val="0"/>
+              </a:ext>
+            </a:extLst>
+          </a:blip>
+          <a:stretch>
+            <a:fillRect/>
+          </a:stretch>
+        </p:blipFill>
+        <p:spPr>
+          <a:xfrm>
+            <a:off x="3499513" y="2920324"/>
+            <a:ext cx="4203700" cy="647700"/>
+          </a:xfrm>
+          <a:prstGeom prst="rect">
+            <a:avLst/>
+          </a:prstGeom>
+        </p:spPr>
+      </p:pic>
     </p:spTree>
     <p:extLst>
       <p:ext uri="{BB962C8B-B14F-4D97-AF65-F5344CB8AC3E}">
-        <p14:creationId xmlns:p14="http://schemas.microsoft.com/office/powerpoint/2010/main" val="1256188614"/>
+        <p14:creationId xmlns:p14="http://schemas.microsoft.com/office/powerpoint/2010/main" val="226277964"/>
       </p:ext>
     </p:extLst>
   </p:cSld>
@@ -6654,8 +10290,9 @@
           <a:p>
             <a:r>
               <a:rPr kumimoji="1" lang="en-US" altLang="zh-CN" dirty="0"/>
-              <a:t>Learning Negative Situation Phrases</a:t>
-            </a:r>
+              <a:t>Learning Positive Verb Phrases</a:t>
+            </a:r>
+            <a:endParaRPr kumimoji="1" lang="zh-CN" altLang="en-US" dirty="0"/>
           </a:p>
         </p:txBody>
       </p:sp>
@@ -6669,81 +10306,179 @@
             <p:ph idx="1"/>
           </p:nvPr>
         </p:nvSpPr>
-        <p:spPr/>
+        <p:spPr>
+          <a:xfrm>
+            <a:off x="1097280" y="1845734"/>
+            <a:ext cx="10058400" cy="3310466"/>
+          </a:xfrm>
+        </p:spPr>
         <p:txBody>
           <a:bodyPr>
-            <a:normAutofit/>
+            <a:normAutofit fontScale="85000" lnSpcReduction="10000"/>
           </a:bodyPr>
           <a:lstStyle/>
           <a:p>
+            <a:endParaRPr kumimoji="1" lang="en-US" altLang="zh-CN" dirty="0"/>
+          </a:p>
+          <a:p>
+            <a:r>
+              <a:rPr kumimoji="1" lang="en-US" altLang="zh-CN" dirty="0" smtClean="0"/>
+              <a:t>Collect </a:t>
+            </a:r>
+            <a:r>
+              <a:rPr kumimoji="1" lang="en-US" altLang="zh-CN" dirty="0"/>
+              <a:t>phrases that potentially convey a positive sentiment by extracting </a:t>
+            </a:r>
+            <a:r>
+              <a:rPr kumimoji="1" lang="en-US" altLang="zh-CN" b="1" dirty="0">
+                <a:solidFill>
+                  <a:srgbClr val="FF0000"/>
+                </a:solidFill>
+              </a:rPr>
+              <a:t>n-grams that precede a negative situation</a:t>
+            </a:r>
+            <a:r>
+              <a:rPr kumimoji="1" lang="en-US" altLang="zh-CN" dirty="0"/>
+              <a:t> phrase in a sarcastic tweet. </a:t>
+            </a:r>
             <a:endParaRPr kumimoji="1" lang="en-US" altLang="zh-CN" dirty="0" smtClean="0"/>
           </a:p>
           <a:p>
-            <a:r>
-              <a:rPr kumimoji="1" lang="en-US" altLang="zh-CN" dirty="0" smtClean="0"/>
-              <a:t>The learning process </a:t>
-            </a:r>
-            <a:r>
-              <a:rPr kumimoji="1" lang="en-US" altLang="zh-CN" dirty="0"/>
-              <a:t>consists of two </a:t>
-            </a:r>
-            <a:r>
-              <a:rPr kumimoji="1" lang="en-US" altLang="zh-CN" dirty="0" smtClean="0"/>
-              <a:t>steps:</a:t>
-            </a:r>
-          </a:p>
-          <a:p>
-            <a:pPr marL="544068" lvl="1" indent="-342900">
-              <a:buFont typeface="+mj-lt"/>
-              <a:buAutoNum type="arabicPeriod"/>
-            </a:pPr>
             <a:endParaRPr kumimoji="1" lang="en-US" altLang="zh-CN" dirty="0" smtClean="0"/>
           </a:p>
           <a:p>
-            <a:pPr marL="544068" lvl="1" indent="-342900">
-              <a:buFont typeface="+mj-lt"/>
-              <a:buAutoNum type="arabicPeriod"/>
-            </a:pPr>
-            <a:r>
-              <a:rPr kumimoji="1" lang="en-US" altLang="zh-CN" dirty="0"/>
-              <a:t>H</a:t>
-            </a:r>
-            <a:r>
-              <a:rPr kumimoji="1" lang="en-US" altLang="zh-CN" dirty="0" smtClean="0"/>
-              <a:t>arvesting candidate phrases</a:t>
-            </a:r>
-          </a:p>
-          <a:p>
-            <a:pPr marL="544068" lvl="1" indent="-342900">
-              <a:buFont typeface="+mj-lt"/>
-              <a:buAutoNum type="arabicPeriod"/>
-            </a:pPr>
+            <a:r>
+              <a:rPr kumimoji="1" lang="en-US" altLang="zh-CN" dirty="0" smtClean="0"/>
+              <a:t>Filter </a:t>
+            </a:r>
+            <a:r>
+              <a:rPr kumimoji="1" lang="en-US" altLang="zh-CN" dirty="0"/>
+              <a:t>the </a:t>
+            </a:r>
+            <a:r>
+              <a:rPr kumimoji="1" lang="en-US" altLang="zh-CN" dirty="0" smtClean="0"/>
+              <a:t>n-grams </a:t>
+            </a:r>
+            <a:r>
+              <a:rPr kumimoji="1" lang="en-US" altLang="zh-CN" dirty="0"/>
+              <a:t>using POS tag patterns so that we only keep n-grams that have a desired syntactic structure</a:t>
+            </a:r>
+            <a:r>
+              <a:rPr kumimoji="1" lang="en-US" altLang="zh-CN" dirty="0" smtClean="0"/>
+              <a:t>.</a:t>
+            </a:r>
+            <a:endParaRPr kumimoji="1" lang="en-US" altLang="zh-CN" dirty="0"/>
+          </a:p>
+          <a:p>
+            <a:pPr lvl="1"/>
+            <a:r>
+              <a:rPr kumimoji="1" lang="en-US" altLang="zh-CN" dirty="0" smtClean="0">
+                <a:solidFill>
+                  <a:srgbClr val="404040"/>
+                </a:solidFill>
+              </a:rPr>
+              <a:t>contain </a:t>
+            </a:r>
+            <a:r>
+              <a:rPr kumimoji="1" lang="en-US" altLang="zh-CN" b="1" dirty="0">
+                <a:solidFill>
+                  <a:srgbClr val="FF0000"/>
+                </a:solidFill>
+              </a:rPr>
+              <a:t>at least one </a:t>
+            </a:r>
+            <a:r>
+              <a:rPr kumimoji="1" lang="en-US" altLang="zh-CN" b="1" dirty="0" smtClean="0">
+                <a:solidFill>
+                  <a:srgbClr val="FF0000"/>
+                </a:solidFill>
+              </a:rPr>
+              <a:t>verb</a:t>
+            </a:r>
             <a:endParaRPr kumimoji="1" lang="en-US" altLang="zh-CN" dirty="0" smtClean="0"/>
           </a:p>
           <a:p>
-            <a:pPr marL="544068" lvl="1" indent="-342900">
-              <a:buFont typeface="+mj-lt"/>
-              <a:buAutoNum type="arabicPeriod"/>
-            </a:pPr>
-            <a:r>
-              <a:rPr kumimoji="1" lang="en-US" altLang="zh-CN" dirty="0" smtClean="0"/>
-              <a:t>Scoring </a:t>
-            </a:r>
-            <a:r>
-              <a:rPr kumimoji="1" lang="en-US" altLang="zh-CN" dirty="0"/>
-              <a:t>and selecting the </a:t>
-            </a:r>
-            <a:r>
-              <a:rPr kumimoji="1" lang="en-US" altLang="zh-CN" dirty="0" smtClean="0"/>
-              <a:t>best candidates.</a:t>
-            </a:r>
-          </a:p>
-        </p:txBody>
-      </p:sp>
+            <a:pPr lvl="1"/>
+            <a:r>
+              <a:rPr kumimoji="1" lang="en-US" altLang="zh-CN" dirty="0" smtClean="0"/>
+              <a:t>consist </a:t>
+            </a:r>
+            <a:r>
+              <a:rPr kumimoji="1" lang="en-US" altLang="zh-CN" dirty="0"/>
+              <a:t>only of </a:t>
+            </a:r>
+            <a:r>
+              <a:rPr kumimoji="1" lang="en-US" altLang="zh-CN" b="1" dirty="0">
+                <a:solidFill>
+                  <a:srgbClr val="FF0000"/>
+                </a:solidFill>
+              </a:rPr>
+              <a:t>verbs and (optionally) </a:t>
+            </a:r>
+            <a:r>
+              <a:rPr kumimoji="1" lang="en-US" altLang="zh-CN" b="1" dirty="0" smtClean="0">
+                <a:solidFill>
+                  <a:srgbClr val="FF0000"/>
+                </a:solidFill>
+              </a:rPr>
+              <a:t>adverbs</a:t>
+            </a:r>
+            <a:endParaRPr kumimoji="1" lang="en-US" altLang="zh-CN" dirty="0" smtClean="0"/>
+          </a:p>
+          <a:p>
+            <a:endParaRPr kumimoji="1" lang="en-US" altLang="zh-CN" dirty="0" smtClean="0"/>
+          </a:p>
+          <a:p>
+            <a:r>
+              <a:rPr kumimoji="1" lang="en-US" altLang="zh-CN" dirty="0" smtClean="0"/>
+              <a:t>Score </a:t>
+            </a:r>
+            <a:r>
+              <a:rPr kumimoji="1" lang="en-US" altLang="zh-CN" dirty="0"/>
+              <a:t>each candidate sentiment verb phrase by estimating the probability that a tweet is sarcastic given that it contains the candidate phrase preceding a negative situation </a:t>
+            </a:r>
+            <a:r>
+              <a:rPr kumimoji="1" lang="en-US" altLang="zh-CN" dirty="0" smtClean="0"/>
+              <a:t>phrase:</a:t>
+            </a:r>
+            <a:endParaRPr kumimoji="1" lang="zh-CN" altLang="en-US" dirty="0"/>
+          </a:p>
+        </p:txBody>
+      </p:sp>
+      <p:pic>
+        <p:nvPicPr>
+          <p:cNvPr id="4" name="图片 3"/>
+          <p:cNvPicPr>
+            <a:picLocks noChangeAspect="1"/>
+          </p:cNvPicPr>
+          <p:nvPr/>
+        </p:nvPicPr>
+        <p:blipFill>
+          <a:blip r:embed="rId2">
+            <a:extLst>
+              <a:ext uri="{28A0092B-C50C-407E-A947-70E740481C1C}">
+                <a14:useLocalDpi xmlns:a14="http://schemas.microsoft.com/office/drawing/2010/main" val="0"/>
+              </a:ext>
+            </a:extLst>
+          </a:blip>
+          <a:stretch>
+            <a:fillRect/>
+          </a:stretch>
+        </p:blipFill>
+        <p:spPr>
+          <a:xfrm>
+            <a:off x="3884930" y="5264574"/>
+            <a:ext cx="4483100" cy="635000"/>
+          </a:xfrm>
+          <a:prstGeom prst="rect">
+            <a:avLst/>
+          </a:prstGeom>
+        </p:spPr>
+      </p:pic>
     </p:spTree>
     <p:extLst>
       <p:ext uri="{BB962C8B-B14F-4D97-AF65-F5344CB8AC3E}">
-        <p14:creationId xmlns:p14="http://schemas.microsoft.com/office/powerpoint/2010/main" val="1715152357"/>
+        <p14:creationId xmlns:p14="http://schemas.microsoft.com/office/powerpoint/2010/main" val="85833866"/>
       </p:ext>
     </p:extLst>
   </p:cSld>
@@ -7034,4 +10769,265 @@
     </a:ext>
   </a:extLst>
 </a:theme>
+</file>
+
+<file path=ppt/theme/theme2.xml><?xml version="1.0" encoding="utf-8"?>
+<a:theme xmlns:a="http://schemas.openxmlformats.org/drawingml/2006/main" name="Office 主题">
+  <a:themeElements>
+    <a:clrScheme name="Office">
+      <a:dk1>
+        <a:sysClr val="windowText" lastClr="000000"/>
+      </a:dk1>
+      <a:lt1>
+        <a:sysClr val="window" lastClr="FFFFFF"/>
+      </a:lt1>
+      <a:dk2>
+        <a:srgbClr val="44546A"/>
+      </a:dk2>
+      <a:lt2>
+        <a:srgbClr val="E7E6E6"/>
+      </a:lt2>
+      <a:accent1>
+        <a:srgbClr val="5B9BD5"/>
+      </a:accent1>
+      <a:accent2>
+        <a:srgbClr val="ED7D31"/>
+      </a:accent2>
+      <a:accent3>
+        <a:srgbClr val="A5A5A5"/>
+      </a:accent3>
+      <a:accent4>
+        <a:srgbClr val="FFC000"/>
+      </a:accent4>
+      <a:accent5>
+        <a:srgbClr val="4472C4"/>
+      </a:accent5>
+      <a:accent6>
+        <a:srgbClr val="70AD47"/>
+      </a:accent6>
+      <a:hlink>
+        <a:srgbClr val="0563C1"/>
+      </a:hlink>
+      <a:folHlink>
+        <a:srgbClr val="954F72"/>
+      </a:folHlink>
+    </a:clrScheme>
+    <a:fontScheme name="Office">
+      <a:majorFont>
+        <a:latin typeface="DengXian Light" panose="020F0302020204030204"/>
+        <a:ea typeface=""/>
+        <a:cs typeface=""/>
+        <a:font script="Jpan" typeface="Yu Gothic Light"/>
+        <a:font script="Hang" typeface="맑은 고딕"/>
+        <a:font script="Hans" typeface="DengXian Light"/>
+        <a:font script="Hant" typeface="新細明體"/>
+        <a:font script="Arab" typeface="Times New Roman"/>
+        <a:font script="Hebr" typeface="Times New Roman"/>
+        <a:font script="Thai" typeface="Angsana New"/>
+        <a:font script="Ethi" typeface="Nyala"/>
+        <a:font script="Beng" typeface="Vrinda"/>
+        <a:font script="Gujr" typeface="Shruti"/>
+        <a:font script="Khmr" typeface="MoolBoran"/>
+        <a:font script="Knda" typeface="Tunga"/>
+        <a:font script="Guru" typeface="Raavi"/>
+        <a:font script="Cans" typeface="Euphemia"/>
+        <a:font script="Cher" typeface="Plantagenet Cherokee"/>
+        <a:font script="Yiii" typeface="Microsoft Yi Baiti"/>
+        <a:font script="Tibt" typeface="Microsoft Himalaya"/>
+        <a:font script="Thaa" typeface="MV Boli"/>
+        <a:font script="Deva" typeface="Mangal"/>
+        <a:font script="Telu" typeface="Gautami"/>
+        <a:font script="Taml" typeface="Latha"/>
+        <a:font script="Syrc" typeface="Estrangelo Edessa"/>
+        <a:font script="Orya" typeface="Kalinga"/>
+        <a:font script="Mlym" typeface="Kartika"/>
+        <a:font script="Laoo" typeface="DokChampa"/>
+        <a:font script="Sinh" typeface="Iskoola Pota"/>
+        <a:font script="Mong" typeface="Mongolian Baiti"/>
+        <a:font script="Viet" typeface="Times New Roman"/>
+        <a:font script="Uigh" typeface="Microsoft Uighur"/>
+        <a:font script="Geor" typeface="Sylfaen"/>
+      </a:majorFont>
+      <a:minorFont>
+        <a:latin typeface="DengXian" panose="020F0502020204030204"/>
+        <a:ea typeface=""/>
+        <a:cs typeface=""/>
+        <a:font script="Jpan" typeface="Yu Gothic"/>
+        <a:font script="Hang" typeface="맑은 고딕"/>
+        <a:font script="Hans" typeface="DengXian"/>
+        <a:font script="Hant" typeface="新細明體"/>
+        <a:font script="Arab" typeface="Arial"/>
+        <a:font script="Hebr" typeface="Arial"/>
+        <a:font script="Thai" typeface="Cordia New"/>
+        <a:font script="Ethi" typeface="Nyala"/>
+        <a:font script="Beng" typeface="Vrinda"/>
+        <a:font script="Gujr" typeface="Shruti"/>
+        <a:font script="Khmr" typeface="DaunPenh"/>
+        <a:font script="Knda" typeface="Tunga"/>
+        <a:font script="Guru" typeface="Raavi"/>
+        <a:font script="Cans" typeface="Euphemia"/>
+        <a:font script="Cher" typeface="Plantagenet Cherokee"/>
+        <a:font script="Yiii" typeface="Microsoft Yi Baiti"/>
+        <a:font script="Tibt" typeface="Microsoft Himalaya"/>
+        <a:font script="Thaa" typeface="MV Boli"/>
+        <a:font script="Deva" typeface="Mangal"/>
+        <a:font script="Telu" typeface="Gautami"/>
+        <a:font script="Taml" typeface="Latha"/>
+        <a:font script="Syrc" typeface="Estrangelo Edessa"/>
+        <a:font script="Orya" typeface="Kalinga"/>
+        <a:font script="Mlym" typeface="Kartika"/>
+        <a:font script="Laoo" typeface="DokChampa"/>
+        <a:font script="Sinh" typeface="Iskoola Pota"/>
+        <a:font script="Mong" typeface="Mongolian Baiti"/>
+        <a:font script="Viet" typeface="Arial"/>
+        <a:font script="Uigh" typeface="Microsoft Uighur"/>
+        <a:font script="Geor" typeface="Sylfaen"/>
+      </a:minorFont>
+    </a:fontScheme>
+    <a:fmtScheme name="Office">
+      <a:fillStyleLst>
+        <a:solidFill>
+          <a:schemeClr val="phClr"/>
+        </a:solidFill>
+        <a:gradFill rotWithShape="1">
+          <a:gsLst>
+            <a:gs pos="0">
+              <a:schemeClr val="phClr">
+                <a:lumMod val="110000"/>
+                <a:satMod val="105000"/>
+                <a:tint val="67000"/>
+              </a:schemeClr>
+            </a:gs>
+            <a:gs pos="50000">
+              <a:schemeClr val="phClr">
+                <a:lumMod val="105000"/>
+                <a:satMod val="103000"/>
+                <a:tint val="73000"/>
+              </a:schemeClr>
+            </a:gs>
+            <a:gs pos="100000">
+              <a:schemeClr val="phClr">
+                <a:lumMod val="105000"/>
+                <a:satMod val="109000"/>
+                <a:tint val="81000"/>
+              </a:schemeClr>
+            </a:gs>
+          </a:gsLst>
+          <a:lin ang="5400000" scaled="0"/>
+        </a:gradFill>
+        <a:gradFill rotWithShape="1">
+          <a:gsLst>
+            <a:gs pos="0">
+              <a:schemeClr val="phClr">
+                <a:satMod val="103000"/>
+                <a:lumMod val="102000"/>
+                <a:tint val="94000"/>
+              </a:schemeClr>
+            </a:gs>
+            <a:gs pos="50000">
+              <a:schemeClr val="phClr">
+                <a:satMod val="110000"/>
+                <a:lumMod val="100000"/>
+                <a:shade val="100000"/>
+              </a:schemeClr>
+            </a:gs>
+            <a:gs pos="100000">
+              <a:schemeClr val="phClr">
+                <a:lumMod val="99000"/>
+                <a:satMod val="120000"/>
+                <a:shade val="78000"/>
+              </a:schemeClr>
+            </a:gs>
+          </a:gsLst>
+          <a:lin ang="5400000" scaled="0"/>
+        </a:gradFill>
+      </a:fillStyleLst>
+      <a:lnStyleLst>
+        <a:ln w="6350" cap="flat" cmpd="sng" algn="ctr">
+          <a:solidFill>
+            <a:schemeClr val="phClr"/>
+          </a:solidFill>
+          <a:prstDash val="solid"/>
+          <a:miter lim="800000"/>
+        </a:ln>
+        <a:ln w="12700" cap="flat" cmpd="sng" algn="ctr">
+          <a:solidFill>
+            <a:schemeClr val="phClr"/>
+          </a:solidFill>
+          <a:prstDash val="solid"/>
+          <a:miter lim="800000"/>
+        </a:ln>
+        <a:ln w="19050" cap="flat" cmpd="sng" algn="ctr">
+          <a:solidFill>
+            <a:schemeClr val="phClr"/>
+          </a:solidFill>
+          <a:prstDash val="solid"/>
+          <a:miter lim="800000"/>
+        </a:ln>
+      </a:lnStyleLst>
+      <a:effectStyleLst>
+        <a:effectStyle>
+          <a:effectLst/>
+        </a:effectStyle>
+        <a:effectStyle>
+          <a:effectLst/>
+        </a:effectStyle>
+        <a:effectStyle>
+          <a:effectLst>
+            <a:outerShdw blurRad="57150" dist="19050" dir="5400000" algn="ctr" rotWithShape="0">
+              <a:srgbClr val="000000">
+                <a:alpha val="63000"/>
+              </a:srgbClr>
+            </a:outerShdw>
+          </a:effectLst>
+        </a:effectStyle>
+      </a:effectStyleLst>
+      <a:bgFillStyleLst>
+        <a:solidFill>
+          <a:schemeClr val="phClr"/>
+        </a:solidFill>
+        <a:solidFill>
+          <a:schemeClr val="phClr">
+            <a:tint val="95000"/>
+            <a:satMod val="170000"/>
+          </a:schemeClr>
+        </a:solidFill>
+        <a:gradFill rotWithShape="1">
+          <a:gsLst>
+            <a:gs pos="0">
+              <a:schemeClr val="phClr">
+                <a:tint val="93000"/>
+                <a:satMod val="150000"/>
+                <a:shade val="98000"/>
+                <a:lumMod val="102000"/>
+              </a:schemeClr>
+            </a:gs>
+            <a:gs pos="50000">
+              <a:schemeClr val="phClr">
+                <a:tint val="98000"/>
+                <a:satMod val="130000"/>
+                <a:shade val="90000"/>
+                <a:lumMod val="103000"/>
+              </a:schemeClr>
+            </a:gs>
+            <a:gs pos="100000">
+              <a:schemeClr val="phClr">
+                <a:shade val="63000"/>
+                <a:satMod val="120000"/>
+              </a:schemeClr>
+            </a:gs>
+          </a:gsLst>
+          <a:lin ang="5400000" scaled="0"/>
+        </a:gradFill>
+      </a:bgFillStyleLst>
+    </a:fmtScheme>
+  </a:themeElements>
+  <a:objectDefaults/>
+  <a:extraClrSchemeLst/>
+  <a:extLst>
+    <a:ext uri="{05A4C25C-085E-4340-85A3-A5531E510DB2}">
+      <thm15:themeFamily xmlns:thm15="http://schemas.microsoft.com/office/thememl/2012/main" name="Office Theme" id="{62F939B6-93AF-4DB8-9C6B-D6C7DFDC589F}" vid="{4A3C46E8-61CC-4603-A589-7422A47A8E4A}"/>
+    </a:ext>
+  </a:extLst>
+</a:theme>
 </file>